--- a/resources/class10/traversal.pptx
+++ b/resources/class10/traversal.pptx
@@ -6,6 +6,7 @@
   </p:sldMasterIdLst>
   <p:sldIdLst>
     <p:sldId id="258" r:id="rId2"/>
+    <p:sldId id="259" r:id="rId3"/>
   </p:sldIdLst>
   <p:sldSz cx="12192000" cy="6858000"/>
   <p:notesSz cx="6858000" cy="9144000"/>
@@ -104,7 +105,1584 @@
       </a:defRPr>
     </a:lvl9pPr>
   </p:defaultTextStyle>
+  <p:extLst>
+    <p:ext uri="{EFAFB233-063F-42B5-8137-9DF3F51BA10A}">
+      <p15:sldGuideLst xmlns:p15="http://schemas.microsoft.com/office/powerpoint/2012/main"/>
+    </p:ext>
+  </p:extLst>
 </p:presentation>
+</file>
+
+<file path=ppt/ink/ink1.xml><?xml version="1.0" encoding="utf-8"?>
+<inkml:ink xmlns:inkml="http://www.w3.org/2003/InkML">
+  <inkml:definitions>
+    <inkml:context xml:id="ctx0">
+      <inkml:inkSource xml:id="inkSrc0">
+        <inkml:traceFormat>
+          <inkml:channel name="X" type="integer" min="-2.14748E9" max="2.14748E9" units="cm"/>
+          <inkml:channel name="Y" type="integer" min="-2.14748E9" max="2.14748E9" units="cm"/>
+          <inkml:channel name="F" type="integer" max="32767" units="dev"/>
+        </inkml:traceFormat>
+        <inkml:channelProperties>
+          <inkml:channelProperty channel="X" name="resolution" value="1000" units="1/cm"/>
+          <inkml:channelProperty channel="Y" name="resolution" value="1000" units="1/cm"/>
+          <inkml:channelProperty channel="F" name="resolution" value="0" units="1/dev"/>
+        </inkml:channelProperties>
+      </inkml:inkSource>
+      <inkml:timestamp xml:id="ts0" timeString="2022-09-28T17:32:46.396"/>
+    </inkml:context>
+    <inkml:brush xml:id="br0">
+      <inkml:brushProperty name="width" value="0.05" units="cm"/>
+      <inkml:brushProperty name="height" value="0.05" units="cm"/>
+      <inkml:brushProperty name="color" value="#E71224"/>
+    </inkml:brush>
+  </inkml:definitions>
+  <inkml:trace contextRef="#ctx0" brushRef="#br0">132 3041 24575,'0'3'0,"0"0"0,0 1 0,0-1 0,1 0 0,-1 0 0,1 0 0,0 0 0,0 0 0,0 0 0,1-1 0,-1 1 0,1 0 0,-1-1 0,4 4 0,-10-21 0,2-1 0,0 0 0,-1-32 0,0-22 0,-9-86 0,1 1 0,-1-3 0,5 90 0,3-121 0,6 121 0,-15-125 0,7 128 0,3-1 0,4-74 0,2 71 0,-13-122 0,1 83 0,7-206 0,0-10 0,-9 224 0,5 59 0,0-55 0,5-9 0,5-174 0,1 258-1365,2 5-5461</inkml:trace>
+</inkml:ink>
+</file>
+
+<file path=ppt/ink/ink10.xml><?xml version="1.0" encoding="utf-8"?>
+<inkml:ink xmlns:inkml="http://www.w3.org/2003/InkML">
+  <inkml:definitions>
+    <inkml:context xml:id="ctx0">
+      <inkml:inkSource xml:id="inkSrc0">
+        <inkml:traceFormat>
+          <inkml:channel name="X" type="integer" min="-2.14748E9" max="2.14748E9" units="cm"/>
+          <inkml:channel name="Y" type="integer" min="-2.14748E9" max="2.14748E9" units="cm"/>
+          <inkml:channel name="F" type="integer" max="32767" units="dev"/>
+        </inkml:traceFormat>
+        <inkml:channelProperties>
+          <inkml:channelProperty channel="X" name="resolution" value="1000" units="1/cm"/>
+          <inkml:channelProperty channel="Y" name="resolution" value="1000" units="1/cm"/>
+          <inkml:channelProperty channel="F" name="resolution" value="0" units="1/dev"/>
+        </inkml:channelProperties>
+      </inkml:inkSource>
+      <inkml:timestamp xml:id="ts0" timeString="2022-09-28T17:32:52.865"/>
+    </inkml:context>
+    <inkml:brush xml:id="br0">
+      <inkml:brushProperty name="width" value="0.05" units="cm"/>
+      <inkml:brushProperty name="height" value="0.05" units="cm"/>
+      <inkml:brushProperty name="color" value="#E71224"/>
+    </inkml:brush>
+  </inkml:definitions>
+  <inkml:trace contextRef="#ctx0" brushRef="#br0">1 305 24575,'4'0'0,"6"0"0,1-4 0,-1-6 0,-3-6 0,-6-4 0,-4-3 0,-1-2 0,0-2 0,5 1 0,3-1 0,4 0 0,6 1 0,4 0 0,5 0 0,-3 4-8191</inkml:trace>
+</inkml:ink>
+</file>
+
+<file path=ppt/ink/ink11.xml><?xml version="1.0" encoding="utf-8"?>
+<inkml:ink xmlns:inkml="http://www.w3.org/2003/InkML">
+  <inkml:definitions>
+    <inkml:context xml:id="ctx0">
+      <inkml:inkSource xml:id="inkSrc0">
+        <inkml:traceFormat>
+          <inkml:channel name="X" type="integer" min="-2.14748E9" max="2.14748E9" units="cm"/>
+          <inkml:channel name="Y" type="integer" min="-2.14748E9" max="2.14748E9" units="cm"/>
+          <inkml:channel name="F" type="integer" max="32767" units="dev"/>
+        </inkml:traceFormat>
+        <inkml:channelProperties>
+          <inkml:channelProperty channel="X" name="resolution" value="1000" units="1/cm"/>
+          <inkml:channelProperty channel="Y" name="resolution" value="1000" units="1/cm"/>
+          <inkml:channelProperty channel="F" name="resolution" value="0" units="1/dev"/>
+        </inkml:channelProperties>
+      </inkml:inkSource>
+      <inkml:timestamp xml:id="ts0" timeString="2022-09-28T17:32:53.286"/>
+    </inkml:context>
+    <inkml:brush xml:id="br0">
+      <inkml:brushProperty name="width" value="0.05" units="cm"/>
+      <inkml:brushProperty name="height" value="0.05" units="cm"/>
+      <inkml:brushProperty name="color" value="#E71224"/>
+    </inkml:brush>
+  </inkml:definitions>
+  <inkml:trace contextRef="#ctx0" brushRef="#br0">185 1 24575,'-7'0'0,"-1"1"0,0 0 0,1 1 0,-1-1 0,1 2 0,-1-1 0,1 1 0,0 0 0,0 0 0,0 1 0,1 0 0,-1 0 0,1 1 0,0 0 0,0 0 0,1 0 0,-1 1 0,1 0 0,0 0 0,1 0 0,-1 0 0,-4 11 0,4-7 0,0-1 0,1 1 0,0 0 0,0 0 0,1 0 0,1 0 0,-1 1 0,2-1 0,0 1 0,0-1 0,1 1 0,0-1 0,0 1 0,1 0 0,1-1 0,3 11 0,-5-18 0,1-1 0,0 1 0,0 0 0,0-1 0,1 1 0,-1-1 0,0 1 0,1-1 0,0 0 0,0 1 0,-1-1 0,1 0 0,1 0 0,1 2 0,-2-3 0,-1-1 0,1 1 0,-1 0 0,1-1 0,-1 1 0,1-1 0,0 1 0,-1-1 0,1 0 0,0 0 0,-1 0 0,1 0 0,0 0 0,-1 0 0,1 0 0,0 0 0,-1-1 0,3 0 0,0-1 0,0 0 0,0 0 0,0 0 0,-1-1 0,1 1 0,-1-1 0,1 0 0,-1 0 0,0 0 0,0 0 0,0-1 0,-1 1 0,1-1 0,-1 0 0,0 0 0,0 0 0,1-5 0,3-8 0,-3 7 0,0 1 0,1-1 0,0 0 0,9-14 0,-12 23 0,0 0 0,-1 0 0,1 0 0,0 0 0,-1 0 0,1 0 0,0 0 0,0 1 0,0-1 0,0 0 0,0 0 0,0 1 0,0-1 0,0 1 0,0-1 0,0 1 0,0-1 0,0 1 0,1 0 0,-1-1 0,0 1 0,0 0 0,0 0 0,0 0 0,1 0 0,-1 0 0,0 0 0,0 0 0,0 1 0,0-1 0,1 0 0,-1 1 0,0-1 0,0 0 0,0 1 0,0 0 0,0-1 0,0 1 0,0-1 0,0 1 0,0 0 0,0 0 0,0 0 0,-1 0 0,1-1 0,0 1 0,-1 0 0,2 2 0,25 32-1365,-15-19-5461</inkml:trace>
+</inkml:ink>
+</file>
+
+<file path=ppt/ink/ink12.xml><?xml version="1.0" encoding="utf-8"?>
+<inkml:ink xmlns:inkml="http://www.w3.org/2003/InkML">
+  <inkml:definitions>
+    <inkml:context xml:id="ctx0">
+      <inkml:inkSource xml:id="inkSrc0">
+        <inkml:traceFormat>
+          <inkml:channel name="X" type="integer" min="-2.14748E9" max="2.14748E9" units="cm"/>
+          <inkml:channel name="Y" type="integer" min="-2.14748E9" max="2.14748E9" units="cm"/>
+          <inkml:channel name="F" type="integer" max="32767" units="dev"/>
+        </inkml:traceFormat>
+        <inkml:channelProperties>
+          <inkml:channelProperty channel="X" name="resolution" value="1000" units="1/cm"/>
+          <inkml:channelProperty channel="Y" name="resolution" value="1000" units="1/cm"/>
+          <inkml:channelProperty channel="F" name="resolution" value="0" units="1/dev"/>
+        </inkml:channelProperties>
+      </inkml:inkSource>
+      <inkml:timestamp xml:id="ts0" timeString="2022-09-28T17:32:53.639"/>
+    </inkml:context>
+    <inkml:brush xml:id="br0">
+      <inkml:brushProperty name="width" value="0.05" units="cm"/>
+      <inkml:brushProperty name="height" value="0.05" units="cm"/>
+      <inkml:brushProperty name="color" value="#E71224"/>
+    </inkml:brush>
+  </inkml:definitions>
+  <inkml:trace contextRef="#ctx0" brushRef="#br0">28 305 24575,'0'-4'0,"0"-6"0,-4-6 0,-2-4 0,0-4 0,1-1 0,2-1 0,1-1 0,1 0 0,1 1 0,0 0 0,0-1 0,5 6 0,5 5 0,2 6-8191</inkml:trace>
+</inkml:ink>
+</file>
+
+<file path=ppt/ink/ink13.xml><?xml version="1.0" encoding="utf-8"?>
+<inkml:ink xmlns:inkml="http://www.w3.org/2003/InkML">
+  <inkml:definitions>
+    <inkml:context xml:id="ctx0">
+      <inkml:inkSource xml:id="inkSrc0">
+        <inkml:traceFormat>
+          <inkml:channel name="X" type="integer" min="-2.14748E9" max="2.14748E9" units="cm"/>
+          <inkml:channel name="Y" type="integer" min="-2.14748E9" max="2.14748E9" units="cm"/>
+          <inkml:channel name="F" type="integer" max="32767" units="dev"/>
+        </inkml:traceFormat>
+        <inkml:channelProperties>
+          <inkml:channelProperty channel="X" name="resolution" value="1000" units="1/cm"/>
+          <inkml:channelProperty channel="Y" name="resolution" value="1000" units="1/cm"/>
+          <inkml:channelProperty channel="F" name="resolution" value="0" units="1/dev"/>
+        </inkml:channelProperties>
+      </inkml:inkSource>
+      <inkml:timestamp xml:id="ts0" timeString="2022-09-28T17:32:54.151"/>
+    </inkml:context>
+    <inkml:brush xml:id="br0">
+      <inkml:brushProperty name="width" value="0.05" units="cm"/>
+      <inkml:brushProperty name="height" value="0.05" units="cm"/>
+      <inkml:brushProperty name="color" value="#E71224"/>
+    </inkml:brush>
+  </inkml:definitions>
+  <inkml:trace contextRef="#ctx0" brushRef="#br0">23 321 24575,'-1'-15'0,"0"1"0,-1-1 0,-6-19 0,6 25 0,-1-1 0,1 0 0,1 0 0,0 0 0,0 0 0,1 1 0,0-1 0,1 0 0,3-19 0,-2 22 0,0-1 0,1 1 0,0 0 0,0 0 0,1 0 0,0 1 0,0-1 0,0 1 0,1 0 0,0 0 0,0 0 0,0 1 0,1 0 0,0 0 0,0 0 0,7-4 0,-8 7 0,1-1 0,-1 1 0,0 0 0,1 0 0,-1 0 0,1 1 0,0 0 0,-1 0 0,1 0 0,0 1 0,0 0 0,-1 0 0,1 1 0,0-1 0,0 1 0,-1 0 0,1 1 0,-1-1 0,1 1 0,-1 0 0,9 5 0,-13-7 0,-1 1 0,1-1 0,0 0 0,0 1 0,0-1 0,-1 0 0,1 1 0,0-1 0,-1 1 0,1-1 0,0 1 0,-1-1 0,1 1 0,-1 0 0,1-1 0,-1 1 0,1 0 0,-1-1 0,1 1 0,-1 0 0,0 0 0,1-1 0,-1 1 0,0 0 0,0 0 0,1 0 0,-1 0 0,0-1 0,0 1 0,0 0 0,0 0 0,0 0 0,0 0 0,0-1 0,-1 1 0,1 0 0,0 0 0,0 0 0,-1-1 0,1 1 0,-1 1 0,-28 28 0,7-9 0,16-12 0,0 0 0,1 1 0,1-1 0,-1 1 0,1 1 0,1-1 0,-3 16 0,5-23 0,0 0 0,0 1 0,1-1 0,0 0 0,-1 0 0,1 0 0,0 0 0,0 0 0,1 0 0,-1 0 0,1 1 0,0-1 0,-1 0 0,1 0 0,1-1 0,-1 1 0,0 0 0,1 0 0,-1 0 0,1-1 0,0 1 0,0-1 0,0 0 0,0 1 0,0-1 0,1 0 0,-1 0 0,1 0 0,-1 0 0,5 1 0,-6-2 0,1-1 0,-1 1 0,1-1 0,-1 0 0,1 1 0,-1-1 0,1 0 0,-1 0 0,1 0 0,-1 0 0,1 0 0,0-1 0,-1 1 0,1 0 0,-1-1 0,1 1 0,-1-1 0,0 1 0,1-1 0,-1 0 0,0 1 0,1-1 0,-1 0 0,0 0 0,0 0 0,1 0 0,-1 0 0,0-1 0,0 1 0,0 0 0,-1 0 0,1-1 0,1-1 0,4-9 0,0 1 0,-1-1 0,6-18 0,5-9 0,-16 38 0,0 0 0,1 1 0,-1-1 0,1 0 0,-1 0 0,1 1 0,-1-1 0,1 1 0,0-1 0,-1 1 0,1-1 0,0 1 0,-1-1 0,1 1 0,0-1 0,0 1 0,-1 0 0,1-1 0,0 1 0,0 0 0,0 0 0,-1 0 0,1-1 0,0 1 0,0 0 0,0 0 0,0 0 0,-1 0 0,1 1 0,0-1 0,0 0 0,0 0 0,-1 0 0,1 1 0,0-1 0,0 0 0,-1 1 0,1-1 0,0 1 0,0-1 0,-1 1 0,1-1 0,-1 1 0,1-1 0,0 1 0,-1 0 0,1-1 0,-1 1 0,1 0 0,-1-1 0,0 1 0,1 0 0,-1 0 0,0-1 0,1 1 0,-1 1 0,25 58 0,-19-45 0,19 46-1365,-16-46-5461</inkml:trace>
+</inkml:ink>
+</file>
+
+<file path=ppt/ink/ink14.xml><?xml version="1.0" encoding="utf-8"?>
+<inkml:ink xmlns:inkml="http://www.w3.org/2003/InkML">
+  <inkml:definitions>
+    <inkml:context xml:id="ctx0">
+      <inkml:inkSource xml:id="inkSrc0">
+        <inkml:traceFormat>
+          <inkml:channel name="X" type="integer" min="-2.14748E9" max="2.14748E9" units="cm"/>
+          <inkml:channel name="Y" type="integer" min="-2.14748E9" max="2.14748E9" units="cm"/>
+          <inkml:channel name="F" type="integer" max="32767" units="dev"/>
+        </inkml:traceFormat>
+        <inkml:channelProperties>
+          <inkml:channelProperty channel="X" name="resolution" value="1000" units="1/cm"/>
+          <inkml:channelProperty channel="Y" name="resolution" value="1000" units="1/cm"/>
+          <inkml:channelProperty channel="F" name="resolution" value="0" units="1/dev"/>
+        </inkml:channelProperties>
+      </inkml:inkSource>
+      <inkml:timestamp xml:id="ts0" timeString="2022-09-28T17:32:54.564"/>
+    </inkml:context>
+    <inkml:brush xml:id="br0">
+      <inkml:brushProperty name="width" value="0.05" units="cm"/>
+      <inkml:brushProperty name="height" value="0.05" units="cm"/>
+      <inkml:brushProperty name="color" value="#E71224"/>
+    </inkml:brush>
+  </inkml:definitions>
+  <inkml:trace contextRef="#ctx0" brushRef="#br0">79 76 24575,'0'3'0,"0"0"0,0-1 0,1 1 0,-1 0 0,1 0 0,-1-1 0,1 1 0,0 0 0,0-1 0,0 1 0,1-1 0,-1 1 0,1-1 0,-1 0 0,1 1 0,0-1 0,0 0 0,0 0 0,0 0 0,0-1 0,3 3 0,-4-4 0,-1 1 0,1-1 0,0 1 0,0-1 0,0 0 0,0 1 0,0-1 0,0 0 0,0 0 0,0 0 0,0 0 0,0 0 0,0 0 0,0 0 0,0 0 0,0 0 0,0 0 0,0-1 0,0 1 0,0 0 0,0-1 0,1 0 0,0 0 0,0 0 0,-1-1 0,1 1 0,-1-1 0,0 1 0,1-1 0,-1 0 0,0 1 0,0-1 0,0 0 0,0 0 0,0 0 0,-1 0 0,1 0 0,0-3 0,2-37 0,-3 37 0,0 0 0,0 0 0,0 0 0,0 0 0,1 0 0,0 0 0,0 0 0,0 1 0,4-10 0,-4 14 0,-1 0 0,1 0 0,-1 0 0,1 1 0,-1-1 0,1 0 0,0 0 0,-1 1 0,1-1 0,-1 1 0,1-1 0,-1 0 0,1 1 0,-1-1 0,0 1 0,1-1 0,-1 1 0,0-1 0,1 1 0,-1-1 0,0 1 0,1-1 0,-1 1 0,0 0 0,0-1 0,0 1 0,0-1 0,1 1 0,-1 0 0,0-1 0,0 2 0,9 26 0,-9-27 0,16 56 0,15 100 0,-28-131 0,-1 1 0,-1 0 0,-1-1 0,-1 1 0,-2-1 0,-7 33 0,8-49 9,-1-1 1,0 1-1,-1-1 0,0 0 0,-1-1 1,0 1-1,0-1 0,-1 0 0,0 0 0,0 0 1,-1-1-1,-7 7 0,1-3-221,0-1 0,-1-1 0,-1 0-1,1-1 1,-1 0 0,-19 6 0,1-1-6614</inkml:trace>
+</inkml:ink>
+</file>
+
+<file path=ppt/ink/ink15.xml><?xml version="1.0" encoding="utf-8"?>
+<inkml:ink xmlns:inkml="http://www.w3.org/2003/InkML">
+  <inkml:definitions>
+    <inkml:context xml:id="ctx0">
+      <inkml:inkSource xml:id="inkSrc0">
+        <inkml:traceFormat>
+          <inkml:channel name="X" type="integer" min="-2.14748E9" max="2.14748E9" units="cm"/>
+          <inkml:channel name="Y" type="integer" min="-2.14748E9" max="2.14748E9" units="cm"/>
+          <inkml:channel name="F" type="integer" max="32767" units="dev"/>
+        </inkml:traceFormat>
+        <inkml:channelProperties>
+          <inkml:channelProperty channel="X" name="resolution" value="1000" units="1/cm"/>
+          <inkml:channelProperty channel="Y" name="resolution" value="1000" units="1/cm"/>
+          <inkml:channelProperty channel="F" name="resolution" value="0" units="1/dev"/>
+        </inkml:channelProperties>
+      </inkml:inkSource>
+      <inkml:timestamp xml:id="ts0" timeString="2022-09-28T17:32:56.291"/>
+    </inkml:context>
+    <inkml:brush xml:id="br0">
+      <inkml:brushProperty name="width" value="0.05" units="cm"/>
+      <inkml:brushProperty name="height" value="0.05" units="cm"/>
+      <inkml:brushProperty name="color" value="#E71224"/>
+    </inkml:brush>
+  </inkml:definitions>
+  <inkml:trace contextRef="#ctx0" brushRef="#br0">1 2969 24575,'1'0'0,"1"0"0,-1-1 0,1 1 0,-1-1 0,0 0 0,1 1 0,-1-1 0,0 0 0,1 0 0,-1 0 0,0 0 0,0 0 0,0 0 0,0 0 0,0 0 0,0 0 0,0 0 0,0-1 0,1-1 0,16-33 0,-11 22 0,3-4 0,1 2 0,1-1 0,0 2 0,2 0 0,-1 0 0,18-13 0,101-72 0,-68 55 0,206-187 0,345-389 0,-496 493 0,168-195 0,-36 9 0,-203 258 0,69-60 0,19-20 0,239-278 0,-351 389 0,46-34 0,-47 41 0,0-2 0,37-40 0,-48 46-227,1 0-1,0 0 1,1 2-1,0 0 1,31-20-1,-26 22-6598</inkml:trace>
+</inkml:ink>
+</file>
+
+<file path=ppt/ink/ink16.xml><?xml version="1.0" encoding="utf-8"?>
+<inkml:ink xmlns:inkml="http://www.w3.org/2003/InkML">
+  <inkml:definitions>
+    <inkml:context xml:id="ctx0">
+      <inkml:inkSource xml:id="inkSrc0">
+        <inkml:traceFormat>
+          <inkml:channel name="X" type="integer" min="-2.14748E9" max="2.14748E9" units="cm"/>
+          <inkml:channel name="Y" type="integer" min="-2.14748E9" max="2.14748E9" units="cm"/>
+          <inkml:channel name="F" type="integer" max="32767" units="dev"/>
+        </inkml:traceFormat>
+        <inkml:channelProperties>
+          <inkml:channelProperty channel="X" name="resolution" value="1000" units="1/cm"/>
+          <inkml:channelProperty channel="Y" name="resolution" value="1000" units="1/cm"/>
+          <inkml:channelProperty channel="F" name="resolution" value="0" units="1/dev"/>
+        </inkml:channelProperties>
+      </inkml:inkSource>
+      <inkml:timestamp xml:id="ts0" timeString="2022-09-28T17:32:56.824"/>
+    </inkml:context>
+    <inkml:brush xml:id="br0">
+      <inkml:brushProperty name="width" value="0.05" units="cm"/>
+      <inkml:brushProperty name="height" value="0.05" units="cm"/>
+      <inkml:brushProperty name="color" value="#E71224"/>
+    </inkml:brush>
+  </inkml:definitions>
+  <inkml:trace contextRef="#ctx0" brushRef="#br0">0 52 24575,'37'-2'0,"-1"-2"0,0-1 0,39-10 0,25-5 0,-80 17 0,-1 2 0,1 0 0,0 1 0,-1 1 0,25 4 0,-36-4 0,0 0 0,0 1 0,-1 0 0,1 1 0,0 0 0,-1 0 0,1 0 0,-1 1 0,0 0 0,0 0 0,-1 1 0,1 0 0,-1 0 0,0 1 0,7 8 0,-11-11 0,0 1 0,-1 0 0,1 0 0,-1 0 0,0 0 0,0 1 0,-1-1 0,1 0 0,-1 0 0,0 0 0,0 1 0,0-1 0,-1 0 0,1 0 0,-1 1 0,0-1 0,0 0 0,0 0 0,-1 0 0,-2 5 0,-6 13 0,0-1 0,-18 26 0,25-42 0,-38 57 31,20-32-729,-22 43 0,30-46-6128</inkml:trace>
+</inkml:ink>
+</file>
+
+<file path=ppt/ink/ink17.xml><?xml version="1.0" encoding="utf-8"?>
+<inkml:ink xmlns:inkml="http://www.w3.org/2003/InkML">
+  <inkml:definitions>
+    <inkml:context xml:id="ctx0">
+      <inkml:inkSource xml:id="inkSrc0">
+        <inkml:traceFormat>
+          <inkml:channel name="X" type="integer" min="-2.14748E9" max="2.14748E9" units="cm"/>
+          <inkml:channel name="Y" type="integer" min="-2.14748E9" max="2.14748E9" units="cm"/>
+          <inkml:channel name="F" type="integer" max="32767" units="dev"/>
+        </inkml:traceFormat>
+        <inkml:channelProperties>
+          <inkml:channelProperty channel="X" name="resolution" value="1000" units="1/cm"/>
+          <inkml:channelProperty channel="Y" name="resolution" value="1000" units="1/cm"/>
+          <inkml:channelProperty channel="F" name="resolution" value="0" units="1/dev"/>
+        </inkml:channelProperties>
+      </inkml:inkSource>
+      <inkml:timestamp xml:id="ts0" timeString="2022-09-28T17:32:58.178"/>
+    </inkml:context>
+    <inkml:brush xml:id="br0">
+      <inkml:brushProperty name="width" value="0.05" units="cm"/>
+      <inkml:brushProperty name="height" value="0.05" units="cm"/>
+      <inkml:brushProperty name="color" value="#E71224"/>
+    </inkml:brush>
+  </inkml:definitions>
+  <inkml:trace contextRef="#ctx0" brushRef="#br0">161 118 24575,'0'0'0,"0"-1"0,-1 1 0,1-1 0,0 1 0,0-1 0,0 0 0,0 1 0,-1-1 0,1 1 0,0-1 0,-1 1 0,1-1 0,0 1 0,-1-1 0,1 1 0,0 0 0,-1-1 0,1 1 0,-1 0 0,1-1 0,-1 1 0,1 0 0,-1-1 0,1 1 0,-1 0 0,1 0 0,-1 0 0,0-1 0,1 1 0,-1 0 0,1 0 0,-1 0 0,1 0 0,-1 0 0,0 0 0,1 0 0,-1 0 0,1 0 0,-1 1 0,0-1 0,1 0 0,-1 0 0,1 0 0,-1 1 0,1-1 0,-1 0 0,1 0 0,-1 1 0,1-1 0,-1 1 0,1-1 0,-1 1 0,-28 17 0,19-8 0,0 0 0,1 0 0,0 1 0,1 1 0,1-1 0,-1 1 0,2 1 0,0-1 0,0 1 0,1 0 0,1 0 0,0 1 0,1-1 0,1 1 0,-2 16 0,0 22 0,2 0 0,8 86 0,-5-125 0,0 1 0,1-1 0,1 0 0,0 1 0,1-1 0,0-1 0,1 1 0,1-1 0,0 1 0,7 10 0,-8-17 0,-1 1 0,1-1 0,1-1 0,-1 1 0,1-1 0,0 0 0,0 0 0,0-1 0,1 0 0,0 0 0,0 0 0,0-1 0,0 0 0,0 0 0,1-1 0,-1 0 0,1 0 0,13 0 0,-1 0 0,-1-2 0,1 0 0,0-1 0,-1-1 0,1-1 0,-1-1 0,1 0 0,-2-2 0,1 0 0,0-1 0,-1-1 0,-1-1 0,23-13 0,-29 14 0,0 0 0,0-1 0,0 0 0,-1 0 0,-1-1 0,1-1 0,-2 1 0,0-1 0,0-1 0,-1 0 0,0 0 0,-1 0 0,0-1 0,-1 1 0,0-1 0,-1-1 0,-1 1 0,0-1 0,1-23 0,-2 14 0,-1 0 0,-2 0 0,0 0 0,-1 1 0,-1-1 0,-2 0 0,0 1 0,-1 0 0,-1 0 0,-1 1 0,-13-24 0,9 22 0,0 1 0,-2 1 0,-1 0 0,-30-34 0,39 50 0,1-1 0,-1 1 0,0 0 0,-1 0 0,1 1 0,-1 0 0,0 0 0,0 0 0,0 1 0,-1 0 0,1 1 0,-1-1 0,1 1 0,-1 1 0,0 0 0,0 0 0,0 0 0,0 1 0,-14 1 0,13 2-91,0-1 0,0 2 0,0-1 0,1 1 0,0 0 0,0 1 0,0 0 0,0 0 0,1 1 0,0 0 0,0 0 0,0 1 0,1 0 0,-9 12 0,-2 4-6735</inkml:trace>
+</inkml:ink>
+</file>
+
+<file path=ppt/ink/ink18.xml><?xml version="1.0" encoding="utf-8"?>
+<inkml:ink xmlns:inkml="http://www.w3.org/2003/InkML">
+  <inkml:definitions>
+    <inkml:context xml:id="ctx0">
+      <inkml:inkSource xml:id="inkSrc0">
+        <inkml:traceFormat>
+          <inkml:channel name="X" type="integer" min="-2.14748E9" max="2.14748E9" units="cm"/>
+          <inkml:channel name="Y" type="integer" min="-2.14748E9" max="2.14748E9" units="cm"/>
+          <inkml:channel name="F" type="integer" max="32767" units="dev"/>
+        </inkml:traceFormat>
+        <inkml:channelProperties>
+          <inkml:channelProperty channel="X" name="resolution" value="1000" units="1/cm"/>
+          <inkml:channelProperty channel="Y" name="resolution" value="1000" units="1/cm"/>
+          <inkml:channelProperty channel="F" name="resolution" value="0" units="1/dev"/>
+        </inkml:channelProperties>
+      </inkml:inkSource>
+      <inkml:timestamp xml:id="ts0" timeString="2022-09-28T17:32:58.836"/>
+    </inkml:context>
+    <inkml:brush xml:id="br0">
+      <inkml:brushProperty name="width" value="0.05" units="cm"/>
+      <inkml:brushProperty name="height" value="0.05" units="cm"/>
+      <inkml:brushProperty name="color" value="#E71224"/>
+    </inkml:brush>
+  </inkml:definitions>
+  <inkml:trace contextRef="#ctx0" brushRef="#br0">106 0 24575,'-2'8'0,"1"0"0,-1-1 0,0 0 0,-1 1 0,0-1 0,0 0 0,-6 9 0,-5 15 0,0 7 0,1 1 0,2 0 0,2 1 0,2 0 0,2 0 0,-2 58 0,7-53 0,1-1 0,2 0 0,2 0 0,15 58 0,-16-86 0,1-1 0,0 0 0,1 0 0,1 0 0,1-1 0,-1 0 0,2-1 0,0 1 0,1-2 0,0 1 0,1-2 0,0 1 0,1-1 0,0-1 0,19 12 0,6 2-1365,-21-15-5461</inkml:trace>
+</inkml:ink>
+</file>
+
+<file path=ppt/ink/ink19.xml><?xml version="1.0" encoding="utf-8"?>
+<inkml:ink xmlns:inkml="http://www.w3.org/2003/InkML">
+  <inkml:definitions>
+    <inkml:context xml:id="ctx0">
+      <inkml:inkSource xml:id="inkSrc0">
+        <inkml:traceFormat>
+          <inkml:channel name="X" type="integer" min="-2.14748E9" max="2.14748E9" units="cm"/>
+          <inkml:channel name="Y" type="integer" min="-2.14748E9" max="2.14748E9" units="cm"/>
+          <inkml:channel name="F" type="integer" max="32767" units="dev"/>
+        </inkml:traceFormat>
+        <inkml:channelProperties>
+          <inkml:channelProperty channel="X" name="resolution" value="1000" units="1/cm"/>
+          <inkml:channelProperty channel="Y" name="resolution" value="1000" units="1/cm"/>
+          <inkml:channelProperty channel="F" name="resolution" value="0" units="1/dev"/>
+        </inkml:channelProperties>
+      </inkml:inkSource>
+      <inkml:timestamp xml:id="ts0" timeString="2022-09-28T17:32:59.349"/>
+    </inkml:context>
+    <inkml:brush xml:id="br0">
+      <inkml:brushProperty name="width" value="0.05" units="cm"/>
+      <inkml:brushProperty name="height" value="0.05" units="cm"/>
+      <inkml:brushProperty name="color" value="#E71224"/>
+    </inkml:brush>
+  </inkml:definitions>
+  <inkml:trace contextRef="#ctx0" brushRef="#br0">1 1 24575,'20'53'0,"-10"-20"0,46 138 0,-55-169 0,0 0 0,0 0 0,0 0 0,0 0 0,0 0 0,1 0 0,-1 0 0,1 0 0,-1 0 0,1-1 0,0 1 0,0-1 0,3 3 0,6-7 0,-4-18 0,-5-37 0,1-20 0,-3 74 0,1 1 0,0-1 0,0 0 0,0 0 0,0 0 0,1 1 0,-1-1 0,1 0 0,0 1 0,0 0 0,0-1 0,1 1 0,-1 0 0,1 0 0,4-3 0,-6 5 0,1 0 0,-1 1 0,1-1 0,-1 1 0,1-1 0,0 1 0,-1 0 0,1-1 0,0 1 0,0 0 0,-1 0 0,1 0 0,0 1 0,-1-1 0,1 0 0,0 1 0,-1-1 0,1 1 0,-1-1 0,1 1 0,-1 0 0,1-1 0,-1 1 0,1 0 0,-1 0 0,1 0 0,-1 0 0,0 1 0,0-1 0,2 3 0,39 45 0,-39-45 0,8 14 4,0 1 0,-1 0 0,12 30-1,-3-4-1383,-8-22-5446</inkml:trace>
+</inkml:ink>
+</file>
+
+<file path=ppt/ink/ink2.xml><?xml version="1.0" encoding="utf-8"?>
+<inkml:ink xmlns:inkml="http://www.w3.org/2003/InkML">
+  <inkml:definitions>
+    <inkml:context xml:id="ctx0">
+      <inkml:inkSource xml:id="inkSrc0">
+        <inkml:traceFormat>
+          <inkml:channel name="X" type="integer" min="-2.14748E9" max="2.14748E9" units="cm"/>
+          <inkml:channel name="Y" type="integer" min="-2.14748E9" max="2.14748E9" units="cm"/>
+          <inkml:channel name="F" type="integer" max="32767" units="dev"/>
+        </inkml:traceFormat>
+        <inkml:channelProperties>
+          <inkml:channelProperty channel="X" name="resolution" value="1000" units="1/cm"/>
+          <inkml:channelProperty channel="Y" name="resolution" value="1000" units="1/cm"/>
+          <inkml:channelProperty channel="F" name="resolution" value="0" units="1/dev"/>
+        </inkml:channelProperties>
+      </inkml:inkSource>
+      <inkml:timestamp xml:id="ts0" timeString="2022-09-28T17:32:46.956"/>
+    </inkml:context>
+    <inkml:brush xml:id="br0">
+      <inkml:brushProperty name="width" value="0.05" units="cm"/>
+      <inkml:brushProperty name="height" value="0.05" units="cm"/>
+      <inkml:brushProperty name="color" value="#E71224"/>
+    </inkml:brush>
+  </inkml:definitions>
+  <inkml:trace contextRef="#ctx0" brushRef="#br0">172 71 24575,'-11'-1'0,"11"1"0,-1-1 0,0 1 0,1 0 0,-1 0 0,0 0 0,0 0 0,1 0 0,-1 0 0,0 0 0,0 0 0,0 0 0,1 0 0,-1 0 0,0 1 0,1-1 0,-1 0 0,0 1 0,1-1 0,-1 0 0,0 1 0,1-1 0,-1 1 0,0-1 0,1 1 0,-1-1 0,1 1 0,-1-1 0,1 1 0,-1-1 0,1 1 0,0 0 0,-1-1 0,1 1 0,0 0 0,-1-1 0,1 2 0,-14 26 0,2 0 0,1 1 0,1 1 0,-8 43 0,-13 38 0,20-68 0,10-34 0,-1-1 0,0 0 0,0 0 0,-1 0 0,0 0 0,0 0 0,-1 0 0,-7 11 0,17-64 0,13-23 0,-1 1 0,3 0 0,57-125 0,-76 187 0,1 0 0,0 1 0,0-1 0,0 1 0,0 0 0,1-1 0,0 2 0,-1-1 0,1 0 0,1 1 0,-1 0 0,0 0 0,1 0 0,0 0 0,0 1 0,-1 0 0,8-2 0,-8 3 0,0 0 0,1 1 0,-1 0 0,1 0 0,-1 0 0,0 0 0,1 1 0,-1 0 0,0 0 0,0 0 0,1 0 0,-1 1 0,0-1 0,0 1 0,-1 0 0,1 1 0,0-1 0,-1 0 0,1 1 0,-1 0 0,6 6 0,106 123 0,-2-3 0,-51-61-1365,-49-52-5461</inkml:trace>
+</inkml:ink>
+</file>
+
+<file path=ppt/ink/ink20.xml><?xml version="1.0" encoding="utf-8"?>
+<inkml:ink xmlns:inkml="http://www.w3.org/2003/InkML">
+  <inkml:definitions>
+    <inkml:context xml:id="ctx0">
+      <inkml:inkSource xml:id="inkSrc0">
+        <inkml:traceFormat>
+          <inkml:channel name="X" type="integer" min="-2.14748E9" max="2.14748E9" units="cm"/>
+          <inkml:channel name="Y" type="integer" min="-2.14748E9" max="2.14748E9" units="cm"/>
+          <inkml:channel name="F" type="integer" max="32767" units="dev"/>
+        </inkml:traceFormat>
+        <inkml:channelProperties>
+          <inkml:channelProperty channel="X" name="resolution" value="1000" units="1/cm"/>
+          <inkml:channelProperty channel="Y" name="resolution" value="1000" units="1/cm"/>
+          <inkml:channelProperty channel="F" name="resolution" value="0" units="1/dev"/>
+        </inkml:channelProperties>
+      </inkml:inkSource>
+      <inkml:timestamp xml:id="ts0" timeString="2022-09-28T17:32:59.735"/>
+    </inkml:context>
+    <inkml:brush xml:id="br0">
+      <inkml:brushProperty name="width" value="0.05" units="cm"/>
+      <inkml:brushProperty name="height" value="0.05" units="cm"/>
+      <inkml:brushProperty name="color" value="#E71224"/>
+    </inkml:brush>
+  </inkml:definitions>
+  <inkml:trace contextRef="#ctx0" brushRef="#br0">1 150 24575,'0'-16'0,"1"0"0,0-1 0,7-28 0,-7 41 0,0 0 0,0 0 0,1 0 0,0 0 0,-1 0 0,2 1 0,-1-1 0,0 1 0,4-5 0,-5 7 0,1-1 0,-1 1 0,1 0 0,-1 0 0,1 0 0,0 0 0,0 0 0,-1 0 0,1 0 0,0 1 0,0-1 0,0 1 0,0-1 0,0 1 0,0 0 0,0-1 0,0 1 0,0 0 0,-1 0 0,4 1 0,-2-1 0,-1 1 0,0-1 0,1 1 0,-1-1 0,0 1 0,0 0 0,0 0 0,0 0 0,0 0 0,0 0 0,0 1 0,0-1 0,0 1 0,0-1 0,-1 1 0,1 0 0,0-1 0,-1 1 0,0 0 0,1 0 0,-1 0 0,0 0 0,2 4 0,0 4 0,-1 0 0,1 0 0,-2 1 0,2 14 0,-3-19 0,0 0 0,1 0 0,0 0 0,0 0 0,0 0 0,1 0 0,-1 0 0,2 0 0,-1-1 0,0 1 0,6 8 0,-6-13 3,-1 0-1,0 0 1,1 0-1,0 0 1,-1 0-1,1 0 1,-1-1-1,1 1 1,0-1-1,0 1 1,-1-1-1,1 1 1,0-1-1,0 0 1,0 0-1,-1 0 1,1 0-1,0 0 1,0 0-1,0-1 1,2 0-1,42-14-330,-30 8-764,7 0-5734</inkml:trace>
+</inkml:ink>
+</file>
+
+<file path=ppt/ink/ink21.xml><?xml version="1.0" encoding="utf-8"?>
+<inkml:ink xmlns:inkml="http://www.w3.org/2003/InkML">
+  <inkml:definitions>
+    <inkml:context xml:id="ctx0">
+      <inkml:inkSource xml:id="inkSrc0">
+        <inkml:traceFormat>
+          <inkml:channel name="X" type="integer" min="-2.14748E9" max="2.14748E9" units="cm"/>
+          <inkml:channel name="Y" type="integer" min="-2.14748E9" max="2.14748E9" units="cm"/>
+          <inkml:channel name="F" type="integer" max="32767" units="dev"/>
+        </inkml:traceFormat>
+        <inkml:channelProperties>
+          <inkml:channelProperty channel="X" name="resolution" value="1000" units="1/cm"/>
+          <inkml:channelProperty channel="Y" name="resolution" value="1000" units="1/cm"/>
+          <inkml:channelProperty channel="F" name="resolution" value="0" units="1/dev"/>
+        </inkml:channelProperties>
+      </inkml:inkSource>
+      <inkml:timestamp xml:id="ts0" timeString="2022-09-28T17:33:00.075"/>
+    </inkml:context>
+    <inkml:brush xml:id="br0">
+      <inkml:brushProperty name="width" value="0.05" units="cm"/>
+      <inkml:brushProperty name="height" value="0.05" units="cm"/>
+      <inkml:brushProperty name="color" value="#E71224"/>
+    </inkml:brush>
+  </inkml:definitions>
+  <inkml:trace contextRef="#ctx0" brushRef="#br0">0 1 24575,'6'0'0,"-1"1"0,0 0 0,0 1 0,1-1 0,-1 1 0,0 0 0,0 0 0,-1 1 0,1-1 0,0 1 0,5 5 0,45 40 0,-41-31 8,-1 1 0,-1 0 0,0 0 0,-1 1 0,-1 1 0,-1 0 0,-1 0 0,-1 1 0,0 0 0,-2 0 0,0 0 0,-2 1 0,0 0 0,0 31 0,-4-7-256,-1 1 1,-3-1-1,-1 0 1,-2 0-1,-26 77 1,21-85-6579</inkml:trace>
+</inkml:ink>
+</file>
+
+<file path=ppt/ink/ink22.xml><?xml version="1.0" encoding="utf-8"?>
+<inkml:ink xmlns:inkml="http://www.w3.org/2003/InkML">
+  <inkml:definitions>
+    <inkml:context xml:id="ctx0">
+      <inkml:inkSource xml:id="inkSrc0">
+        <inkml:traceFormat>
+          <inkml:channel name="X" type="integer" min="-2.14748E9" max="2.14748E9" units="cm"/>
+          <inkml:channel name="Y" type="integer" min="-2.14748E9" max="2.14748E9" units="cm"/>
+          <inkml:channel name="F" type="integer" max="32767" units="dev"/>
+        </inkml:traceFormat>
+        <inkml:channelProperties>
+          <inkml:channelProperty channel="X" name="resolution" value="1000" units="1/cm"/>
+          <inkml:channelProperty channel="Y" name="resolution" value="1000" units="1/cm"/>
+          <inkml:channelProperty channel="F" name="resolution" value="0" units="1/dev"/>
+        </inkml:channelProperties>
+      </inkml:inkSource>
+      <inkml:timestamp xml:id="ts0" timeString="2022-09-28T17:33:00.961"/>
+    </inkml:context>
+    <inkml:brush xml:id="br0">
+      <inkml:brushProperty name="width" value="0.05" units="cm"/>
+      <inkml:brushProperty name="height" value="0.05" units="cm"/>
+      <inkml:brushProperty name="color" value="#E71224"/>
+    </inkml:brush>
+  </inkml:definitions>
+  <inkml:trace contextRef="#ctx0" brushRef="#br0">210 175 24575,'-1'-9'0,"-1"-1"0,0 1 0,-1 0 0,0 0 0,0 0 0,-1 1 0,0-1 0,-1 1 0,0 0 0,0 0 0,-1 1 0,0-1 0,0 1 0,0 0 0,-1 1 0,0 0 0,-1 0 0,1 0 0,-1 1 0,0 0 0,-15-6 0,21 10 0,0 0 0,0 1 0,0-1 0,-1 1 0,1-1 0,0 1 0,-1 0 0,1 0 0,0 0 0,-1 0 0,1 0 0,0 1 0,-1-1 0,1 1 0,0-1 0,0 1 0,-1 0 0,1 0 0,0 0 0,0 0 0,0 0 0,0 1 0,0-1 0,1 0 0,-1 1 0,0 0 0,1-1 0,-1 1 0,1 0 0,-1 0 0,1 0 0,0 0 0,0 0 0,-1 0 0,2 0 0,-1 0 0,0 0 0,0 1 0,1-1 0,-1 3 0,-2 11 0,1 1 0,0-1 0,2 0 0,1 28 0,0-26 0,1 63 0,2-1 0,5 0 0,21 91 0,-25-156-165,0-1-1,1 0 1,8 14-1,-10-20-537,7 13-6123</inkml:trace>
+</inkml:ink>
+</file>
+
+<file path=ppt/ink/ink23.xml><?xml version="1.0" encoding="utf-8"?>
+<inkml:ink xmlns:inkml="http://www.w3.org/2003/InkML">
+  <inkml:definitions>
+    <inkml:context xml:id="ctx0">
+      <inkml:inkSource xml:id="inkSrc0">
+        <inkml:traceFormat>
+          <inkml:channel name="X" type="integer" min="-2.14748E9" max="2.14748E9" units="cm"/>
+          <inkml:channel name="Y" type="integer" min="-2.14748E9" max="2.14748E9" units="cm"/>
+          <inkml:channel name="F" type="integer" max="32767" units="dev"/>
+        </inkml:traceFormat>
+        <inkml:channelProperties>
+          <inkml:channelProperty channel="X" name="resolution" value="1000" units="1/cm"/>
+          <inkml:channelProperty channel="Y" name="resolution" value="1000" units="1/cm"/>
+          <inkml:channelProperty channel="F" name="resolution" value="0" units="1/dev"/>
+        </inkml:channelProperties>
+      </inkml:inkSource>
+      <inkml:timestamp xml:id="ts0" timeString="2022-09-28T17:33:01.318"/>
+    </inkml:context>
+    <inkml:brush xml:id="br0">
+      <inkml:brushProperty name="width" value="0.05" units="cm"/>
+      <inkml:brushProperty name="height" value="0.05" units="cm"/>
+      <inkml:brushProperty name="color" value="#E71224"/>
+    </inkml:brush>
+  </inkml:definitions>
+  <inkml:trace contextRef="#ctx0" brushRef="#br0">275 54 24575,'0'-4'0,"0"-7"0,-4 0 0,-6 1 0,-6 2 0,-4 3 0,-4 2 0,-1 2 0,-1 5 0,-1 2 0,0 4 0,1 1 0,4 2 0,1 4 0,5 3 0,5-1-8191</inkml:trace>
+</inkml:ink>
+</file>
+
+<file path=ppt/ink/ink24.xml><?xml version="1.0" encoding="utf-8"?>
+<inkml:ink xmlns:inkml="http://www.w3.org/2003/InkML">
+  <inkml:definitions>
+    <inkml:context xml:id="ctx0">
+      <inkml:inkSource xml:id="inkSrc0">
+        <inkml:traceFormat>
+          <inkml:channel name="X" type="integer" min="-2.14748E9" max="2.14748E9" units="cm"/>
+          <inkml:channel name="Y" type="integer" min="-2.14748E9" max="2.14748E9" units="cm"/>
+          <inkml:channel name="F" type="integer" max="32767" units="dev"/>
+        </inkml:traceFormat>
+        <inkml:channelProperties>
+          <inkml:channelProperty channel="X" name="resolution" value="1000" units="1/cm"/>
+          <inkml:channelProperty channel="Y" name="resolution" value="1000" units="1/cm"/>
+          <inkml:channelProperty channel="F" name="resolution" value="0" units="1/dev"/>
+        </inkml:channelProperties>
+      </inkml:inkSource>
+      <inkml:timestamp xml:id="ts0" timeString="2022-09-28T17:33:01.664"/>
+    </inkml:context>
+    <inkml:brush xml:id="br0">
+      <inkml:brushProperty name="width" value="0.05" units="cm"/>
+      <inkml:brushProperty name="height" value="0.05" units="cm"/>
+      <inkml:brushProperty name="color" value="#E71224"/>
+    </inkml:brush>
+  </inkml:definitions>
+  <inkml:trace contextRef="#ctx0" brushRef="#br0">8 54 24575,'-4'36'0,"3"-29"0,0 0 0,0 0 0,1 0 0,0-1 0,1 14 0,0-18 0,0 1 0,0-1 0,0 1 0,0-1 0,0 1 0,0-1 0,1 0 0,-1 1 0,1-1 0,-1 0 0,1 0 0,0 0 0,0 0 0,0-1 0,0 1 0,0 0 0,0-1 0,1 1 0,2 0 0,-3 0 0,0-1 0,0 0 0,0 0 0,1 0 0,-1 0 0,0-1 0,0 1 0,1-1 0,-1 1 0,0-1 0,1 0 0,-1 0 0,1 0 0,-1 0 0,0 0 0,1 0 0,-1-1 0,0 1 0,1-1 0,-1 1 0,0-1 0,0 0 0,0 0 0,1 0 0,-1 0 0,0-1 0,0 1 0,-1-1 0,1 1 0,0-1 0,0 1 0,-1-1 0,1 0 0,-1 0 0,1 0 0,-1 0 0,0 0 0,0 0 0,0 0 0,1-4 0,1 0 0,-1 0 0,0 0 0,0 0 0,0-1 0,-1 1 0,0-1 0,0 1 0,-1-1 0,0 0 0,0 1 0,0-1 0,-1 1 0,-2-11 0,2 14-76,-1 0 1,1-1-1,-1 1 0,1 0 0,-1 0 0,0 0 0,0 1 0,0-1 1,0 0-1,-1 1 0,1-1 0,-1 1 0,1 0 0,-1 0 1,0 0-1,0 0 0,-6-3 0,-9-1-6750</inkml:trace>
+</inkml:ink>
+</file>
+
+<file path=ppt/ink/ink25.xml><?xml version="1.0" encoding="utf-8"?>
+<inkml:ink xmlns:inkml="http://www.w3.org/2003/InkML">
+  <inkml:definitions>
+    <inkml:context xml:id="ctx0">
+      <inkml:inkSource xml:id="inkSrc0">
+        <inkml:traceFormat>
+          <inkml:channel name="X" type="integer" min="-2.14748E9" max="2.14748E9" units="cm"/>
+          <inkml:channel name="Y" type="integer" min="-2.14748E9" max="2.14748E9" units="cm"/>
+          <inkml:channel name="F" type="integer" max="32767" units="dev"/>
+        </inkml:traceFormat>
+        <inkml:channelProperties>
+          <inkml:channelProperty channel="X" name="resolution" value="1000" units="1/cm"/>
+          <inkml:channelProperty channel="Y" name="resolution" value="1000" units="1/cm"/>
+          <inkml:channelProperty channel="F" name="resolution" value="0" units="1/dev"/>
+        </inkml:channelProperties>
+      </inkml:inkSource>
+      <inkml:timestamp xml:id="ts0" timeString="2022-09-28T17:33:02"/>
+    </inkml:context>
+    <inkml:brush xml:id="br0">
+      <inkml:brushProperty name="width" value="0.05" units="cm"/>
+      <inkml:brushProperty name="height" value="0.05" units="cm"/>
+      <inkml:brushProperty name="color" value="#E71224"/>
+    </inkml:brush>
+  </inkml:definitions>
+  <inkml:trace contextRef="#ctx0" brushRef="#br0">21 357 24575,'4'0'0,"2"-4"0,-5-2 0,-2-4 0,-1-5 0,-1-4 0,1-3 0,-4-2 0,-1-2 0,1 0 0,1-1 0,7-4 0,1-1 0,6 1 0,1 0 0,4 2 0,-2 6-8191</inkml:trace>
+</inkml:ink>
+</file>
+
+<file path=ppt/ink/ink26.xml><?xml version="1.0" encoding="utf-8"?>
+<inkml:ink xmlns:inkml="http://www.w3.org/2003/InkML">
+  <inkml:definitions>
+    <inkml:context xml:id="ctx0">
+      <inkml:inkSource xml:id="inkSrc0">
+        <inkml:traceFormat>
+          <inkml:channel name="X" type="integer" min="-2.14748E9" max="2.14748E9" units="cm"/>
+          <inkml:channel name="Y" type="integer" min="-2.14748E9" max="2.14748E9" units="cm"/>
+          <inkml:channel name="F" type="integer" max="32767" units="dev"/>
+        </inkml:traceFormat>
+        <inkml:channelProperties>
+          <inkml:channelProperty channel="X" name="resolution" value="1000" units="1/cm"/>
+          <inkml:channelProperty channel="Y" name="resolution" value="1000" units="1/cm"/>
+          <inkml:channelProperty channel="F" name="resolution" value="0" units="1/dev"/>
+        </inkml:channelProperties>
+      </inkml:inkSource>
+      <inkml:timestamp xml:id="ts0" timeString="2022-09-28T17:33:02.450"/>
+    </inkml:context>
+    <inkml:brush xml:id="br0">
+      <inkml:brushProperty name="width" value="0.05" units="cm"/>
+      <inkml:brushProperty name="height" value="0.05" units="cm"/>
+      <inkml:brushProperty name="color" value="#E71224"/>
+    </inkml:brush>
+  </inkml:definitions>
+  <inkml:trace contextRef="#ctx0" brushRef="#br0">1 1 24575,'0'0'0,"0"0"0,0 0 0,0 0 0,1 0 0,-1 0 0,0 0 0,0 0 0,0 0 0,0 0 0,0 0 0,0 0 0,1 0 0,-1 0 0,0 0 0,0 0 0,0 0 0,0 0 0,0 0 0,0 0 0,1 0 0,-1-1 0,0 1 0,7 33 0,6 50 0,63 293 0,-69-355-1365,0-5-5461</inkml:trace>
+</inkml:ink>
+</file>
+
+<file path=ppt/ink/ink27.xml><?xml version="1.0" encoding="utf-8"?>
+<inkml:ink xmlns:inkml="http://www.w3.org/2003/InkML">
+  <inkml:definitions>
+    <inkml:context xml:id="ctx0">
+      <inkml:inkSource xml:id="inkSrc0">
+        <inkml:traceFormat>
+          <inkml:channel name="X" type="integer" min="-2.14748E9" max="2.14748E9" units="cm"/>
+          <inkml:channel name="Y" type="integer" min="-2.14748E9" max="2.14748E9" units="cm"/>
+          <inkml:channel name="F" type="integer" max="32767" units="dev"/>
+        </inkml:traceFormat>
+        <inkml:channelProperties>
+          <inkml:channelProperty channel="X" name="resolution" value="1000" units="1/cm"/>
+          <inkml:channelProperty channel="Y" name="resolution" value="1000" units="1/cm"/>
+          <inkml:channelProperty channel="F" name="resolution" value="0" units="1/dev"/>
+        </inkml:channelProperties>
+      </inkml:inkSource>
+      <inkml:timestamp xml:id="ts0" timeString="2022-09-28T17:33:02.802"/>
+    </inkml:context>
+    <inkml:brush xml:id="br0">
+      <inkml:brushProperty name="width" value="0.05" units="cm"/>
+      <inkml:brushProperty name="height" value="0.05" units="cm"/>
+      <inkml:brushProperty name="color" value="#E71224"/>
+    </inkml:brush>
+  </inkml:definitions>
+  <inkml:trace contextRef="#ctx0" brushRef="#br0">0 1 24575,'0'4'0,"0"6"0,5 6 0,0 4 0,1 3 0,-2 3 0,-1 0 0,-1 1 0,-1 0 0,0-5-8191</inkml:trace>
+</inkml:ink>
+</file>
+
+<file path=ppt/ink/ink28.xml><?xml version="1.0" encoding="utf-8"?>
+<inkml:ink xmlns:inkml="http://www.w3.org/2003/InkML">
+  <inkml:definitions>
+    <inkml:context xml:id="ctx0">
+      <inkml:inkSource xml:id="inkSrc0">
+        <inkml:traceFormat>
+          <inkml:channel name="X" type="integer" min="-2.14748E9" max="2.14748E9" units="cm"/>
+          <inkml:channel name="Y" type="integer" min="-2.14748E9" max="2.14748E9" units="cm"/>
+          <inkml:channel name="F" type="integer" max="32767" units="dev"/>
+        </inkml:traceFormat>
+        <inkml:channelProperties>
+          <inkml:channelProperty channel="X" name="resolution" value="1000" units="1/cm"/>
+          <inkml:channelProperty channel="Y" name="resolution" value="1000" units="1/cm"/>
+          <inkml:channelProperty channel="F" name="resolution" value="0" units="1/dev"/>
+        </inkml:channelProperties>
+      </inkml:inkSource>
+      <inkml:timestamp xml:id="ts0" timeString="2022-09-28T17:33:03.149"/>
+    </inkml:context>
+    <inkml:brush xml:id="br0">
+      <inkml:brushProperty name="width" value="0.05" units="cm"/>
+      <inkml:brushProperty name="height" value="0.05" units="cm"/>
+      <inkml:brushProperty name="color" value="#E71224"/>
+    </inkml:brush>
+  </inkml:definitions>
+  <inkml:trace contextRef="#ctx0" brushRef="#br0">0 56 24575,'0'-4'0,"0"-7"0,0-4 0,4-1 0,2 7 0</inkml:trace>
+</inkml:ink>
+</file>
+
+<file path=ppt/ink/ink29.xml><?xml version="1.0" encoding="utf-8"?>
+<inkml:ink xmlns:inkml="http://www.w3.org/2003/InkML">
+  <inkml:definitions>
+    <inkml:context xml:id="ctx0">
+      <inkml:inkSource xml:id="inkSrc0">
+        <inkml:traceFormat>
+          <inkml:channel name="X" type="integer" min="-2.14748E9" max="2.14748E9" units="cm"/>
+          <inkml:channel name="Y" type="integer" min="-2.14748E9" max="2.14748E9" units="cm"/>
+          <inkml:channel name="F" type="integer" max="32767" units="dev"/>
+        </inkml:traceFormat>
+        <inkml:channelProperties>
+          <inkml:channelProperty channel="X" name="resolution" value="1000" units="1/cm"/>
+          <inkml:channelProperty channel="Y" name="resolution" value="1000" units="1/cm"/>
+          <inkml:channelProperty channel="F" name="resolution" value="0" units="1/dev"/>
+        </inkml:channelProperties>
+      </inkml:inkSource>
+      <inkml:timestamp xml:id="ts0" timeString="2022-09-28T17:33:03.518"/>
+    </inkml:context>
+    <inkml:brush xml:id="br0">
+      <inkml:brushProperty name="width" value="0.05" units="cm"/>
+      <inkml:brushProperty name="height" value="0.05" units="cm"/>
+      <inkml:brushProperty name="color" value="#E71224"/>
+    </inkml:brush>
+  </inkml:definitions>
+  <inkml:trace contextRef="#ctx0" brushRef="#br0">1 334 24575,'1'9'0,"1"-1"0,-1 0 0,2 0 0,-1 0 0,1 0 0,6 11 0,3 13 0,-7-18 0,16 46 0,-20-56 0,1 0 0,0 0 0,0 0 0,0-1 0,1 1 0,-1 0 0,1-1 0,0 0 0,0 1 0,6 4 0,-8-8 0,0 1 0,-1-1 0,1 1 0,0-1 0,-1 0 0,1 0 0,0 1 0,-1-1 0,1 0 0,0 0 0,0 0 0,-1 0 0,1 0 0,0 0 0,0 0 0,0 0 0,-1 0 0,1 0 0,0 0 0,0 0 0,-1-1 0,1 1 0,0 0 0,-1 0 0,1-1 0,0 1 0,-1-1 0,1 1 0,0-1 0,16-24 0,0-33 0,-16 51 0,0 0 0,1 1 0,0-1 0,1 0 0,0 1 0,0 0 0,6-10 0,-9 15 0,1 0 0,0 0 0,0 0 0,-1 1 0,1-1 0,0 0 0,0 0 0,0 1 0,0-1 0,0 0 0,0 1 0,0-1 0,0 1 0,0 0 0,0-1 0,0 1 0,0 0 0,1-1 0,-1 1 0,2 0 0,-1 1 0,0-1 0,0 1 0,0-1 0,0 1 0,0 0 0,0 0 0,-1 0 0,1 0 0,0 1 0,0-1 0,-1 0 0,1 1 0,-1-1 0,0 1 0,1-1 0,0 3 0,52 74-1365,-42-59-5461</inkml:trace>
+  <inkml:trace contextRef="#ctx0" brushRef="#br0" timeOffset="1">258 1 24575,'23'75'0,"0"108"0,-13-107-1365,-4-54-5461</inkml:trace>
+</inkml:ink>
+</file>
+
+<file path=ppt/ink/ink3.xml><?xml version="1.0" encoding="utf-8"?>
+<inkml:ink xmlns:inkml="http://www.w3.org/2003/InkML">
+  <inkml:definitions>
+    <inkml:context xml:id="ctx0">
+      <inkml:inkSource xml:id="inkSrc0">
+        <inkml:traceFormat>
+          <inkml:channel name="X" type="integer" min="-2.14748E9" max="2.14748E9" units="cm"/>
+          <inkml:channel name="Y" type="integer" min="-2.14748E9" max="2.14748E9" units="cm"/>
+          <inkml:channel name="F" type="integer" max="32767" units="dev"/>
+        </inkml:traceFormat>
+        <inkml:channelProperties>
+          <inkml:channelProperty channel="X" name="resolution" value="1000" units="1/cm"/>
+          <inkml:channelProperty channel="Y" name="resolution" value="1000" units="1/cm"/>
+          <inkml:channelProperty channel="F" name="resolution" value="0" units="1/dev"/>
+        </inkml:channelProperties>
+      </inkml:inkSource>
+      <inkml:timestamp xml:id="ts0" timeString="2022-09-28T17:32:48.111"/>
+    </inkml:context>
+    <inkml:brush xml:id="br0">
+      <inkml:brushProperty name="width" value="0.05" units="cm"/>
+      <inkml:brushProperty name="height" value="0.05" units="cm"/>
+      <inkml:brushProperty name="color" value="#E71224"/>
+    </inkml:brush>
+  </inkml:definitions>
+  <inkml:trace contextRef="#ctx0" brushRef="#br0">207 246 24575,'-4'0'0,"-1"1"0,0-1 0,0 1 0,1 0 0,-1 0 0,0 1 0,1 0 0,-1-1 0,1 2 0,0-1 0,-1 0 0,1 1 0,0 0 0,1 0 0,-1 0 0,0 0 0,1 0 0,0 1 0,-1 0 0,-3 7 0,-1 0 0,2 1 0,0 0 0,0 0 0,1 1 0,1 0 0,-4 15 0,3 3 0,1 0 0,1 0 0,2 1 0,1-1 0,2 0 0,1 0 0,1 1 0,1-2 0,2 1 0,17 46 0,-20-67 0,0 1 0,0-1 0,1 0 0,0-1 0,1 1 0,0-1 0,0 0 0,1-1 0,0 1 0,0-1 0,1-1 0,9 8 0,-11-11 0,-1-1 0,1 0 0,0 0 0,0 0 0,1 0 0,-1-1 0,0 0 0,1 0 0,-1-1 0,1 0 0,0 0 0,-1 0 0,1-1 0,0 0 0,0-1 0,-1 1 0,1-1 0,0-1 0,-1 1 0,11-4 0,-3 0 0,-1 1 0,0-2 0,0 0 0,-1 0 0,0-1 0,0 0 0,0-1 0,-1-1 0,0 0 0,-1 0 0,0-1 0,-1 0 0,1-1 0,-2 0 0,0-1 0,0 0 0,-1 0 0,-1 0 0,0-1 0,0 0 0,-1 0 0,-1 0 0,0-1 0,-1 1 0,-1-1 0,2-23 0,-2 9 0,-2 1 0,-1 0 0,0-1 0,-2 1 0,-2 0 0,0 0 0,-2 0 0,-1 1 0,0 0 0,-3 1 0,0 0 0,-1 0 0,-17-24 0,27 45 0,-24-36 0,-38-43 0,53 71 0,0 1 0,0 0 0,-1 1 0,0 0 0,-1 1 0,0 0 0,-25-12 0,29 17 0,0 1 0,0 0 0,0 0 0,0 0 0,-1 1 0,1 1 0,0 0 0,-12-1 0,15 3 0,1-1 0,-1 1 0,0 0 0,0 0 0,1 0 0,-1 1 0,0 0 0,1 0 0,0 1 0,-1-1 0,1 1 0,0 0 0,0 1 0,-7 6 0,6-4 11,-1 1 0,1 0 0,1 0 0,0 0 0,0 1 0,0 0-1,1 0 1,0 0 0,0 0 0,-4 15 0,4-6-308,0 0 0,1 0 0,1 0 0,0 28 0,2-22-6529</inkml:trace>
+</inkml:ink>
+</file>
+
+<file path=ppt/ink/ink30.xml><?xml version="1.0" encoding="utf-8"?>
+<inkml:ink xmlns:inkml="http://www.w3.org/2003/InkML">
+  <inkml:definitions>
+    <inkml:context xml:id="ctx0">
+      <inkml:inkSource xml:id="inkSrc0">
+        <inkml:traceFormat>
+          <inkml:channel name="X" type="integer" min="-2.14748E9" max="2.14748E9" units="cm"/>
+          <inkml:channel name="Y" type="integer" min="-2.14748E9" max="2.14748E9" units="cm"/>
+          <inkml:channel name="F" type="integer" max="32767" units="dev"/>
+        </inkml:traceFormat>
+        <inkml:channelProperties>
+          <inkml:channelProperty channel="X" name="resolution" value="1000" units="1/cm"/>
+          <inkml:channelProperty channel="Y" name="resolution" value="1000" units="1/cm"/>
+          <inkml:channelProperty channel="F" name="resolution" value="0" units="1/dev"/>
+        </inkml:channelProperties>
+      </inkml:inkSource>
+      <inkml:timestamp xml:id="ts0" timeString="2022-09-28T17:33:04.202"/>
+    </inkml:context>
+    <inkml:brush xml:id="br0">
+      <inkml:brushProperty name="width" value="0.05" units="cm"/>
+      <inkml:brushProperty name="height" value="0.05" units="cm"/>
+      <inkml:brushProperty name="color" value="#E71224"/>
+    </inkml:brush>
+  </inkml:definitions>
+  <inkml:trace contextRef="#ctx0" brushRef="#br0">4 318 24575,'-2'43'0,"1"-23"0,0 1 0,2 0 0,0 0 0,4 21 0,-4-38 0,0 0 0,0 0 0,0 0 0,1 0 0,-1 0 0,1 0 0,0 0 0,0-1 0,0 1 0,0 0 0,1-1 0,0 0 0,0 0 0,0 1 0,0-2 0,0 1 0,0 0 0,1-1 0,-1 1 0,1-1 0,0 0 0,-1 0 0,1-1 0,0 1 0,5 0 0,-7-1 0,1 0 0,0 0 0,0-1 0,0 1 0,0-1 0,0 0 0,0 0 0,0 0 0,0 0 0,0-1 0,-1 1 0,1-1 0,0 0 0,0 0 0,0 0 0,-1 0 0,1 0 0,0 0 0,-1-1 0,5-3 0,-3 2 0,-1-1 0,0 0 0,0 0 0,0 0 0,0 0 0,-1 0 0,0 0 0,0-1 0,0 1 0,0-1 0,1-7 0,1-10 0,0-1 0,-2 0 0,-1 0 0,-1-26 0,0 45 0,0-14 0,-1 1 0,-1-1 0,0 0 0,-1 1 0,-1 0 0,-1-1 0,-9-21 0,14 38 0,0 0 0,-1 0 0,1 1 0,0-1 0,-1 0 0,1 0 0,-1 0 0,1 0 0,-1 1 0,1-1 0,-1 0 0,0 0 0,1 1 0,-1-1 0,0 0 0,0 1 0,1-1 0,-1 1 0,0-1 0,0 1 0,0 0 0,0-1 0,0 1 0,0 0 0,1-1 0,-1 1 0,0 0 0,0 0 0,0 0 0,0 0 0,0 0 0,0 0 0,0 0 0,0 0 0,0 0 0,-1 1 0,1 0 0,-1 0 0,1 0 0,0 0 0,0 0 0,0 1 0,0-1 0,1 0 0,-1 0 0,0 1 0,0-1 0,1 1 0,-1-1 0,1 0 0,-1 1 0,1-1 0,0 1 0,-1-1 0,1 1 0,0 0 0,0-1 0,0 1 0,0 2 0,2 8 0,0 1 0,1-1 0,0 1 0,0-1 0,1 0 0,1 0 0,0-1 0,1 1 0,0-1 0,1-1 0,0 1 0,1-1 0,0 0 0,0-1 0,1 0 0,0 0 0,1-1 0,0 0 0,11 7 0,-19-14 0,0 0 0,0 0 0,0-1 0,0 1 0,1-1 0,-1 1 0,0-1 0,0 0 0,0 0 0,0 0 0,1 0 0,-1 0 0,0 0 0,0 0 0,0-1 0,0 1 0,0-1 0,0 0 0,0 0 0,0 0 0,0 0 0,0 0 0,0 0 0,0 0 0,0 0 0,-1-1 0,1 1 0,-1-1 0,3-1 0,-1-1 0,-1 1 0,1 0 0,-1-1 0,1 0 0,-1 1 0,0-1 0,0 0 0,-1 0 0,1 0 0,-1 0 0,0-1 0,0 1 0,0-7 0,-2 3 0,-2 11 0,0 16 0,4-17 0,-1 0 0,0 0 0,1 0 0,0 0 0,-1 0 0,1-1 0,0 1 0,0 0 0,0 0 0,0-1 0,0 1 0,0-1 0,0 1 0,1-1 0,2 3 0,-3-3 0,0-1 0,0 1 0,0-1 0,0 1 0,0-1 0,0 0 0,0 0 0,0 0 0,0 1 0,0-1 0,0 0 0,0 0 0,0 0 0,0 0 0,1-1 0,-1 1 0,0 0 0,0 0 0,0-1 0,0 1 0,1-1 0,1-1 0,0 0 0,0 0 0,0 0 0,-1 0 0,1-1 0,-1 1 0,1-1 0,-1 1 0,0-1 0,0 0 0,0 0 0,-1 0 0,1 0 0,-1 0 0,1 0 0,1-6 0,1-17 0,0 0 0,-1 0 0,-2-1 0,-1 1 0,-1 0 0,-1-1 0,-1 1 0,-1 0 0,-9-29 0,-11 12 0,7 28 0,17 15 0,-1 0 0,1 0 0,-1 0 0,1 0 0,-1 0 0,0 0 0,1 1 0,-1-1 0,1 0 0,-1 0 0,1 0 0,-1 1 0,1-1 0,0 0 0,-1 1 0,1-1 0,-1 0 0,1 1 0,0-1 0,-1 0 0,1 1 0,0-1 0,-1 1 0,1-1 0,0 1 0,-1-1 0,1 1 0,0-1 0,0 1 0,0-1 0,0 1 0,0-1 0,-1 1 0,1-1 0,0 1 0,0 0 0,-1 13 0,1 0 0,0-1 0,1 1 0,0 0 0,1-1 0,0 1 0,1-1 0,7 19 0,-4-9 0,10 30-682,28 64-1,-29-83-6143</inkml:trace>
+</inkml:ink>
+</file>
+
+<file path=ppt/ink/ink31.xml><?xml version="1.0" encoding="utf-8"?>
+<inkml:ink xmlns:inkml="http://www.w3.org/2003/InkML">
+  <inkml:definitions>
+    <inkml:context xml:id="ctx0">
+      <inkml:inkSource xml:id="inkSrc0">
+        <inkml:traceFormat>
+          <inkml:channel name="X" type="integer" min="-2.14748E9" max="2.14748E9" units="cm"/>
+          <inkml:channel name="Y" type="integer" min="-2.14748E9" max="2.14748E9" units="cm"/>
+          <inkml:channel name="F" type="integer" max="32767" units="dev"/>
+        </inkml:traceFormat>
+        <inkml:channelProperties>
+          <inkml:channelProperty channel="X" name="resolution" value="1000" units="1/cm"/>
+          <inkml:channelProperty channel="Y" name="resolution" value="1000" units="1/cm"/>
+          <inkml:channelProperty channel="F" name="resolution" value="0" units="1/dev"/>
+        </inkml:channelProperties>
+      </inkml:inkSource>
+      <inkml:timestamp xml:id="ts0" timeString="2022-09-28T17:33:04.787"/>
+    </inkml:context>
+    <inkml:brush xml:id="br0">
+      <inkml:brushProperty name="width" value="0.05" units="cm"/>
+      <inkml:brushProperty name="height" value="0.05" units="cm"/>
+      <inkml:brushProperty name="color" value="#E71224"/>
+    </inkml:brush>
+  </inkml:definitions>
+  <inkml:trace contextRef="#ctx0" brushRef="#br0">0 1 24575,'21'63'0,"-12"4"-118,75 395-1129,-78-439-5579</inkml:trace>
+</inkml:ink>
+</file>
+
+<file path=ppt/ink/ink32.xml><?xml version="1.0" encoding="utf-8"?>
+<inkml:ink xmlns:inkml="http://www.w3.org/2003/InkML">
+  <inkml:definitions>
+    <inkml:context xml:id="ctx0">
+      <inkml:inkSource xml:id="inkSrc0">
+        <inkml:traceFormat>
+          <inkml:channel name="X" type="integer" min="-2.14748E9" max="2.14748E9" units="cm"/>
+          <inkml:channel name="Y" type="integer" min="-2.14748E9" max="2.14748E9" units="cm"/>
+          <inkml:channel name="F" type="integer" max="32767" units="dev"/>
+        </inkml:traceFormat>
+        <inkml:channelProperties>
+          <inkml:channelProperty channel="X" name="resolution" value="1000" units="1/cm"/>
+          <inkml:channelProperty channel="Y" name="resolution" value="1000" units="1/cm"/>
+          <inkml:channelProperty channel="F" name="resolution" value="0" units="1/dev"/>
+        </inkml:channelProperties>
+      </inkml:inkSource>
+      <inkml:timestamp xml:id="ts0" timeString="2022-09-28T17:33:05.124"/>
+    </inkml:context>
+    <inkml:brush xml:id="br0">
+      <inkml:brushProperty name="width" value="0.05" units="cm"/>
+      <inkml:brushProperty name="height" value="0.05" units="cm"/>
+      <inkml:brushProperty name="color" value="#E71224"/>
+    </inkml:brush>
+  </inkml:definitions>
+  <inkml:trace contextRef="#ctx0" brushRef="#br0">1 7 24575,'0'-5'0,"0"4"0,4 5 0,2 8 0,0 5 0,3 4 0,0 8 0,-2 2 0,-1 2 0,1-2 0,1-1 0,-1-1 0,-2-2 0,-2-5-8191</inkml:trace>
+</inkml:ink>
+</file>
+
+<file path=ppt/ink/ink33.xml><?xml version="1.0" encoding="utf-8"?>
+<inkml:ink xmlns:inkml="http://www.w3.org/2003/InkML">
+  <inkml:definitions>
+    <inkml:context xml:id="ctx0">
+      <inkml:inkSource xml:id="inkSrc0">
+        <inkml:traceFormat>
+          <inkml:channel name="X" type="integer" min="-2.14748E9" max="2.14748E9" units="cm"/>
+          <inkml:channel name="Y" type="integer" min="-2.14748E9" max="2.14748E9" units="cm"/>
+          <inkml:channel name="F" type="integer" max="32767" units="dev"/>
+        </inkml:traceFormat>
+        <inkml:channelProperties>
+          <inkml:channelProperty channel="X" name="resolution" value="1000" units="1/cm"/>
+          <inkml:channelProperty channel="Y" name="resolution" value="1000" units="1/cm"/>
+          <inkml:channelProperty channel="F" name="resolution" value="0" units="1/dev"/>
+        </inkml:channelProperties>
+      </inkml:inkSource>
+      <inkml:timestamp xml:id="ts0" timeString="2022-09-28T17:33:05.466"/>
+    </inkml:context>
+    <inkml:brush xml:id="br0">
+      <inkml:brushProperty name="width" value="0.05" units="cm"/>
+      <inkml:brushProperty name="height" value="0.05" units="cm"/>
+      <inkml:brushProperty name="color" value="#E71224"/>
+    </inkml:brush>
+  </inkml:definitions>
+  <inkml:trace contextRef="#ctx0" brushRef="#br0">1 59 24575,'0'-4'0,"0"-6"0,0-6 0,4 1 0,2 1-8191</inkml:trace>
+  <inkml:trace contextRef="#ctx0" brushRef="#br0" timeOffset="1">180 34 24575,'1'2'0,"0"0"0,0 0 0,0 0 0,0 0 0,-1 0 0,1 0 0,-1 0 0,1 0 0,-1 0 0,0 0 0,0 0 0,0 0 0,0 1 0,0-1 0,-1 0 0,1 0 0,0 0 0,-1 0 0,0 0 0,1 0 0,-3 3 0,-21 46 0,23-49 0,-1 1 0,0 1 0,0-1 0,1 1 0,0-1 0,-1 1 0,1 0 0,0-1 0,1 1 0,-1 0 0,1 0 0,-1 0 0,1-1 0,0 1 0,1 0 0,-1 0 0,1 0 0,-1 0 0,1-1 0,0 1 0,1 0 0,-1-1 0,4 6 0,-2-4 0,0 0 0,1-1 0,0 1 0,0-1 0,0 0 0,1 0 0,0-1 0,-1 1 0,1-1 0,0 0 0,1 0 0,-1-1 0,0 0 0,10 3 0,25 7-120,-25-9 156,-1 1 0,0 0 0,0 1 0,0 1 0,-1 0 0,13 8 0,-23-12-86,0 1 1,0-1-1,-1 1 0,1-1 0,-1 1 0,1 0 0,-1 0 0,0 0 0,0 0 0,0 0 0,-1 0 0,1 1 0,-1-1 1,0 1-1,0-1 0,0 1 0,0-1 0,0 1 0,-1 0 0,0-1 0,0 1 0,0 0 0,0-1 0,0 1 1,-1 0-1,0-1 0,1 1 0,-1-1 0,-2 5 0,-3 9-6776</inkml:trace>
+</inkml:ink>
+</file>
+
+<file path=ppt/ink/ink34.xml><?xml version="1.0" encoding="utf-8"?>
+<inkml:ink xmlns:inkml="http://www.w3.org/2003/InkML">
+  <inkml:definitions>
+    <inkml:context xml:id="ctx0">
+      <inkml:inkSource xml:id="inkSrc0">
+        <inkml:traceFormat>
+          <inkml:channel name="X" type="integer" min="-2.14748E9" max="2.14748E9" units="cm"/>
+          <inkml:channel name="Y" type="integer" min="-2.14748E9" max="2.14748E9" units="cm"/>
+          <inkml:channel name="F" type="integer" max="32767" units="dev"/>
+        </inkml:traceFormat>
+        <inkml:channelProperties>
+          <inkml:channelProperty channel="X" name="resolution" value="1000" units="1/cm"/>
+          <inkml:channelProperty channel="Y" name="resolution" value="1000" units="1/cm"/>
+          <inkml:channelProperty channel="F" name="resolution" value="0" units="1/dev"/>
+        </inkml:channelProperties>
+      </inkml:inkSource>
+      <inkml:timestamp xml:id="ts0" timeString="2022-09-28T17:33:05.801"/>
+    </inkml:context>
+    <inkml:brush xml:id="br0">
+      <inkml:brushProperty name="width" value="0.05" units="cm"/>
+      <inkml:brushProperty name="height" value="0.05" units="cm"/>
+      <inkml:brushProperty name="color" value="#E71224"/>
+    </inkml:brush>
+  </inkml:definitions>
+  <inkml:trace contextRef="#ctx0" brushRef="#br0">0 0 24575,'4'1'0,"-1"-1"0,1 1 0,-1 0 0,1 0 0,-1 1 0,1-1 0,-1 1 0,0-1 0,0 1 0,0 0 0,0 0 0,0 0 0,0 1 0,0-1 0,-1 1 0,1 0 0,-1-1 0,0 1 0,0 0 0,0 0 0,0 1 0,0-1 0,-1 0 0,1 1 0,-1-1 0,1 5 0,5 14 0,-1 0 0,7 44 0,-11-52 0,17 106-45,33 164-1275,-48-262-5506</inkml:trace>
+</inkml:ink>
+</file>
+
+<file path=ppt/ink/ink35.xml><?xml version="1.0" encoding="utf-8"?>
+<inkml:ink xmlns:inkml="http://www.w3.org/2003/InkML">
+  <inkml:definitions>
+    <inkml:context xml:id="ctx0">
+      <inkml:inkSource xml:id="inkSrc0">
+        <inkml:traceFormat>
+          <inkml:channel name="X" type="integer" min="-2.14748E9" max="2.14748E9" units="cm"/>
+          <inkml:channel name="Y" type="integer" min="-2.14748E9" max="2.14748E9" units="cm"/>
+          <inkml:channel name="F" type="integer" max="32767" units="dev"/>
+        </inkml:traceFormat>
+        <inkml:channelProperties>
+          <inkml:channelProperty channel="X" name="resolution" value="1000" units="1/cm"/>
+          <inkml:channelProperty channel="Y" name="resolution" value="1000" units="1/cm"/>
+          <inkml:channelProperty channel="F" name="resolution" value="0" units="1/dev"/>
+        </inkml:channelProperties>
+      </inkml:inkSource>
+      <inkml:timestamp xml:id="ts0" timeString="2022-09-28T17:33:06.163"/>
+    </inkml:context>
+    <inkml:brush xml:id="br0">
+      <inkml:brushProperty name="width" value="0.05" units="cm"/>
+      <inkml:brushProperty name="height" value="0.05" units="cm"/>
+      <inkml:brushProperty name="color" value="#E71224"/>
+    </inkml:brush>
+  </inkml:definitions>
+  <inkml:trace contextRef="#ctx0" brushRef="#br0">281 24 24575,'0'-5'0,"-4"0"0,-6-1 0,-6 2 0,-4 1 0,-8 5 0,-3 3 0,-1 0 0,1-1 0,1-1 0,1 4 0,2 0 0,5-1-8191</inkml:trace>
+</inkml:ink>
+</file>
+
+<file path=ppt/ink/ink36.xml><?xml version="1.0" encoding="utf-8"?>
+<inkml:ink xmlns:inkml="http://www.w3.org/2003/InkML">
+  <inkml:definitions>
+    <inkml:context xml:id="ctx0">
+      <inkml:inkSource xml:id="inkSrc0">
+        <inkml:traceFormat>
+          <inkml:channel name="X" type="integer" min="-2.14748E9" max="2.14748E9" units="cm"/>
+          <inkml:channel name="Y" type="integer" min="-2.14748E9" max="2.14748E9" units="cm"/>
+          <inkml:channel name="F" type="integer" max="32767" units="dev"/>
+        </inkml:traceFormat>
+        <inkml:channelProperties>
+          <inkml:channelProperty channel="X" name="resolution" value="1000" units="1/cm"/>
+          <inkml:channelProperty channel="Y" name="resolution" value="1000" units="1/cm"/>
+          <inkml:channelProperty channel="F" name="resolution" value="0" units="1/dev"/>
+        </inkml:channelProperties>
+      </inkml:inkSource>
+      <inkml:timestamp xml:id="ts0" timeString="2022-09-28T17:33:07.707"/>
+    </inkml:context>
+    <inkml:brush xml:id="br0">
+      <inkml:brushProperty name="width" value="0.05" units="cm"/>
+      <inkml:brushProperty name="height" value="0.05" units="cm"/>
+      <inkml:brushProperty name="color" value="#E71224"/>
+    </inkml:brush>
+  </inkml:definitions>
+  <inkml:trace contextRef="#ctx0" brushRef="#br0">205 2846 24575,'1'-1'0,"0"1"0,0 0 0,-1-1 0,1 1 0,0-1 0,-1 1 0,1-1 0,0 1 0,-1-1 0,1 1 0,-1-1 0,1 0 0,-1 1 0,1-1 0,-1 0 0,0 0 0,1 1 0,-1-1 0,0 0 0,1 0 0,-1 1 0,0-1 0,0 0 0,0 0 0,0 0 0,0 1 0,0-1 0,0 0 0,0 0 0,0 0 0,0 1 0,-1-3 0,-3-36 0,3 28 0,-28-169 0,5 40 0,-74-752 0,63-135 0,36 1009 0,1-1 0,1 1 0,4-18 0,-2 17 0,-1-1 0,1-26 0,-6 25 0,0 0 0,-2 0 0,-6-26 0,4 22 0,-4-46 0,-2-3 134,0 18-1633,9 36-5327</inkml:trace>
+</inkml:ink>
+</file>
+
+<file path=ppt/ink/ink37.xml><?xml version="1.0" encoding="utf-8"?>
+<inkml:ink xmlns:inkml="http://www.w3.org/2003/InkML">
+  <inkml:definitions>
+    <inkml:context xml:id="ctx0">
+      <inkml:inkSource xml:id="inkSrc0">
+        <inkml:traceFormat>
+          <inkml:channel name="X" type="integer" min="-2.14748E9" max="2.14748E9" units="cm"/>
+          <inkml:channel name="Y" type="integer" min="-2.14748E9" max="2.14748E9" units="cm"/>
+          <inkml:channel name="F" type="integer" max="32767" units="dev"/>
+        </inkml:traceFormat>
+        <inkml:channelProperties>
+          <inkml:channelProperty channel="X" name="resolution" value="1000" units="1/cm"/>
+          <inkml:channelProperty channel="Y" name="resolution" value="1000" units="1/cm"/>
+          <inkml:channelProperty channel="F" name="resolution" value="0" units="1/dev"/>
+        </inkml:channelProperties>
+      </inkml:inkSource>
+      <inkml:timestamp xml:id="ts0" timeString="2022-09-28T17:33:08.274"/>
+    </inkml:context>
+    <inkml:brush xml:id="br0">
+      <inkml:brushProperty name="width" value="0.05" units="cm"/>
+      <inkml:brushProperty name="height" value="0.05" units="cm"/>
+      <inkml:brushProperty name="color" value="#E71224"/>
+    </inkml:brush>
+  </inkml:definitions>
+  <inkml:trace contextRef="#ctx0" brushRef="#br0">171 70 24575,'-1'5'0,"-1"1"0,0-1 0,0 1 0,-1-1 0,0 0 0,0 0 0,0 0 0,-6 7 0,-6 10 0,-3 17 0,1 0 0,-12 47 0,17-47 0,-2-1 0,-24 47 0,74-200 0,-6 44 0,-16 31 0,3 1 0,1 1 0,1 1 0,49-68 0,-66 103 0,0 0 0,0 0 0,0 0 0,0 0 0,0 0 0,0 0 0,1 0 0,-1 1 0,1-1 0,-1 1 0,1 0 0,0 0 0,-1 0 0,1 0 0,0 0 0,0 0 0,0 1 0,0 0 0,-1-1 0,5 1 0,-2 1 0,1 0 0,-1 0 0,0 0 0,0 1 0,1 0 0,-1 0 0,-1 0 0,1 0 0,0 1 0,5 4 0,7 6 0,0 1 0,-1 1 0,-1 0 0,20 26 0,40 46 0,-46-57 0,-3 1 0,0 1 0,-2 1 0,20 37 0,-31-45-1365,-1-3-5461</inkml:trace>
+</inkml:ink>
+</file>
+
+<file path=ppt/ink/ink38.xml><?xml version="1.0" encoding="utf-8"?>
+<inkml:ink xmlns:inkml="http://www.w3.org/2003/InkML">
+  <inkml:definitions>
+    <inkml:context xml:id="ctx0">
+      <inkml:inkSource xml:id="inkSrc0">
+        <inkml:traceFormat>
+          <inkml:channel name="X" type="integer" min="-2.14748E9" max="2.14748E9" units="cm"/>
+          <inkml:channel name="Y" type="integer" min="-2.14748E9" max="2.14748E9" units="cm"/>
+          <inkml:channel name="F" type="integer" max="32767" units="dev"/>
+        </inkml:traceFormat>
+        <inkml:channelProperties>
+          <inkml:channelProperty channel="X" name="resolution" value="1000" units="1/cm"/>
+          <inkml:channelProperty channel="Y" name="resolution" value="1000" units="1/cm"/>
+          <inkml:channelProperty channel="F" name="resolution" value="0" units="1/dev"/>
+        </inkml:channelProperties>
+      </inkml:inkSource>
+      <inkml:timestamp xml:id="ts0" timeString="2022-09-28T17:33:09.132"/>
+    </inkml:context>
+    <inkml:brush xml:id="br0">
+      <inkml:brushProperty name="width" value="0.05" units="cm"/>
+      <inkml:brushProperty name="height" value="0.05" units="cm"/>
+      <inkml:brushProperty name="color" value="#E71224"/>
+    </inkml:brush>
+  </inkml:definitions>
+  <inkml:trace contextRef="#ctx0" brushRef="#br0">238 377 24575,'-7'1'0,"1"0"0,-1 0 0,1 0 0,-1 1 0,1 0 0,0 1 0,0 0 0,0-1 0,0 2 0,0-1 0,1 1 0,-1 0 0,1 0 0,0 0 0,0 1 0,1 0 0,-6 6 0,-5 7 0,2 1 0,-1 0 0,-15 33 0,18-27 0,1 1 0,1 0 0,2 0 0,1 1 0,0 0 0,2 0 0,2 0 0,0 1 0,1-1 0,7 50 0,-6-69 0,1 0 0,0 1 0,1-1 0,0 0 0,0-1 0,1 1 0,0 0 0,0-1 0,1 1 0,0-1 0,0 0 0,0-1 0,1 1 0,0-1 0,1 1 0,-1-2 0,1 1 0,0 0 0,1-1 0,-1 0 0,1-1 0,0 0 0,0 0 0,0 0 0,1-1 0,0 0 0,-1 0 0,11 1 0,-5-1 0,1-1 0,0-1 0,0 0 0,1-1 0,-1 0 0,0-1 0,0-1 0,0 0 0,-1-1 0,1 0 0,-1-2 0,1 1 0,-1-1 0,0-1 0,20-12 0,-17 7 0,-1 0 0,0 0 0,-1-2 0,0 0 0,0 0 0,-2-1 0,1-1 0,-2 0 0,0-1 0,-1 0 0,-1 0 0,0-1 0,-1-1 0,10-33 0,-11 25 0,-2-1 0,0 0 0,-2 0 0,-1 0 0,-1 0 0,-2-1 0,0 1 0,-2 0 0,-11-49 0,7 46 0,-1 0 0,-1 0 0,-1 1 0,-2 0 0,-1 0 0,-1 2 0,-2 0 0,-1 0 0,0 1 0,-2 2 0,-1 0 0,-1 0 0,-40-33 0,57 53-68,-1 0 0,0 0-1,0 1 1,0 0 0,-1 0 0,1 0-1,-1 0 1,0 1 0,0 0 0,0 0-1,0 0 1,0 1 0,0 0 0,0 0-1,0 1 1,0-1 0,-1 1-1,1 1 1,-12 1 0,-7 7-6758</inkml:trace>
+</inkml:ink>
+</file>
+
+<file path=ppt/ink/ink39.xml><?xml version="1.0" encoding="utf-8"?>
+<inkml:ink xmlns:inkml="http://www.w3.org/2003/InkML">
+  <inkml:definitions>
+    <inkml:context xml:id="ctx0">
+      <inkml:inkSource xml:id="inkSrc0">
+        <inkml:traceFormat>
+          <inkml:channel name="X" type="integer" min="-2.14748E9" max="2.14748E9" units="cm"/>
+          <inkml:channel name="Y" type="integer" min="-2.14748E9" max="2.14748E9" units="cm"/>
+          <inkml:channel name="F" type="integer" max="32767" units="dev"/>
+        </inkml:traceFormat>
+        <inkml:channelProperties>
+          <inkml:channelProperty channel="X" name="resolution" value="1000" units="1/cm"/>
+          <inkml:channelProperty channel="Y" name="resolution" value="1000" units="1/cm"/>
+          <inkml:channelProperty channel="F" name="resolution" value="0" units="1/dev"/>
+        </inkml:channelProperties>
+      </inkml:inkSource>
+      <inkml:timestamp xml:id="ts0" timeString="2022-09-28T17:33:10.145"/>
+    </inkml:context>
+    <inkml:brush xml:id="br0">
+      <inkml:brushProperty name="width" value="0.05" units="cm"/>
+      <inkml:brushProperty name="height" value="0.05" units="cm"/>
+      <inkml:brushProperty name="color" value="#E71224"/>
+    </inkml:brush>
+  </inkml:definitions>
+  <inkml:trace contextRef="#ctx0" brushRef="#br0">158 1 24575,'-3'1'0,"1"-1"0,-1 1 0,1 0 0,0 0 0,-1 0 0,1 0 0,0 0 0,0 0 0,0 1 0,0-1 0,0 1 0,0 0 0,0-1 0,0 1 0,1 0 0,-1 0 0,-1 3 0,-25 39 0,25-39 0,-11 21-124,1-1 0,2 2 0,1 0 0,0 0 0,2 0 0,2 1-1,0 0 1,2 1 0,1-1 0,1 52 0,2-52-6702</inkml:trace>
+</inkml:ink>
+</file>
+
+<file path=ppt/ink/ink4.xml><?xml version="1.0" encoding="utf-8"?>
+<inkml:ink xmlns:inkml="http://www.w3.org/2003/InkML">
+  <inkml:definitions>
+    <inkml:context xml:id="ctx0">
+      <inkml:inkSource xml:id="inkSrc0">
+        <inkml:traceFormat>
+          <inkml:channel name="X" type="integer" min="-2.14748E9" max="2.14748E9" units="cm"/>
+          <inkml:channel name="Y" type="integer" min="-2.14748E9" max="2.14748E9" units="cm"/>
+          <inkml:channel name="F" type="integer" max="32767" units="dev"/>
+        </inkml:traceFormat>
+        <inkml:channelProperties>
+          <inkml:channelProperty channel="X" name="resolution" value="1000" units="1/cm"/>
+          <inkml:channelProperty channel="Y" name="resolution" value="1000" units="1/cm"/>
+          <inkml:channelProperty channel="F" name="resolution" value="0" units="1/dev"/>
+        </inkml:channelProperties>
+      </inkml:inkSource>
+      <inkml:timestamp xml:id="ts0" timeString="2022-09-28T17:32:49.334"/>
+    </inkml:context>
+    <inkml:brush xml:id="br0">
+      <inkml:brushProperty name="width" value="0.05" units="cm"/>
+      <inkml:brushProperty name="height" value="0.05" units="cm"/>
+      <inkml:brushProperty name="color" value="#E71224"/>
+    </inkml:brush>
+  </inkml:definitions>
+  <inkml:trace contextRef="#ctx0" brushRef="#br0">77 4 24575,'-3'-4'0,"-4"13"0,-4 15 0,4 0 0,-5 11 0,1 1 0,3-1 0,-9 71 0,16 371 0,17-302 0,-13-154 0,2-1 0,0 0 0,1 1 0,1-2 0,0 1 0,15 24 0,-20-40-37,1-1 0,0 1 1,0 0-1,1-1 0,-1 0 0,1 1 0,0-1 0,0-1 0,0 1 0,0-1 0,0 1 0,0-1 1,1 0-1,-1-1 0,1 1 0,-1-1 0,1 0 0,0 0 0,0 0 0,-1-1 0,1 1 0,0-1 1,0 0-1,0-1 0,-1 1 0,1-1 0,0 0 0,-1 0 0,1-1 0,0 1 0,-1-1 0,1 0 1,-1 0-1,0 0 0,0-1 0,5-3 0,4-4-6789</inkml:trace>
+</inkml:ink>
+</file>
+
+<file path=ppt/ink/ink40.xml><?xml version="1.0" encoding="utf-8"?>
+<inkml:ink xmlns:inkml="http://www.w3.org/2003/InkML">
+  <inkml:definitions>
+    <inkml:context xml:id="ctx0">
+      <inkml:inkSource xml:id="inkSrc0">
+        <inkml:traceFormat>
+          <inkml:channel name="X" type="integer" min="-2.14748E9" max="2.14748E9" units="cm"/>
+          <inkml:channel name="Y" type="integer" min="-2.14748E9" max="2.14748E9" units="cm"/>
+          <inkml:channel name="F" type="integer" max="32767" units="dev"/>
+        </inkml:traceFormat>
+        <inkml:channelProperties>
+          <inkml:channelProperty channel="X" name="resolution" value="1000" units="1/cm"/>
+          <inkml:channelProperty channel="Y" name="resolution" value="1000" units="1/cm"/>
+          <inkml:channelProperty channel="F" name="resolution" value="0" units="1/dev"/>
+        </inkml:channelProperties>
+      </inkml:inkSource>
+      <inkml:timestamp xml:id="ts0" timeString="2022-09-28T17:33:10.713"/>
+    </inkml:context>
+    <inkml:brush xml:id="br0">
+      <inkml:brushProperty name="width" value="0.05" units="cm"/>
+      <inkml:brushProperty name="height" value="0.05" units="cm"/>
+      <inkml:brushProperty name="color" value="#E71224"/>
+    </inkml:brush>
+  </inkml:definitions>
+  <inkml:trace contextRef="#ctx0" brushRef="#br0">266 12 24575,'0'0'0,"0"-1"0,0 1 0,0-1 0,0 0 0,-1 1 0,1-1 0,0 1 0,0-1 0,0 1 0,-1-1 0,1 1 0,0-1 0,-1 1 0,1 0 0,0-1 0,-1 1 0,1-1 0,-1 1 0,1 0 0,-1-1 0,1 1 0,-1 0 0,1 0 0,-1-1 0,1 1 0,-1 0 0,1 0 0,-1 0 0,1 0 0,-1-1 0,1 1 0,-1 0 0,1 0 0,-1 0 0,0 0 0,1 0 0,-1 0 0,1 1 0,-1-1 0,1 0 0,-1 0 0,1 0 0,-1 0 0,1 1 0,-1-1 0,1 0 0,-1 1 0,1-1 0,-1 0 0,0 1 0,-28 15 0,16-5 0,1 0 0,0 0 0,1 1 0,1 1 0,0 0 0,0 0 0,1 1 0,1 0 0,-13 30 0,2 3 0,-24 94 0,30-87 0,4 1 0,2 1 0,-1 92 0,10-58 0,21 135 0,-19-199 30,0-1 0,2 0 0,15 42 0,-19-62-95,0 1 1,0-1-1,1 0 1,0 0-1,0 0 1,0-1-1,0 1 0,1-1 1,0 0-1,0 0 1,0 0-1,0 0 1,1-1-1,-1 1 0,1-1 1,0 0-1,0-1 1,0 1-1,0-1 1,1 0-1,-1 0 1,11 2-1,5-3-6761</inkml:trace>
+</inkml:ink>
+</file>
+
+<file path=ppt/ink/ink41.xml><?xml version="1.0" encoding="utf-8"?>
+<inkml:ink xmlns:inkml="http://www.w3.org/2003/InkML">
+  <inkml:definitions>
+    <inkml:context xml:id="ctx0">
+      <inkml:inkSource xml:id="inkSrc0">
+        <inkml:traceFormat>
+          <inkml:channel name="X" type="integer" min="-2.14748E9" max="2.14748E9" units="cm"/>
+          <inkml:channel name="Y" type="integer" min="-2.14748E9" max="2.14748E9" units="cm"/>
+          <inkml:channel name="F" type="integer" max="32767" units="dev"/>
+        </inkml:traceFormat>
+        <inkml:channelProperties>
+          <inkml:channelProperty channel="X" name="resolution" value="1000" units="1/cm"/>
+          <inkml:channelProperty channel="Y" name="resolution" value="1000" units="1/cm"/>
+          <inkml:channelProperty channel="F" name="resolution" value="0" units="1/dev"/>
+        </inkml:channelProperties>
+      </inkml:inkSource>
+      <inkml:timestamp xml:id="ts0" timeString="2022-09-28T17:33:11.196"/>
+    </inkml:context>
+    <inkml:brush xml:id="br0">
+      <inkml:brushProperty name="width" value="0.05" units="cm"/>
+      <inkml:brushProperty name="height" value="0.05" units="cm"/>
+      <inkml:brushProperty name="color" value="#E71224"/>
+    </inkml:brush>
+  </inkml:definitions>
+  <inkml:trace contextRef="#ctx0" brushRef="#br0">0 0 24575,'1'20'0,"0"0"0,1 0 0,1 0 0,1 0 0,1 0 0,0-1 0,2 0 0,12 27 0,-18-45 0,-1 0 0,1 1 0,-1-1 0,1 0 0,0 1 0,0-1 0,0 0 0,0 0 0,0 0 0,0 0 0,0 0 0,0 0 0,0 0 0,1 0 0,-1 0 0,0 0 0,1-1 0,-1 1 0,0 0 0,1-1 0,-1 1 0,1-1 0,1 1 0,-1-2 0,-1 1 0,1-1 0,-1 1 0,1-1 0,-1 0 0,0 0 0,1 1 0,-1-1 0,0 0 0,0 0 0,0 0 0,1 0 0,-1-1 0,0 1 0,0 0 0,-1 0 0,1-1 0,1-1 0,3-7 0,0-1 0,0 0 0,-1-1 0,4-16 0,-5 16 0,0 0 0,0 0 0,2 0 0,-1 0 0,2 0 0,8-14 0,-13 24 0,1 0 0,0-1 0,0 1 0,0 0 0,0 0 0,0 0 0,0 0 0,0 1 0,1-1 0,-1 0 0,0 1 0,1 0 0,0 0 0,-1 0 0,1 0 0,0 0 0,-1 0 0,1 0 0,0 1 0,0 0 0,0-1 0,0 1 0,-1 0 0,1 0 0,0 1 0,0-1 0,0 1 0,0-1 0,-1 1 0,1 0 0,0 0 0,-1 0 0,6 3 0,4 3 17,0 0 0,0 1 1,-1 0-1,0 1 0,0 0 0,9 11 0,53 67-1502,-62-72-5341</inkml:trace>
+</inkml:ink>
+</file>
+
+<file path=ppt/ink/ink42.xml><?xml version="1.0" encoding="utf-8"?>
+<inkml:ink xmlns:inkml="http://www.w3.org/2003/InkML">
+  <inkml:definitions>
+    <inkml:context xml:id="ctx0">
+      <inkml:inkSource xml:id="inkSrc0">
+        <inkml:traceFormat>
+          <inkml:channel name="X" type="integer" min="-2.14748E9" max="2.14748E9" units="cm"/>
+          <inkml:channel name="Y" type="integer" min="-2.14748E9" max="2.14748E9" units="cm"/>
+          <inkml:channel name="F" type="integer" max="32767" units="dev"/>
+        </inkml:traceFormat>
+        <inkml:channelProperties>
+          <inkml:channelProperty channel="X" name="resolution" value="1000" units="1/cm"/>
+          <inkml:channelProperty channel="Y" name="resolution" value="1000" units="1/cm"/>
+          <inkml:channelProperty channel="F" name="resolution" value="0" units="1/dev"/>
+        </inkml:channelProperties>
+      </inkml:inkSource>
+      <inkml:timestamp xml:id="ts0" timeString="2022-09-28T17:33:11.539"/>
+    </inkml:context>
+    <inkml:brush xml:id="br0">
+      <inkml:brushProperty name="width" value="0.05" units="cm"/>
+      <inkml:brushProperty name="height" value="0.05" units="cm"/>
+      <inkml:brushProperty name="color" value="#E71224"/>
+    </inkml:brush>
+  </inkml:definitions>
+  <inkml:trace contextRef="#ctx0" brushRef="#br0">1 1 24575,'7'0'0,"0"0"0,-1 1 0,1 0 0,0 0 0,-1 1 0,1 0 0,0 0 0,-1 1 0,0-1 0,0 1 0,0 0 0,0 1 0,7 5 0,-4-2 0,-1 1 0,0 0 0,0 1 0,0 0 0,-1 0 0,-1 0 0,8 13 0,3 16 0,0-1 0,-3 2 0,15 57 0,-21-68 0,10 41 30,-3 1 0,-3 0 0,6 133 0,-17-151-278,-3 0 1,-2 1-1,-2-1 1,-3-1-1,-29 98 1,20-98-6579</inkml:trace>
+</inkml:ink>
+</file>
+
+<file path=ppt/ink/ink43.xml><?xml version="1.0" encoding="utf-8"?>
+<inkml:ink xmlns:inkml="http://www.w3.org/2003/InkML">
+  <inkml:definitions>
+    <inkml:context xml:id="ctx0">
+      <inkml:inkSource xml:id="inkSrc0">
+        <inkml:traceFormat>
+          <inkml:channel name="X" type="integer" min="-2.14748E9" max="2.14748E9" units="cm"/>
+          <inkml:channel name="Y" type="integer" min="-2.14748E9" max="2.14748E9" units="cm"/>
+          <inkml:channel name="F" type="integer" max="32767" units="dev"/>
+        </inkml:traceFormat>
+        <inkml:channelProperties>
+          <inkml:channelProperty channel="X" name="resolution" value="1000" units="1/cm"/>
+          <inkml:channelProperty channel="Y" name="resolution" value="1000" units="1/cm"/>
+          <inkml:channelProperty channel="F" name="resolution" value="0" units="1/dev"/>
+        </inkml:channelProperties>
+      </inkml:inkSource>
+      <inkml:timestamp xml:id="ts0" timeString="2022-09-28T17:33:12.135"/>
+    </inkml:context>
+    <inkml:brush xml:id="br0">
+      <inkml:brushProperty name="width" value="0.05" units="cm"/>
+      <inkml:brushProperty name="height" value="0.05" units="cm"/>
+      <inkml:brushProperty name="color" value="#E71224"/>
+    </inkml:brush>
+  </inkml:definitions>
+  <inkml:trace contextRef="#ctx0" brushRef="#br0">255 232 24575,'5'-46'0,"-4"38"0,0 1 0,0-1 0,-1 1 0,1-1 0,-2 1 0,1-1 0,-1 1 0,-3-12 0,3 12 0,-1 1 0,-1 0 0,1-1 0,-1 1 0,-1 0 0,1 0 0,-1 0 0,0 1 0,0-1 0,0 1 0,-1 0 0,0 0 0,0 1 0,0-1 0,-1 1 0,-6-4 0,9 7 0,-1-1 0,1 1 0,-1-1 0,0 1 0,0 0 0,0 1 0,0-1 0,0 1 0,0 0 0,1 0 0,-1 0 0,0 0 0,0 0 0,0 1 0,0 0 0,0 0 0,0 0 0,1 0 0,-1 1 0,0-1 0,1 1 0,-1 0 0,1 0 0,0 0 0,0 1 0,0-1 0,0 1 0,0 0 0,-3 4 0,0 0 0,0 1 0,0-1 0,1 2 0,0-1 0,1 0 0,0 1 0,0 0 0,1 0 0,0 0 0,-2 15 0,-2 14 0,-2 48 0,7-64 0,-4 114 0,20 219 0,-6-235 0,-7-99-120,1 9-502,9 53-1,-6-60-6203</inkml:trace>
+</inkml:ink>
+</file>
+
+<file path=ppt/ink/ink44.xml><?xml version="1.0" encoding="utf-8"?>
+<inkml:ink xmlns:inkml="http://www.w3.org/2003/InkML">
+  <inkml:definitions>
+    <inkml:context xml:id="ctx0">
+      <inkml:inkSource xml:id="inkSrc0">
+        <inkml:traceFormat>
+          <inkml:channel name="X" type="integer" min="-2.14748E9" max="2.14748E9" units="cm"/>
+          <inkml:channel name="Y" type="integer" min="-2.14748E9" max="2.14748E9" units="cm"/>
+          <inkml:channel name="F" type="integer" max="32767" units="dev"/>
+        </inkml:traceFormat>
+        <inkml:channelProperties>
+          <inkml:channelProperty channel="X" name="resolution" value="1000" units="1/cm"/>
+          <inkml:channelProperty channel="Y" name="resolution" value="1000" units="1/cm"/>
+          <inkml:channelProperty channel="F" name="resolution" value="0" units="1/dev"/>
+        </inkml:channelProperties>
+      </inkml:inkSource>
+      <inkml:timestamp xml:id="ts0" timeString="2022-09-28T17:33:12.497"/>
+    </inkml:context>
+    <inkml:brush xml:id="br0">
+      <inkml:brushProperty name="width" value="0.05" units="cm"/>
+      <inkml:brushProperty name="height" value="0.05" units="cm"/>
+      <inkml:brushProperty name="color" value="#E71224"/>
+    </inkml:brush>
+  </inkml:definitions>
+  <inkml:trace contextRef="#ctx0" brushRef="#br0">457 40 24575,'0'-2'0,"-1"0"0,1 0 0,-1 0 0,1 0 0,-1 1 0,0-1 0,0 0 0,1 0 0,-1 1 0,0-1 0,-1 1 0,1-1 0,0 0 0,0 1 0,-1 0 0,1-1 0,-1 1 0,1 0 0,-1 0 0,1 0 0,-1 0 0,0 0 0,0 0 0,1 0 0,-1 1 0,0-1 0,0 1 0,0-1 0,0 1 0,0 0 0,0 0 0,0-1 0,1 1 0,-5 1 0,-10-1 0,1 0 0,-1 1 0,-16 3 0,26-3 0,-30 5 40,0 1 0,-58 21 0,79-23-205,0 1 0,0 1 0,1 0 0,0 1 0,0 1 0,1 0 0,0 1 0,-17 17 0,18-14-6661</inkml:trace>
+</inkml:ink>
+</file>
+
+<file path=ppt/ink/ink45.xml><?xml version="1.0" encoding="utf-8"?>
+<inkml:ink xmlns:inkml="http://www.w3.org/2003/InkML">
+  <inkml:definitions>
+    <inkml:context xml:id="ctx0">
+      <inkml:inkSource xml:id="inkSrc0">
+        <inkml:traceFormat>
+          <inkml:channel name="X" type="integer" min="-2.14748E9" max="2.14748E9" units="cm"/>
+          <inkml:channel name="Y" type="integer" min="-2.14748E9" max="2.14748E9" units="cm"/>
+          <inkml:channel name="F" type="integer" max="32767" units="dev"/>
+        </inkml:traceFormat>
+        <inkml:channelProperties>
+          <inkml:channelProperty channel="X" name="resolution" value="1000" units="1/cm"/>
+          <inkml:channelProperty channel="Y" name="resolution" value="1000" units="1/cm"/>
+          <inkml:channelProperty channel="F" name="resolution" value="0" units="1/dev"/>
+        </inkml:channelProperties>
+      </inkml:inkSource>
+      <inkml:timestamp xml:id="ts0" timeString="2022-09-28T17:33:12.849"/>
+    </inkml:context>
+    <inkml:brush xml:id="br0">
+      <inkml:brushProperty name="width" value="0.05" units="cm"/>
+      <inkml:brushProperty name="height" value="0.05" units="cm"/>
+      <inkml:brushProperty name="color" value="#E71224"/>
+    </inkml:brush>
+  </inkml:definitions>
+  <inkml:trace contextRef="#ctx0" brushRef="#br0">55 1 24575,'-1'6'0,"0"1"0,-1-1 0,0 1 0,0-1 0,0 0 0,-1 0 0,-6 11 0,-8 21 0,13-23 0,0 1 0,2-1 0,-1 1 0,1 17 0,2-30 0,-1 1 0,1-1 0,0 1 0,0-1 0,1 1 0,-1-1 0,1 1 0,0-1 0,-1 1 0,2-1 0,-1 0 0,0 0 0,1 1 0,-1-1 0,1 0 0,0 0 0,0-1 0,0 1 0,0 0 0,1-1 0,-1 1 0,1-1 0,-1 1 0,5 1 0,-5-3 0,0 0 0,0-1 0,0 1 0,-1 0 0,1-1 0,0 0 0,0 0 0,0 1 0,0-1 0,0 0 0,0-1 0,0 1 0,0 0 0,0 0 0,0-1 0,0 1 0,0-1 0,0 0 0,-1 0 0,1 1 0,0-1 0,0 0 0,-1 0 0,1-1 0,-1 1 0,1 0 0,-1 0 0,1-1 0,-1 1 0,0-1 0,0 1 0,0-1 0,0 0 0,0 0 0,0 1 0,0-1 0,0 0 0,-1 0 0,2-3 0,1-3 0,-1 0 0,0 0 0,0 0 0,0 0 0,-1-1 0,-1 1 0,1 0 0,-2-11 0,-1 8-151,0 0-1,-1 0 0,0 1 0,-1-1 1,0 1-1,0 0 0,-1 0 1,-8-12-1,-3 0-6674</inkml:trace>
+</inkml:ink>
+</file>
+
+<file path=ppt/ink/ink46.xml><?xml version="1.0" encoding="utf-8"?>
+<inkml:ink xmlns:inkml="http://www.w3.org/2003/InkML">
+  <inkml:definitions>
+    <inkml:context xml:id="ctx0">
+      <inkml:inkSource xml:id="inkSrc0">
+        <inkml:traceFormat>
+          <inkml:channel name="X" type="integer" min="-2.14748E9" max="2.14748E9" units="cm"/>
+          <inkml:channel name="Y" type="integer" min="-2.14748E9" max="2.14748E9" units="cm"/>
+          <inkml:channel name="F" type="integer" max="32767" units="dev"/>
+        </inkml:traceFormat>
+        <inkml:channelProperties>
+          <inkml:channelProperty channel="X" name="resolution" value="1000" units="1/cm"/>
+          <inkml:channelProperty channel="Y" name="resolution" value="1000" units="1/cm"/>
+          <inkml:channelProperty channel="F" name="resolution" value="0" units="1/dev"/>
+        </inkml:channelProperties>
+      </inkml:inkSource>
+      <inkml:timestamp xml:id="ts0" timeString="2022-09-28T17:33:13.192"/>
+    </inkml:context>
+    <inkml:brush xml:id="br0">
+      <inkml:brushProperty name="width" value="0.05" units="cm"/>
+      <inkml:brushProperty name="height" value="0.05" units="cm"/>
+      <inkml:brushProperty name="color" value="#E71224"/>
+    </inkml:brush>
+  </inkml:definitions>
+  <inkml:trace contextRef="#ctx0" brushRef="#br0">1 451 24575,'0'1'0,"1"0"0,-1-1 0,1 1 0,0 0 0,-1 0 0,1 0 0,0-1 0,-1 1 0,1 0 0,0-1 0,0 1 0,0 0 0,0-1 0,0 1 0,0-1 0,-1 1 0,1-1 0,0 0 0,0 0 0,0 1 0,0-1 0,1 0 0,-1 0 0,0 0 0,0 0 0,0 0 0,0 0 0,0 0 0,0 0 0,0 0 0,0-1 0,0 1 0,0 0 0,0-1 0,0 1 0,0-1 0,0 1 0,-1-1 0,1 1 0,0-1 0,0 0 0,0 1 0,-1-1 0,1 0 0,0 0 0,-1 1 0,1-1 0,0 0 0,-1 0 0,1 0 0,-1 0 0,1 0 0,-1 0 0,0 0 0,0 0 0,1 0 0,-1-2 0,3-6 0,-1 1 0,0-1 0,-1-1 0,0 1 0,0-10 0,-10-65 0,6 72 0,1 0 0,0 0 0,1 0 0,0 0 0,1 0 0,1-1 0,-1 1 0,2 0 0,0 0 0,6-20 0,-3 21-114,0 0 1,0 0-1,1 1 0,1 0 0,0 0 1,0 0-1,1 1 0,0 0 0,0 1 1,1-1-1,12-7 0,2 0-6712</inkml:trace>
+</inkml:ink>
+</file>
+
+<file path=ppt/ink/ink47.xml><?xml version="1.0" encoding="utf-8"?>
+<inkml:ink xmlns:inkml="http://www.w3.org/2003/InkML">
+  <inkml:definitions>
+    <inkml:context xml:id="ctx0">
+      <inkml:inkSource xml:id="inkSrc0">
+        <inkml:traceFormat>
+          <inkml:channel name="X" type="integer" min="-2.14748E9" max="2.14748E9" units="cm"/>
+          <inkml:channel name="Y" type="integer" min="-2.14748E9" max="2.14748E9" units="cm"/>
+          <inkml:channel name="F" type="integer" max="32767" units="dev"/>
+        </inkml:traceFormat>
+        <inkml:channelProperties>
+          <inkml:channelProperty channel="X" name="resolution" value="1000" units="1/cm"/>
+          <inkml:channelProperty channel="Y" name="resolution" value="1000" units="1/cm"/>
+          <inkml:channelProperty channel="F" name="resolution" value="0" units="1/dev"/>
+        </inkml:channelProperties>
+      </inkml:inkSource>
+      <inkml:timestamp xml:id="ts0" timeString="2022-09-28T17:33:13.573"/>
+    </inkml:context>
+    <inkml:brush xml:id="br0">
+      <inkml:brushProperty name="width" value="0.05" units="cm"/>
+      <inkml:brushProperty name="height" value="0.05" units="cm"/>
+      <inkml:brushProperty name="color" value="#E71224"/>
+    </inkml:brush>
+  </inkml:definitions>
+  <inkml:trace contextRef="#ctx0" brushRef="#br0">1 1 24575,'47'561'0,"-42"-522"-682,19 77-1,-15-89-6143</inkml:trace>
+</inkml:ink>
+</file>
+
+<file path=ppt/ink/ink48.xml><?xml version="1.0" encoding="utf-8"?>
+<inkml:ink xmlns:inkml="http://www.w3.org/2003/InkML">
+  <inkml:definitions>
+    <inkml:context xml:id="ctx0">
+      <inkml:inkSource xml:id="inkSrc0">
+        <inkml:traceFormat>
+          <inkml:channel name="X" type="integer" min="-2.14748E9" max="2.14748E9" units="cm"/>
+          <inkml:channel name="Y" type="integer" min="-2.14748E9" max="2.14748E9" units="cm"/>
+          <inkml:channel name="F" type="integer" max="32767" units="dev"/>
+        </inkml:traceFormat>
+        <inkml:channelProperties>
+          <inkml:channelProperty channel="X" name="resolution" value="1000" units="1/cm"/>
+          <inkml:channelProperty channel="Y" name="resolution" value="1000" units="1/cm"/>
+          <inkml:channelProperty channel="F" name="resolution" value="0" units="1/dev"/>
+        </inkml:channelProperties>
+      </inkml:inkSource>
+      <inkml:timestamp xml:id="ts0" timeString="2022-09-28T17:33:13.936"/>
+    </inkml:context>
+    <inkml:brush xml:id="br0">
+      <inkml:brushProperty name="width" value="0.05" units="cm"/>
+      <inkml:brushProperty name="height" value="0.05" units="cm"/>
+      <inkml:brushProperty name="color" value="#E71224"/>
+    </inkml:brush>
+  </inkml:definitions>
+  <inkml:trace contextRef="#ctx0" brushRef="#br0">0 487 24575,'4'0'0,"2"4"0,0 6 0,-2 6 0,-1 4 0,-1 3 0,-1 2 0,-1 2 0,0-1 0,0-3-8191</inkml:trace>
+  <inkml:trace contextRef="#ctx0" brushRef="#br0" timeOffset="1">0 102 24575,'0'-9'0,"0"-7"0,0-5 0,0-4 0,0 7 0,4 7 0,2 9 0</inkml:trace>
+</inkml:ink>
+</file>
+
+<file path=ppt/ink/ink49.xml><?xml version="1.0" encoding="utf-8"?>
+<inkml:ink xmlns:inkml="http://www.w3.org/2003/InkML">
+  <inkml:definitions>
+    <inkml:context xml:id="ctx0">
+      <inkml:inkSource xml:id="inkSrc0">
+        <inkml:traceFormat>
+          <inkml:channel name="X" type="integer" min="-2.14748E9" max="2.14748E9" units="cm"/>
+          <inkml:channel name="Y" type="integer" min="-2.14748E9" max="2.14748E9" units="cm"/>
+          <inkml:channel name="F" type="integer" max="32767" units="dev"/>
+        </inkml:traceFormat>
+        <inkml:channelProperties>
+          <inkml:channelProperty channel="X" name="resolution" value="1000" units="1/cm"/>
+          <inkml:channelProperty channel="Y" name="resolution" value="1000" units="1/cm"/>
+          <inkml:channelProperty channel="F" name="resolution" value="0" units="1/dev"/>
+        </inkml:channelProperties>
+      </inkml:inkSource>
+      <inkml:timestamp xml:id="ts0" timeString="2022-09-28T17:33:14.295"/>
+    </inkml:context>
+    <inkml:brush xml:id="br0">
+      <inkml:brushProperty name="width" value="0.05" units="cm"/>
+      <inkml:brushProperty name="height" value="0.05" units="cm"/>
+      <inkml:brushProperty name="color" value="#E71224"/>
+    </inkml:brush>
+  </inkml:definitions>
+  <inkml:trace contextRef="#ctx0" brushRef="#br0">1 0 24575,'6'10'0,"-1"-1"0,0 1 0,-1 0 0,0 0 0,-1 0 0,0 1 0,0-1 0,-1 1 0,1 16 0,0-9 0,44 198 0,-47-213 0,1-1 0,0 0 0,-1 1 0,1-1 0,0 1 0,0-1 0,1 0 0,-1 0 0,0 1 0,1-1 0,-1 0 0,1 0 0,0 0 0,0-1 0,3 4 0,-4-5 0,0 0 0,-1 1 0,1-1 0,-1 0 0,1 0 0,0 0 0,-1 0 0,1 0 0,0 0 0,-1 0 0,1 0 0,-1 0 0,1-1 0,0 1 0,-1 0 0,1 0 0,-1 0 0,1-1 0,-1 1 0,1 0 0,0-1 0,-1 1 0,1-1 0,16-23 0,-10 7 0,-2 6 0,-1 1 0,2 0 0,-1 0 0,1 0 0,1 0 0,10-11 0,-16 20 0,0 0 0,0 0 0,1 0 0,-1 0 0,1 0 0,-1 0 0,1 0 0,-1 0 0,1 1 0,-1-1 0,1 1 0,0-1 0,-1 1 0,1-1 0,0 1 0,-1 0 0,1 0 0,0 0 0,3 0 0,-2 1 0,0 1 0,0-1 0,0 0 0,0 1 0,0-1 0,-1 1 0,1 0 0,-1 0 0,1 0 0,-1 1 0,0-1 0,1 0 0,-1 1 0,2 4 0,8 9-56,20 23-1253,-16-27-5517</inkml:trace>
+</inkml:ink>
+</file>
+
+<file path=ppt/ink/ink5.xml><?xml version="1.0" encoding="utf-8"?>
+<inkml:ink xmlns:inkml="http://www.w3.org/2003/InkML">
+  <inkml:definitions>
+    <inkml:context xml:id="ctx0">
+      <inkml:inkSource xml:id="inkSrc0">
+        <inkml:traceFormat>
+          <inkml:channel name="X" type="integer" min="-2.14748E9" max="2.14748E9" units="cm"/>
+          <inkml:channel name="Y" type="integer" min="-2.14748E9" max="2.14748E9" units="cm"/>
+          <inkml:channel name="F" type="integer" max="32767" units="dev"/>
+        </inkml:traceFormat>
+        <inkml:channelProperties>
+          <inkml:channelProperty channel="X" name="resolution" value="1000" units="1/cm"/>
+          <inkml:channelProperty channel="Y" name="resolution" value="1000" units="1/cm"/>
+          <inkml:channelProperty channel="F" name="resolution" value="0" units="1/dev"/>
+        </inkml:channelProperties>
+      </inkml:inkSource>
+      <inkml:timestamp xml:id="ts0" timeString="2022-09-28T17:32:49.798"/>
+    </inkml:context>
+    <inkml:brush xml:id="br0">
+      <inkml:brushProperty name="width" value="0.05" units="cm"/>
+      <inkml:brushProperty name="height" value="0.05" units="cm"/>
+      <inkml:brushProperty name="color" value="#E71224"/>
+    </inkml:brush>
+  </inkml:definitions>
+  <inkml:trace contextRef="#ctx0" brushRef="#br0">20 0 24575,'-1'0'0,"0"1"0,0-1 0,0 0 0,0 1 0,0-1 0,0 1 0,0-1 0,0 1 0,0 0 0,0-1 0,0 1 0,1 0 0,-1-1 0,0 1 0,0 0 0,1 0 0,-1 0 0,1 0 0,-1 0 0,1 0 0,-1 0 0,1 0 0,-1 0 0,1 0 0,0 0 0,0 0 0,0 0 0,-1 0 0,1 0 0,0 0 0,0 0 0,0 0 0,0 0 0,1 2 0,3 40 0,-4-42 0,5 32 0,-4-20 0,0-1 0,1 0 0,1 1 0,0-1 0,0 0 0,2 0 0,-1 0 0,9 15 0,-12-27 0,-1 1 0,0-1 0,0 0 0,0 1 0,0-1 0,1 0 0,-1 1 0,0-1 0,0 0 0,1 1 0,-1-1 0,0 0 0,1 0 0,-1 1 0,0-1 0,1 0 0,-1 0 0,0 1 0,1-1 0,-1 0 0,0 0 0,1 0 0,-1 0 0,0 0 0,1 0 0,-1 0 0,1 0 0,-1 0 0,0 0 0,1 0 0,-1 0 0,1 0 0,-1 0 0,0 0 0,1 0 0,0 0 0,7-16 0,2-34 0,-9 39 0,1-1 0,1 0 0,0 1 0,0-1 0,1 1 0,1 0 0,7-14 0,-11 23 0,0 0 0,0 0 0,1 1 0,-1-1 0,0 1 0,1-1 0,0 1 0,-1 0 0,1-1 0,0 1 0,0 0 0,-1 0 0,1 0 0,0 1 0,0-1 0,0 0 0,4 0 0,-3 1 0,0 0 0,0 0 0,0 1 0,1-1 0,-1 1 0,0-1 0,0 1 0,0 0 0,0 1 0,0-1 0,0 0 0,0 1 0,-1 0 0,1-1 0,2 4 0,4 2 17,-1 0-1,-1 0 1,0 1-1,0 1 1,9 12-1,11 14-1480,-15-22-5362</inkml:trace>
+</inkml:ink>
+</file>
+
+<file path=ppt/ink/ink50.xml><?xml version="1.0" encoding="utf-8"?>
+<inkml:ink xmlns:inkml="http://www.w3.org/2003/InkML">
+  <inkml:definitions>
+    <inkml:context xml:id="ctx0">
+      <inkml:inkSource xml:id="inkSrc0">
+        <inkml:traceFormat>
+          <inkml:channel name="X" type="integer" min="-2.14748E9" max="2.14748E9" units="cm"/>
+          <inkml:channel name="Y" type="integer" min="-2.14748E9" max="2.14748E9" units="cm"/>
+          <inkml:channel name="F" type="integer" max="32767" units="dev"/>
+        </inkml:traceFormat>
+        <inkml:channelProperties>
+          <inkml:channelProperty channel="X" name="resolution" value="1000" units="1/cm"/>
+          <inkml:channelProperty channel="Y" name="resolution" value="1000" units="1/cm"/>
+          <inkml:channelProperty channel="F" name="resolution" value="0" units="1/dev"/>
+        </inkml:channelProperties>
+      </inkml:inkSource>
+      <inkml:timestamp xml:id="ts0" timeString="2022-09-28T17:33:14.676"/>
+    </inkml:context>
+    <inkml:brush xml:id="br0">
+      <inkml:brushProperty name="width" value="0.05" units="cm"/>
+      <inkml:brushProperty name="height" value="0.05" units="cm"/>
+      <inkml:brushProperty name="color" value="#E71224"/>
+    </inkml:brush>
+  </inkml:definitions>
+  <inkml:trace contextRef="#ctx0" brushRef="#br0">0 35 24575,'0'-4'0,"1"-27"0,2 33 0,3 18 0,8 50 67,6 97 0,4 23-1566,-20-167-5327</inkml:trace>
+</inkml:ink>
+</file>
+
+<file path=ppt/ink/ink51.xml><?xml version="1.0" encoding="utf-8"?>
+<inkml:ink xmlns:inkml="http://www.w3.org/2003/InkML">
+  <inkml:definitions>
+    <inkml:context xml:id="ctx0">
+      <inkml:inkSource xml:id="inkSrc0">
+        <inkml:traceFormat>
+          <inkml:channel name="X" type="integer" min="-2.14748E9" max="2.14748E9" units="cm"/>
+          <inkml:channel name="Y" type="integer" min="-2.14748E9" max="2.14748E9" units="cm"/>
+          <inkml:channel name="F" type="integer" max="32767" units="dev"/>
+        </inkml:traceFormat>
+        <inkml:channelProperties>
+          <inkml:channelProperty channel="X" name="resolution" value="1000" units="1/cm"/>
+          <inkml:channelProperty channel="Y" name="resolution" value="1000" units="1/cm"/>
+          <inkml:channelProperty channel="F" name="resolution" value="0" units="1/dev"/>
+        </inkml:channelProperties>
+      </inkml:inkSource>
+      <inkml:timestamp xml:id="ts0" timeString="2022-09-28T17:33:15.348"/>
+    </inkml:context>
+    <inkml:brush xml:id="br0">
+      <inkml:brushProperty name="width" value="0.05" units="cm"/>
+      <inkml:brushProperty name="height" value="0.05" units="cm"/>
+      <inkml:brushProperty name="color" value="#E71224"/>
+    </inkml:brush>
+  </inkml:definitions>
+  <inkml:trace contextRef="#ctx0" brushRef="#br0">20 223 24575,'0'0'0,"0"0"0,1 0 0,-1 0 0,0 0 0,0 0 0,0 0 0,0-1 0,0 1 0,0 0 0,0 0 0,1 0 0,-1 0 0,0 0 0,0 0 0,0 0 0,0 0 0,0 0 0,1 0 0,-1 0 0,0 0 0,0 0 0,0 0 0,0 0 0,0 0 0,1 0 0,-1 0 0,0 0 0,0 0 0,0 0 0,0 0 0,0 0 0,1 0 0,-1 0 0,0 0 0,0 0 0,0 0 0,0 0 0,0 0 0,1 0 0,-1 1 0,0-1 0,0 0 0,0 0 0,0 0 0,0 0 0,0 0 0,0 0 0,0 1 0,0-1 0,0 0 0,1 0 0,-1 0 0,0 0 0,0 0 0,0 1 0,0-1 0,0 0 0,0 0 0,0 0 0,0 0 0,0 0 0,0 1 0,0-1 0,0 0 0,0 0 0,0 0 0,0 0 0,-1 0 0,1 1 0,0 21 0,-9 26 0,4-28 0,1 0 0,1-1 0,1 1 0,0 1 0,2-1 0,0 0 0,2 0 0,5 33 0,-6-46 0,1 1 0,0 0 0,1-1 0,0 1 0,0-1 0,0 0 0,1 0 0,0 0 0,0 0 0,1-1 0,0 0 0,0 0 0,1 0 0,-1 0 0,1-1 0,0 0 0,1 0 0,-1-1 0,1 0 0,0 0 0,0 0 0,0-1 0,0 0 0,14 4 0,-10-5 0,-1 0 0,1 0 0,-1-1 0,1 0 0,0-1 0,-1 0 0,1-1 0,0 0 0,-1 0 0,1-2 0,-1 1 0,0-1 0,17-7 0,-22 7 0,0 0 0,0 0 0,0 0 0,-1-1 0,1 1 0,-1-1 0,0-1 0,0 1 0,0 0 0,-1-1 0,0 0 0,1 0 0,-2 0 0,1 0 0,-1 0 0,1 0 0,-1-1 0,-1 1 0,1-1 0,-1 0 0,0 1 0,0-1 0,-1 0 0,0 0 0,0 1 0,-1-9 0,-1-2 0,-1 0 0,0 1 0,-1-1 0,-1 1 0,0 0 0,-1 1 0,-1-1 0,-1 1 0,0 0 0,0 1 0,-1 0 0,-1 0 0,-12-12 0,20 23 0,0 0 0,0 1 0,-1-1 0,1 0 0,0 1 0,-1-1 0,1 1 0,-1 0 0,1 0 0,-1 0 0,0 0 0,0 1 0,1-1 0,-1 0 0,0 1 0,0 0 0,0 0 0,1 0 0,-1 0 0,0 0 0,0 1 0,0-1 0,1 1 0,-1 0 0,0 0 0,1 0 0,-1 0 0,0 0 0,1 0 0,0 1 0,-1-1 0,1 1 0,0 0 0,0-1 0,-1 1 0,-1 4 0,0-2 0,0 0 0,1 1 0,-1 0 0,1 0 0,0 0 0,1 0 0,-1 0 0,1 1 0,0-1 0,0 1 0,1-1 0,-1 1 0,1 0 0,1-1 0,-1 1 0,1 0 0,0 6 0,3 1 0,0 0 0,1 0 0,1 0 0,0 0 0,0-1 0,1 0 0,1 0 0,0-1 0,1 0 0,0 0 0,1 0 0,0-1 0,0 0 0,1-1 0,0 0 0,1-1 0,0 0 0,0-1 0,1 0 0,13 6 0,-19-11 0,0-1 0,-1 0 0,1 0 0,0 0 0,0-1 0,0 0 0,-1 0 0,1 0 0,0-1 0,0 0 0,0 0 0,-1 0 0,1-1 0,-1 0 0,1 0 0,-1 0 0,6-4 0,0 0 0,-1-1 0,-1 0 0,1 0 0,-1-1 0,0 0 0,-1 0 0,10-13 0,-23 31 0,1 1 0,0-1 0,1 1 0,0 0 0,0 0 0,1 0 0,1 1 0,0-1 0,1 16 0,0-22 0,0 1 0,0-1 0,1 0 0,0 0 0,0 0 0,0 0 0,1 0 0,0 0 0,0 0 0,0 0 0,0-1 0,4 5 0,-4-6 0,0-1 0,0 0 0,0 0 0,1 0 0,-1 0 0,1-1 0,-1 1 0,1-1 0,0 1 0,-1-1 0,1 0 0,0 0 0,0 0 0,0-1 0,0 1 0,0 0 0,0-1 0,0 0 0,0 0 0,0 0 0,0 0 0,0 0 0,3-2 0,1 1 0,-1-1 0,1 0 0,0-1 0,-1 0 0,0 0 0,0 0 0,0-1 0,0 0 0,-1 0 0,1 0 0,-1-1 0,0 1 0,0-1 0,-1-1 0,1 1 0,-1-1 0,0 1 0,-1-1 0,4-8 0,5-9 0,-1 0 0,-1-1 0,11-45 0,-11 20 0,-3 0 0,-2 0 0,-2-1 0,-2 0 0,-7-68 0,5 100 0,-1-1 0,0 1 0,-1 0 0,-1 0 0,-1 0 0,-8-20 0,13 36 0,-1 1 0,1 0 0,-1 0 0,1 0 0,-1 0 0,0 0 0,0 0 0,1 0 0,-1 0 0,0 0 0,0 0 0,0 0 0,0 1 0,0-1 0,0 0 0,0 1 0,0-1 0,0 1 0,-2-1 0,3 1 0,-1 0 0,0 0 0,0 0 0,1 0 0,-1 0 0,0 1 0,1-1 0,-1 0 0,1 1 0,-1-1 0,0 0 0,1 1 0,-1-1 0,1 1 0,-1-1 0,1 1 0,-1-1 0,1 1 0,-1-1 0,1 1 0,0 0 0,-1-1 0,0 2 0,-1 3 0,-1 1 0,1 0 0,0 0 0,1 0 0,-1 0 0,0 7 0,1 18 0,0 0 0,2 0 0,1 0 0,9 44 0,36 125 0,-33-146 0,22 65-1365,-19-70-5461</inkml:trace>
+</inkml:ink>
+</file>
+
+<file path=ppt/ink/ink52.xml><?xml version="1.0" encoding="utf-8"?>
+<inkml:ink xmlns:inkml="http://www.w3.org/2003/InkML">
+  <inkml:definitions>
+    <inkml:context xml:id="ctx0">
+      <inkml:inkSource xml:id="inkSrc0">
+        <inkml:traceFormat>
+          <inkml:channel name="X" type="integer" min="-2.14748E9" max="2.14748E9" units="cm"/>
+          <inkml:channel name="Y" type="integer" min="-2.14748E9" max="2.14748E9" units="cm"/>
+          <inkml:channel name="F" type="integer" max="32767" units="dev"/>
+        </inkml:traceFormat>
+        <inkml:channelProperties>
+          <inkml:channelProperty channel="X" name="resolution" value="1000" units="1/cm"/>
+          <inkml:channelProperty channel="Y" name="resolution" value="1000" units="1/cm"/>
+          <inkml:channelProperty channel="F" name="resolution" value="0" units="1/dev"/>
+        </inkml:channelProperties>
+      </inkml:inkSource>
+      <inkml:timestamp xml:id="ts0" timeString="2022-09-28T17:33:15.948"/>
+    </inkml:context>
+    <inkml:brush xml:id="br0">
+      <inkml:brushProperty name="width" value="0.05" units="cm"/>
+      <inkml:brushProperty name="height" value="0.05" units="cm"/>
+      <inkml:brushProperty name="color" value="#E71224"/>
+    </inkml:brush>
+  </inkml:definitions>
+  <inkml:trace contextRef="#ctx0" brushRef="#br0">0 0 24575,'13'165'0,"-1"-20"0,36 428 0,-33-505-1365,-9-43-5461</inkml:trace>
+</inkml:ink>
+</file>
+
+<file path=ppt/ink/ink53.xml><?xml version="1.0" encoding="utf-8"?>
+<inkml:ink xmlns:inkml="http://www.w3.org/2003/InkML">
+  <inkml:definitions>
+    <inkml:context xml:id="ctx0">
+      <inkml:inkSource xml:id="inkSrc0">
+        <inkml:traceFormat>
+          <inkml:channel name="X" type="integer" min="-2.14748E9" max="2.14748E9" units="cm"/>
+          <inkml:channel name="Y" type="integer" min="-2.14748E9" max="2.14748E9" units="cm"/>
+          <inkml:channel name="F" type="integer" max="32767" units="dev"/>
+        </inkml:traceFormat>
+        <inkml:channelProperties>
+          <inkml:channelProperty channel="X" name="resolution" value="1000" units="1/cm"/>
+          <inkml:channelProperty channel="Y" name="resolution" value="1000" units="1/cm"/>
+          <inkml:channelProperty channel="F" name="resolution" value="0" units="1/dev"/>
+        </inkml:channelProperties>
+      </inkml:inkSource>
+      <inkml:timestamp xml:id="ts0" timeString="2022-09-28T17:33:16.282"/>
+    </inkml:context>
+    <inkml:brush xml:id="br0">
+      <inkml:brushProperty name="width" value="0.05" units="cm"/>
+      <inkml:brushProperty name="height" value="0.05" units="cm"/>
+      <inkml:brushProperty name="color" value="#E71224"/>
+    </inkml:brush>
+  </inkml:definitions>
+  <inkml:trace contextRef="#ctx0" brushRef="#br0">0 0 24575,'0'4'0,"0"7"0,0 4 0,5 5 0,0 3 0,1 3 0,-2 0 0,-1 5 0,-1 2 0,4-1 0,0-1 0,0-2 0,-2-5-8191</inkml:trace>
+</inkml:ink>
+</file>
+
+<file path=ppt/ink/ink54.xml><?xml version="1.0" encoding="utf-8"?>
+<inkml:ink xmlns:inkml="http://www.w3.org/2003/InkML">
+  <inkml:definitions>
+    <inkml:context xml:id="ctx0">
+      <inkml:inkSource xml:id="inkSrc0">
+        <inkml:traceFormat>
+          <inkml:channel name="X" type="integer" min="-2.14748E9" max="2.14748E9" units="cm"/>
+          <inkml:channel name="Y" type="integer" min="-2.14748E9" max="2.14748E9" units="cm"/>
+          <inkml:channel name="F" type="integer" max="32767" units="dev"/>
+        </inkml:traceFormat>
+        <inkml:channelProperties>
+          <inkml:channelProperty channel="X" name="resolution" value="1000" units="1/cm"/>
+          <inkml:channelProperty channel="Y" name="resolution" value="1000" units="1/cm"/>
+          <inkml:channelProperty channel="F" name="resolution" value="0" units="1/dev"/>
+        </inkml:channelProperties>
+      </inkml:inkSource>
+      <inkml:timestamp xml:id="ts0" timeString="2022-09-28T17:33:16.644"/>
+    </inkml:context>
+    <inkml:brush xml:id="br0">
+      <inkml:brushProperty name="width" value="0.05" units="cm"/>
+      <inkml:brushProperty name="height" value="0.05" units="cm"/>
+      <inkml:brushProperty name="color" value="#E71224"/>
+    </inkml:brush>
+  </inkml:definitions>
+  <inkml:trace contextRef="#ctx0" brushRef="#br0">12 34 24575,'0'-5'0,"0"-5"0,-4-1 0,-2 5 0,5 5 0,2 5 0</inkml:trace>
+</inkml:ink>
+</file>
+
+<file path=ppt/ink/ink55.xml><?xml version="1.0" encoding="utf-8"?>
+<inkml:ink xmlns:inkml="http://www.w3.org/2003/InkML">
+  <inkml:definitions>
+    <inkml:context xml:id="ctx0">
+      <inkml:inkSource xml:id="inkSrc0">
+        <inkml:traceFormat>
+          <inkml:channel name="X" type="integer" min="-2.14748E9" max="2.14748E9" units="cm"/>
+          <inkml:channel name="Y" type="integer" min="-2.14748E9" max="2.14748E9" units="cm"/>
+          <inkml:channel name="F" type="integer" max="32767" units="dev"/>
+        </inkml:traceFormat>
+        <inkml:channelProperties>
+          <inkml:channelProperty channel="X" name="resolution" value="1000" units="1/cm"/>
+          <inkml:channelProperty channel="Y" name="resolution" value="1000" units="1/cm"/>
+          <inkml:channelProperty channel="F" name="resolution" value="0" units="1/dev"/>
+        </inkml:channelProperties>
+      </inkml:inkSource>
+      <inkml:timestamp xml:id="ts0" timeString="2022-09-28T17:33:16.971"/>
+    </inkml:context>
+    <inkml:brush xml:id="br0">
+      <inkml:brushProperty name="width" value="0.05" units="cm"/>
+      <inkml:brushProperty name="height" value="0.05" units="cm"/>
+      <inkml:brushProperty name="color" value="#E71224"/>
+    </inkml:brush>
+  </inkml:definitions>
+  <inkml:trace contextRef="#ctx0" brushRef="#br0">109 205 24575,'-2'4'0,"1"1"0,-2-1 0,1 1 0,0-1 0,-1 0 0,0 0 0,0 0 0,0 0 0,-1 0 0,1-1 0,-1 0 0,0 1 0,-5 2 0,-5 6 0,8-7 0,1 0 0,0 1 0,0-1 0,0 1 0,0 0 0,1 0 0,-7 14 0,10-18 0,1 1 0,-1 0 0,1-1 0,0 1 0,0 0 0,0 0 0,0-1 0,0 1 0,1 0 0,-1 0 0,1-1 0,0 1 0,-1 0 0,1-1 0,0 1 0,1-1 0,-1 1 0,0-1 0,1 0 0,-1 1 0,1-1 0,0 0 0,0 0 0,3 3 0,8 6 0,0 0 0,0 0 0,1-2 0,0 1 0,1-2 0,18 9 0,-14-8 0,-1 1 0,0 1 0,21 15 0,-36-22 5,0-1 1,1 1-1,-1-1 0,0 1 0,-1 0 0,1 0 1,-1 0-1,0 1 0,0-1 0,0 0 1,0 1-1,-1-1 0,0 1 0,0 0 0,0-1 1,0 1-1,-1 0 0,0 0 0,0 0 0,0-1 1,0 1-1,-2 6 0,0-3-119,0-1 0,0 1-1,0 0 1,-1-1 0,0 0 0,-1 0-1,1 0 1,-1 0 0,-1 0 0,1-1-1,-1 0 1,-9 9 0,-6 2-6712</inkml:trace>
+  <inkml:trace contextRef="#ctx0" brushRef="#br0" timeOffset="1">289 0 24575,'1'1'0,"0"-1"0,0 0 0,0 1 0,0 0 0,0-1 0,0 1 0,0 0 0,0-1 0,0 1 0,0 0 0,0 0 0,0 0 0,-1 0 0,1 0 0,0 0 0,-1 0 0,1 0 0,0 0 0,-1 0 0,1 0 0,-1 0 0,0 0 0,1 0 0,-1 1 0,0-1 0,0 0 0,0 2 0,5 39 0,-5-37 0,-1 166-31,2 20 147,0-169-323,2 0 0,1-1 0,0 1 0,2-1-1,0 0 1,14 31 0,-7-28-6619</inkml:trace>
+</inkml:ink>
+</file>
+
+<file path=ppt/ink/ink56.xml><?xml version="1.0" encoding="utf-8"?>
+<inkml:ink xmlns:inkml="http://www.w3.org/2003/InkML">
+  <inkml:definitions>
+    <inkml:context xml:id="ctx0">
+      <inkml:inkSource xml:id="inkSrc0">
+        <inkml:traceFormat>
+          <inkml:channel name="X" type="integer" min="-2.14748E9" max="2.14748E9" units="cm"/>
+          <inkml:channel name="Y" type="integer" min="-2.14748E9" max="2.14748E9" units="cm"/>
+          <inkml:channel name="F" type="integer" max="32767" units="dev"/>
+        </inkml:traceFormat>
+        <inkml:channelProperties>
+          <inkml:channelProperty channel="X" name="resolution" value="1000" units="1/cm"/>
+          <inkml:channelProperty channel="Y" name="resolution" value="1000" units="1/cm"/>
+          <inkml:channelProperty channel="F" name="resolution" value="0" units="1/dev"/>
+        </inkml:channelProperties>
+      </inkml:inkSource>
+      <inkml:timestamp xml:id="ts0" timeString="2022-09-28T17:33:17.301"/>
+    </inkml:context>
+    <inkml:brush xml:id="br0">
+      <inkml:brushProperty name="width" value="0.05" units="cm"/>
+      <inkml:brushProperty name="height" value="0.05" units="cm"/>
+      <inkml:brushProperty name="color" value="#E71224"/>
+    </inkml:brush>
+  </inkml:definitions>
+  <inkml:trace contextRef="#ctx0" brushRef="#br0">501 51 24575,'-4'0'0,"-2"-5"0,-4-1 0,-4 1 0,-5 0 0,-3 2 0,-3-4 0,-5 1 0,-2 0 0,-4 1 0,-1 2 0,-2 6 0,0 2 0,-1 0 0,2 4 0,-2 0 0,2 4 0,7-2-8191</inkml:trace>
+</inkml:ink>
+</file>
+
+<file path=ppt/ink/ink6.xml><?xml version="1.0" encoding="utf-8"?>
+<inkml:ink xmlns:inkml="http://www.w3.org/2003/InkML">
+  <inkml:definitions>
+    <inkml:context xml:id="ctx0">
+      <inkml:inkSource xml:id="inkSrc0">
+        <inkml:traceFormat>
+          <inkml:channel name="X" type="integer" min="-2.14748E9" max="2.14748E9" units="cm"/>
+          <inkml:channel name="Y" type="integer" min="-2.14748E9" max="2.14748E9" units="cm"/>
+          <inkml:channel name="F" type="integer" max="32767" units="dev"/>
+        </inkml:traceFormat>
+        <inkml:channelProperties>
+          <inkml:channelProperty channel="X" name="resolution" value="1000" units="1/cm"/>
+          <inkml:channelProperty channel="Y" name="resolution" value="1000" units="1/cm"/>
+          <inkml:channelProperty channel="F" name="resolution" value="0" units="1/dev"/>
+        </inkml:channelProperties>
+      </inkml:inkSource>
+      <inkml:timestamp xml:id="ts0" timeString="2022-09-28T17:32:50.158"/>
+    </inkml:context>
+    <inkml:brush xml:id="br0">
+      <inkml:brushProperty name="width" value="0.05" units="cm"/>
+      <inkml:brushProperty name="height" value="0.05" units="cm"/>
+      <inkml:brushProperty name="color" value="#E71224"/>
+    </inkml:brush>
+  </inkml:definitions>
+  <inkml:trace contextRef="#ctx0" brushRef="#br0">0 1 24575,'6'0'0,"0"1"0,0 0 0,0 1 0,0-1 0,-1 1 0,1 0 0,-1 1 0,1-1 0,-1 1 0,0 0 0,0 0 0,0 1 0,0 0 0,-1 0 0,1 0 0,6 8 0,7 10 0,-1 0 0,19 33 0,-22-32 0,9 14 0,-2 2 0,-2 1 0,-1 0 0,-2 1 0,14 60 0,-13-26 0,-4 0 0,5 97 0,-17-121-273,-3 0 0,-2 1 0,-2-1 0,-20 78 0,20-101-6553</inkml:trace>
+</inkml:ink>
+</file>
+
+<file path=ppt/ink/ink7.xml><?xml version="1.0" encoding="utf-8"?>
+<inkml:ink xmlns:inkml="http://www.w3.org/2003/InkML">
+  <inkml:definitions>
+    <inkml:context xml:id="ctx0">
+      <inkml:inkSource xml:id="inkSrc0">
+        <inkml:traceFormat>
+          <inkml:channel name="X" type="integer" min="-2.14748E9" max="2.14748E9" units="cm"/>
+          <inkml:channel name="Y" type="integer" min="-2.14748E9" max="2.14748E9" units="cm"/>
+          <inkml:channel name="F" type="integer" max="32767" units="dev"/>
+        </inkml:traceFormat>
+        <inkml:channelProperties>
+          <inkml:channelProperty channel="X" name="resolution" value="1000" units="1/cm"/>
+          <inkml:channelProperty channel="Y" name="resolution" value="1000" units="1/cm"/>
+          <inkml:channelProperty channel="F" name="resolution" value="0" units="1/dev"/>
+        </inkml:channelProperties>
+      </inkml:inkSource>
+      <inkml:timestamp xml:id="ts0" timeString="2022-09-28T17:32:51.789"/>
+    </inkml:context>
+    <inkml:brush xml:id="br0">
+      <inkml:brushProperty name="width" value="0.05" units="cm"/>
+      <inkml:brushProperty name="height" value="0.05" units="cm"/>
+      <inkml:brushProperty name="color" value="#E71224"/>
+    </inkml:brush>
+  </inkml:definitions>
+  <inkml:trace contextRef="#ctx0" brushRef="#br0">128 147 24575,'8'-38'0,"-7"34"0,0 1 0,0 0 0,0 0 0,0 0 0,-1-1 0,1 1 0,-1 0 0,0-1 0,0 1 0,0 0 0,0-1 0,-1 1 0,1 0 0,-1-1 0,0 1 0,-2-5 0,2 5 0,0 1 0,0-1 0,0 0 0,-1 1 0,1-1 0,-1 0 0,0 1 0,0 0 0,0-1 0,0 1 0,0 0 0,0 0 0,-1 0 0,1 1 0,-1-1 0,1 0 0,-1 1 0,0 0 0,1-1 0,-1 1 0,0 0 0,0 0 0,0 1 0,0-1 0,0 1 0,0-1 0,0 1 0,-6 0 0,6 1 0,0 0 0,-1 0 0,1 0 0,0 1 0,0-1 0,0 1 0,0-1 0,0 1 0,1 0 0,-1 0 0,0 0 0,1 0 0,-1 1 0,1-1 0,0 1 0,0 0 0,0-1 0,0 1 0,0 0 0,1 0 0,-1 0 0,1 0 0,0 0 0,0 1 0,-1 4 0,0 6 0,1 0 0,1 0 0,0 0 0,1 0 0,1 0 0,0 0 0,6 23 0,1 6 0,-3-4-115,55 267-1135,-56-285-5576</inkml:trace>
+</inkml:ink>
+</file>
+
+<file path=ppt/ink/ink8.xml><?xml version="1.0" encoding="utf-8"?>
+<inkml:ink xmlns:inkml="http://www.w3.org/2003/InkML">
+  <inkml:definitions>
+    <inkml:context xml:id="ctx0">
+      <inkml:inkSource xml:id="inkSrc0">
+        <inkml:traceFormat>
+          <inkml:channel name="X" type="integer" min="-2.14748E9" max="2.14748E9" units="cm"/>
+          <inkml:channel name="Y" type="integer" min="-2.14748E9" max="2.14748E9" units="cm"/>
+          <inkml:channel name="F" type="integer" max="32767" units="dev"/>
+        </inkml:traceFormat>
+        <inkml:channelProperties>
+          <inkml:channelProperty channel="X" name="resolution" value="1000" units="1/cm"/>
+          <inkml:channelProperty channel="Y" name="resolution" value="1000" units="1/cm"/>
+          <inkml:channelProperty channel="F" name="resolution" value="0" units="1/dev"/>
+        </inkml:channelProperties>
+      </inkml:inkSource>
+      <inkml:timestamp xml:id="ts0" timeString="2022-09-28T17:32:52.138"/>
+    </inkml:context>
+    <inkml:brush xml:id="br0">
+      <inkml:brushProperty name="width" value="0.05" units="cm"/>
+      <inkml:brushProperty name="height" value="0.05" units="cm"/>
+      <inkml:brushProperty name="color" value="#E71224"/>
+    </inkml:brush>
+  </inkml:definitions>
+  <inkml:trace contextRef="#ctx0" brushRef="#br0">256 52 24575,'0'-4'0,"-5"-6"0,-5-2 0,-5 2 0,-6 3 0,-2 2 0,-2 2 0,3 5 0,1 4 0,-1-1 0,5 5 0,-1-1 0,4 3 0,4 5 0,-1-2 0,2 1 0,2 3 0,2-2-8191</inkml:trace>
+</inkml:ink>
+</file>
+
+<file path=ppt/ink/ink9.xml><?xml version="1.0" encoding="utf-8"?>
+<inkml:ink xmlns:inkml="http://www.w3.org/2003/InkML">
+  <inkml:definitions>
+    <inkml:context xml:id="ctx0">
+      <inkml:inkSource xml:id="inkSrc0">
+        <inkml:traceFormat>
+          <inkml:channel name="X" type="integer" min="-2.14748E9" max="2.14748E9" units="cm"/>
+          <inkml:channel name="Y" type="integer" min="-2.14748E9" max="2.14748E9" units="cm"/>
+          <inkml:channel name="F" type="integer" max="32767" units="dev"/>
+        </inkml:traceFormat>
+        <inkml:channelProperties>
+          <inkml:channelProperty channel="X" name="resolution" value="1000" units="1/cm"/>
+          <inkml:channelProperty channel="Y" name="resolution" value="1000" units="1/cm"/>
+          <inkml:channelProperty channel="F" name="resolution" value="0" units="1/dev"/>
+        </inkml:channelProperties>
+      </inkml:inkSource>
+      <inkml:timestamp xml:id="ts0" timeString="2022-09-28T17:32:52.481"/>
+    </inkml:context>
+    <inkml:brush xml:id="br0">
+      <inkml:brushProperty name="width" value="0.05" units="cm"/>
+      <inkml:brushProperty name="height" value="0.05" units="cm"/>
+      <inkml:brushProperty name="color" value="#E71224"/>
+    </inkml:brush>
+  </inkml:definitions>
+  <inkml:trace contextRef="#ctx0" brushRef="#br0">1 75 24575,'-1'15'0,"2"0"0,0 0 0,0 0 0,2 0 0,6 23 0,-9-36 0,1 0 0,0 0 0,0 0 0,0 0 0,0 0 0,0 0 0,0-1 0,0 1 0,1 0 0,-1-1 0,1 1 0,-1-1 0,1 1 0,-1-1 0,1 0 0,0 0 0,0 1 0,0-1 0,2 1 0,-1-2 0,0 0 0,0 0 0,0 0 0,0 0 0,0 0 0,0-1 0,0 1 0,0-1 0,0 0 0,-1 0 0,1 0 0,0 0 0,-1-1 0,1 1 0,0-1 0,-1 1 0,0-1 0,4-3 0,0 0 0,-1-1 0,0 0 0,0 0 0,0-1 0,-1 1 0,1-1 0,-2 0 0,1 0 0,-1 0 0,0-1 0,-1 1 0,1-1 0,1-14 0,-3 17 0,-1 1 0,1 0 0,-1-1 0,0 1 0,0-1 0,-1 1 0,0-1 0,1 1 0,-1 0 0,-1-1 0,-2-6 0,3 9 0,0 0 0,-1-1 0,1 1 0,-1 0 0,0 0 0,1 0 0,-1 0 0,0 1 0,0-1 0,0 0 0,-1 1 0,1-1 0,0 1 0,-1 0 0,1 0 0,0 0 0,-1 0 0,1 0 0,-1 1 0,-4-2 0,-11 2-1365,2 4-5461</inkml:trace>
+</inkml:ink>
 </file>
 
 <file path=ppt/slideLayouts/slideLayout1.xml><?xml version="1.0" encoding="utf-8"?>
@@ -254,7 +1832,7 @@
           <a:p>
             <a:fld id="{565C1AD5-7363-4843-999D-F591C2645F7C}" type="datetimeFigureOut">
               <a:rPr lang="en-US" smtClean="0"/>
-              <a:t>11/19/2020</a:t>
+              <a:t>9/28/2022</a:t>
             </a:fld>
             <a:endParaRPr lang="en-US"/>
           </a:p>
@@ -452,7 +2030,7 @@
           <a:p>
             <a:fld id="{565C1AD5-7363-4843-999D-F591C2645F7C}" type="datetimeFigureOut">
               <a:rPr lang="en-US" smtClean="0"/>
-              <a:t>11/19/2020</a:t>
+              <a:t>9/28/2022</a:t>
             </a:fld>
             <a:endParaRPr lang="en-US"/>
           </a:p>
@@ -660,7 +2238,7 @@
           <a:p>
             <a:fld id="{565C1AD5-7363-4843-999D-F591C2645F7C}" type="datetimeFigureOut">
               <a:rPr lang="en-US" smtClean="0"/>
-              <a:t>11/19/2020</a:t>
+              <a:t>9/28/2022</a:t>
             </a:fld>
             <a:endParaRPr lang="en-US"/>
           </a:p>
@@ -858,7 +2436,7 @@
           <a:p>
             <a:fld id="{565C1AD5-7363-4843-999D-F591C2645F7C}" type="datetimeFigureOut">
               <a:rPr lang="en-US" smtClean="0"/>
-              <a:t>11/19/2020</a:t>
+              <a:t>9/28/2022</a:t>
             </a:fld>
             <a:endParaRPr lang="en-US"/>
           </a:p>
@@ -1133,7 +2711,7 @@
           <a:p>
             <a:fld id="{565C1AD5-7363-4843-999D-F591C2645F7C}" type="datetimeFigureOut">
               <a:rPr lang="en-US" smtClean="0"/>
-              <a:t>11/19/2020</a:t>
+              <a:t>9/28/2022</a:t>
             </a:fld>
             <a:endParaRPr lang="en-US"/>
           </a:p>
@@ -1398,7 +2976,7 @@
           <a:p>
             <a:fld id="{565C1AD5-7363-4843-999D-F591C2645F7C}" type="datetimeFigureOut">
               <a:rPr lang="en-US" smtClean="0"/>
-              <a:t>11/19/2020</a:t>
+              <a:t>9/28/2022</a:t>
             </a:fld>
             <a:endParaRPr lang="en-US"/>
           </a:p>
@@ -1810,7 +3388,7 @@
           <a:p>
             <a:fld id="{565C1AD5-7363-4843-999D-F591C2645F7C}" type="datetimeFigureOut">
               <a:rPr lang="en-US" smtClean="0"/>
-              <a:t>11/19/2020</a:t>
+              <a:t>9/28/2022</a:t>
             </a:fld>
             <a:endParaRPr lang="en-US"/>
           </a:p>
@@ -1951,7 +3529,7 @@
           <a:p>
             <a:fld id="{565C1AD5-7363-4843-999D-F591C2645F7C}" type="datetimeFigureOut">
               <a:rPr lang="en-US" smtClean="0"/>
-              <a:t>11/19/2020</a:t>
+              <a:t>9/28/2022</a:t>
             </a:fld>
             <a:endParaRPr lang="en-US"/>
           </a:p>
@@ -2064,7 +3642,7 @@
           <a:p>
             <a:fld id="{565C1AD5-7363-4843-999D-F591C2645F7C}" type="datetimeFigureOut">
               <a:rPr lang="en-US" smtClean="0"/>
-              <a:t>11/19/2020</a:t>
+              <a:t>9/28/2022</a:t>
             </a:fld>
             <a:endParaRPr lang="en-US"/>
           </a:p>
@@ -2375,7 +3953,7 @@
           <a:p>
             <a:fld id="{565C1AD5-7363-4843-999D-F591C2645F7C}" type="datetimeFigureOut">
               <a:rPr lang="en-US" smtClean="0"/>
-              <a:t>11/19/2020</a:t>
+              <a:t>9/28/2022</a:t>
             </a:fld>
             <a:endParaRPr lang="en-US"/>
           </a:p>
@@ -2663,7 +4241,7 @@
           <a:p>
             <a:fld id="{565C1AD5-7363-4843-999D-F591C2645F7C}" type="datetimeFigureOut">
               <a:rPr lang="en-US" smtClean="0"/>
-              <a:t>11/19/2020</a:t>
+              <a:t>9/28/2022</a:t>
             </a:fld>
             <a:endParaRPr lang="en-US"/>
           </a:p>
@@ -2904,7 +4482,7 @@
           <a:p>
             <a:fld id="{565C1AD5-7363-4843-999D-F591C2645F7C}" type="datetimeFigureOut">
               <a:rPr lang="en-US" smtClean="0"/>
-              <a:t>11/19/2020</a:t>
+              <a:t>9/28/2022</a:t>
             </a:fld>
             <a:endParaRPr lang="en-US"/>
           </a:p>
@@ -5190,6 +6768,4838 @@
 </p:sld>
 </file>
 
+<file path=ppt/slides/slide2.xml><?xml version="1.0" encoding="utf-8"?>
+<p:sld xmlns:a="http://schemas.openxmlformats.org/drawingml/2006/main" xmlns:r="http://schemas.openxmlformats.org/officeDocument/2006/relationships" xmlns:p="http://schemas.openxmlformats.org/presentationml/2006/main">
+  <p:cSld>
+    <p:spTree>
+      <p:nvGrpSpPr>
+        <p:cNvPr id="1" name=""/>
+        <p:cNvGrpSpPr/>
+        <p:nvPr/>
+      </p:nvGrpSpPr>
+      <p:grpSpPr>
+        <a:xfrm>
+          <a:off x="0" y="0"/>
+          <a:ext cx="0" cy="0"/>
+          <a:chOff x="0" y="0"/>
+          <a:chExt cx="0" cy="0"/>
+        </a:xfrm>
+      </p:grpSpPr>
+      <p:sp>
+        <p:nvSpPr>
+          <p:cNvPr id="2" name="Title 1">
+            <a:extLst>
+              <a:ext uri="{FF2B5EF4-FFF2-40B4-BE49-F238E27FC236}">
+                <a16:creationId xmlns:a16="http://schemas.microsoft.com/office/drawing/2014/main" id="{98CC356E-F1C7-4257-82D5-A84514D14B87}"/>
+              </a:ext>
+            </a:extLst>
+          </p:cNvPr>
+          <p:cNvSpPr>
+            <a:spLocks noGrp="1"/>
+          </p:cNvSpPr>
+          <p:nvPr>
+            <p:ph type="title"/>
+          </p:nvPr>
+        </p:nvSpPr>
+        <p:spPr>
+          <a:xfrm>
+            <a:off x="838200" y="365126"/>
+            <a:ext cx="10515600" cy="957648"/>
+          </a:xfrm>
+        </p:spPr>
+        <p:txBody>
+          <a:bodyPr>
+            <a:normAutofit/>
+          </a:bodyPr>
+          <a:lstStyle/>
+          <a:p>
+            <a:r>
+              <a:rPr lang="en-US" sz="4000" dirty="0"/>
+              <a:t>List traversal can be expensive if it's not done right</a:t>
+            </a:r>
+          </a:p>
+        </p:txBody>
+      </p:sp>
+      <p:grpSp>
+        <p:nvGrpSpPr>
+          <p:cNvPr id="4" name="Group 3">
+            <a:extLst>
+              <a:ext uri="{FF2B5EF4-FFF2-40B4-BE49-F238E27FC236}">
+                <a16:creationId xmlns:a16="http://schemas.microsoft.com/office/drawing/2014/main" id="{59134EE2-7381-4A7B-8421-A7CB5217BCF7}"/>
+              </a:ext>
+            </a:extLst>
+          </p:cNvPr>
+          <p:cNvGrpSpPr/>
+          <p:nvPr/>
+        </p:nvGrpSpPr>
+        <p:grpSpPr>
+          <a:xfrm>
+            <a:off x="514906" y="1482570"/>
+            <a:ext cx="3870664" cy="408373"/>
+            <a:chOff x="550416" y="914400"/>
+            <a:chExt cx="3870664" cy="408373"/>
+          </a:xfrm>
+        </p:grpSpPr>
+        <p:sp>
+          <p:nvSpPr>
+            <p:cNvPr id="5" name="Rectangle 4">
+              <a:extLst>
+                <a:ext uri="{FF2B5EF4-FFF2-40B4-BE49-F238E27FC236}">
+                  <a16:creationId xmlns:a16="http://schemas.microsoft.com/office/drawing/2014/main" id="{C0897094-15D0-471D-837B-888C888E5060}"/>
+                </a:ext>
+              </a:extLst>
+            </p:cNvPr>
+            <p:cNvSpPr/>
+            <p:nvPr/>
+          </p:nvSpPr>
+          <p:spPr>
+            <a:xfrm>
+              <a:off x="550416" y="914400"/>
+              <a:ext cx="3870664" cy="408373"/>
+            </a:xfrm>
+            <a:prstGeom prst="rect">
+              <a:avLst/>
+            </a:prstGeom>
+            <a:noFill/>
+            <a:ln w="28575">
+              <a:solidFill>
+                <a:schemeClr val="accent1">
+                  <a:lumMod val="75000"/>
+                </a:schemeClr>
+              </a:solidFill>
+            </a:ln>
+          </p:spPr>
+          <p:style>
+            <a:lnRef idx="2">
+              <a:schemeClr val="accent1">
+                <a:shade val="50000"/>
+              </a:schemeClr>
+            </a:lnRef>
+            <a:fillRef idx="1">
+              <a:schemeClr val="accent1"/>
+            </a:fillRef>
+            <a:effectRef idx="0">
+              <a:schemeClr val="accent1"/>
+            </a:effectRef>
+            <a:fontRef idx="minor">
+              <a:schemeClr val="lt1"/>
+            </a:fontRef>
+          </p:style>
+          <p:txBody>
+            <a:bodyPr rtlCol="0" anchor="ctr"/>
+            <a:lstStyle/>
+            <a:p>
+              <a:pPr algn="ctr"/>
+              <a:endParaRPr lang="en-US"/>
+            </a:p>
+          </p:txBody>
+        </p:sp>
+        <p:cxnSp>
+          <p:nvCxnSpPr>
+            <p:cNvPr id="6" name="Straight Connector 5">
+              <a:extLst>
+                <a:ext uri="{FF2B5EF4-FFF2-40B4-BE49-F238E27FC236}">
+                  <a16:creationId xmlns:a16="http://schemas.microsoft.com/office/drawing/2014/main" id="{3765934E-23A1-47C9-85F0-0F07A86E44E0}"/>
+                </a:ext>
+              </a:extLst>
+            </p:cNvPr>
+            <p:cNvCxnSpPr/>
+            <p:nvPr/>
+          </p:nvCxnSpPr>
+          <p:spPr>
+            <a:xfrm>
+              <a:off x="978269" y="914400"/>
+              <a:ext cx="0" cy="408373"/>
+            </a:xfrm>
+            <a:prstGeom prst="line">
+              <a:avLst/>
+            </a:prstGeom>
+            <a:ln w="28575">
+              <a:solidFill>
+                <a:schemeClr val="accent1">
+                  <a:lumMod val="75000"/>
+                </a:schemeClr>
+              </a:solidFill>
+            </a:ln>
+          </p:spPr>
+          <p:style>
+            <a:lnRef idx="1">
+              <a:schemeClr val="accent1"/>
+            </a:lnRef>
+            <a:fillRef idx="0">
+              <a:schemeClr val="accent1"/>
+            </a:fillRef>
+            <a:effectRef idx="0">
+              <a:schemeClr val="accent1"/>
+            </a:effectRef>
+            <a:fontRef idx="minor">
+              <a:schemeClr val="tx1"/>
+            </a:fontRef>
+          </p:style>
+        </p:cxnSp>
+        <p:cxnSp>
+          <p:nvCxnSpPr>
+            <p:cNvPr id="7" name="Straight Connector 6">
+              <a:extLst>
+                <a:ext uri="{FF2B5EF4-FFF2-40B4-BE49-F238E27FC236}">
+                  <a16:creationId xmlns:a16="http://schemas.microsoft.com/office/drawing/2014/main" id="{947EF58D-619A-493F-B7D2-6AA9E866D61A}"/>
+                </a:ext>
+              </a:extLst>
+            </p:cNvPr>
+            <p:cNvCxnSpPr/>
+            <p:nvPr/>
+          </p:nvCxnSpPr>
+          <p:spPr>
+            <a:xfrm>
+              <a:off x="1408343" y="914400"/>
+              <a:ext cx="0" cy="408373"/>
+            </a:xfrm>
+            <a:prstGeom prst="line">
+              <a:avLst/>
+            </a:prstGeom>
+            <a:ln w="28575">
+              <a:solidFill>
+                <a:schemeClr val="accent1">
+                  <a:lumMod val="75000"/>
+                </a:schemeClr>
+              </a:solidFill>
+            </a:ln>
+          </p:spPr>
+          <p:style>
+            <a:lnRef idx="1">
+              <a:schemeClr val="accent1"/>
+            </a:lnRef>
+            <a:fillRef idx="0">
+              <a:schemeClr val="accent1"/>
+            </a:fillRef>
+            <a:effectRef idx="0">
+              <a:schemeClr val="accent1"/>
+            </a:effectRef>
+            <a:fontRef idx="minor">
+              <a:schemeClr val="tx1"/>
+            </a:fontRef>
+          </p:style>
+        </p:cxnSp>
+        <p:cxnSp>
+          <p:nvCxnSpPr>
+            <p:cNvPr id="8" name="Straight Connector 7">
+              <a:extLst>
+                <a:ext uri="{FF2B5EF4-FFF2-40B4-BE49-F238E27FC236}">
+                  <a16:creationId xmlns:a16="http://schemas.microsoft.com/office/drawing/2014/main" id="{D439A233-8EB2-457D-938A-5750229EBD14}"/>
+                </a:ext>
+              </a:extLst>
+            </p:cNvPr>
+            <p:cNvCxnSpPr/>
+            <p:nvPr/>
+          </p:nvCxnSpPr>
+          <p:spPr>
+            <a:xfrm>
+              <a:off x="1838417" y="914400"/>
+              <a:ext cx="0" cy="408373"/>
+            </a:xfrm>
+            <a:prstGeom prst="line">
+              <a:avLst/>
+            </a:prstGeom>
+            <a:ln w="28575">
+              <a:solidFill>
+                <a:schemeClr val="accent1">
+                  <a:lumMod val="75000"/>
+                </a:schemeClr>
+              </a:solidFill>
+            </a:ln>
+          </p:spPr>
+          <p:style>
+            <a:lnRef idx="1">
+              <a:schemeClr val="accent1"/>
+            </a:lnRef>
+            <a:fillRef idx="0">
+              <a:schemeClr val="accent1"/>
+            </a:fillRef>
+            <a:effectRef idx="0">
+              <a:schemeClr val="accent1"/>
+            </a:effectRef>
+            <a:fontRef idx="minor">
+              <a:schemeClr val="tx1"/>
+            </a:fontRef>
+          </p:style>
+        </p:cxnSp>
+        <p:cxnSp>
+          <p:nvCxnSpPr>
+            <p:cNvPr id="9" name="Straight Connector 8">
+              <a:extLst>
+                <a:ext uri="{FF2B5EF4-FFF2-40B4-BE49-F238E27FC236}">
+                  <a16:creationId xmlns:a16="http://schemas.microsoft.com/office/drawing/2014/main" id="{50930FD4-B7AA-4991-935D-3472897050B6}"/>
+                </a:ext>
+              </a:extLst>
+            </p:cNvPr>
+            <p:cNvCxnSpPr/>
+            <p:nvPr/>
+          </p:nvCxnSpPr>
+          <p:spPr>
+            <a:xfrm>
+              <a:off x="2268491" y="914400"/>
+              <a:ext cx="0" cy="408373"/>
+            </a:xfrm>
+            <a:prstGeom prst="line">
+              <a:avLst/>
+            </a:prstGeom>
+            <a:ln w="28575">
+              <a:solidFill>
+                <a:schemeClr val="accent1">
+                  <a:lumMod val="75000"/>
+                </a:schemeClr>
+              </a:solidFill>
+            </a:ln>
+          </p:spPr>
+          <p:style>
+            <a:lnRef idx="1">
+              <a:schemeClr val="accent1"/>
+            </a:lnRef>
+            <a:fillRef idx="0">
+              <a:schemeClr val="accent1"/>
+            </a:fillRef>
+            <a:effectRef idx="0">
+              <a:schemeClr val="accent1"/>
+            </a:effectRef>
+            <a:fontRef idx="minor">
+              <a:schemeClr val="tx1"/>
+            </a:fontRef>
+          </p:style>
+        </p:cxnSp>
+        <p:cxnSp>
+          <p:nvCxnSpPr>
+            <p:cNvPr id="10" name="Straight Connector 9">
+              <a:extLst>
+                <a:ext uri="{FF2B5EF4-FFF2-40B4-BE49-F238E27FC236}">
+                  <a16:creationId xmlns:a16="http://schemas.microsoft.com/office/drawing/2014/main" id="{51EB4741-5470-4FCF-BC8A-10450B99C84D}"/>
+                </a:ext>
+              </a:extLst>
+            </p:cNvPr>
+            <p:cNvCxnSpPr/>
+            <p:nvPr/>
+          </p:nvCxnSpPr>
+          <p:spPr>
+            <a:xfrm>
+              <a:off x="2698565" y="914400"/>
+              <a:ext cx="0" cy="408373"/>
+            </a:xfrm>
+            <a:prstGeom prst="line">
+              <a:avLst/>
+            </a:prstGeom>
+            <a:ln w="28575">
+              <a:solidFill>
+                <a:schemeClr val="accent1">
+                  <a:lumMod val="75000"/>
+                </a:schemeClr>
+              </a:solidFill>
+            </a:ln>
+          </p:spPr>
+          <p:style>
+            <a:lnRef idx="1">
+              <a:schemeClr val="accent1"/>
+            </a:lnRef>
+            <a:fillRef idx="0">
+              <a:schemeClr val="accent1"/>
+            </a:fillRef>
+            <a:effectRef idx="0">
+              <a:schemeClr val="accent1"/>
+            </a:effectRef>
+            <a:fontRef idx="minor">
+              <a:schemeClr val="tx1"/>
+            </a:fontRef>
+          </p:style>
+        </p:cxnSp>
+        <p:cxnSp>
+          <p:nvCxnSpPr>
+            <p:cNvPr id="11" name="Straight Connector 10">
+              <a:extLst>
+                <a:ext uri="{FF2B5EF4-FFF2-40B4-BE49-F238E27FC236}">
+                  <a16:creationId xmlns:a16="http://schemas.microsoft.com/office/drawing/2014/main" id="{0B16B74C-B2A2-4570-BB1E-050ECFCF5451}"/>
+                </a:ext>
+              </a:extLst>
+            </p:cNvPr>
+            <p:cNvCxnSpPr/>
+            <p:nvPr/>
+          </p:nvCxnSpPr>
+          <p:spPr>
+            <a:xfrm>
+              <a:off x="3128639" y="914400"/>
+              <a:ext cx="0" cy="408373"/>
+            </a:xfrm>
+            <a:prstGeom prst="line">
+              <a:avLst/>
+            </a:prstGeom>
+            <a:ln w="28575">
+              <a:solidFill>
+                <a:schemeClr val="accent1">
+                  <a:lumMod val="75000"/>
+                </a:schemeClr>
+              </a:solidFill>
+            </a:ln>
+          </p:spPr>
+          <p:style>
+            <a:lnRef idx="1">
+              <a:schemeClr val="accent1"/>
+            </a:lnRef>
+            <a:fillRef idx="0">
+              <a:schemeClr val="accent1"/>
+            </a:fillRef>
+            <a:effectRef idx="0">
+              <a:schemeClr val="accent1"/>
+            </a:effectRef>
+            <a:fontRef idx="minor">
+              <a:schemeClr val="tx1"/>
+            </a:fontRef>
+          </p:style>
+        </p:cxnSp>
+        <p:cxnSp>
+          <p:nvCxnSpPr>
+            <p:cNvPr id="12" name="Straight Connector 11">
+              <a:extLst>
+                <a:ext uri="{FF2B5EF4-FFF2-40B4-BE49-F238E27FC236}">
+                  <a16:creationId xmlns:a16="http://schemas.microsoft.com/office/drawing/2014/main" id="{60788E6D-F9BD-4AA2-9AB4-8371D3365E2D}"/>
+                </a:ext>
+              </a:extLst>
+            </p:cNvPr>
+            <p:cNvCxnSpPr/>
+            <p:nvPr/>
+          </p:nvCxnSpPr>
+          <p:spPr>
+            <a:xfrm>
+              <a:off x="3558713" y="914400"/>
+              <a:ext cx="0" cy="408373"/>
+            </a:xfrm>
+            <a:prstGeom prst="line">
+              <a:avLst/>
+            </a:prstGeom>
+            <a:ln w="28575">
+              <a:solidFill>
+                <a:schemeClr val="accent1">
+                  <a:lumMod val="75000"/>
+                </a:schemeClr>
+              </a:solidFill>
+            </a:ln>
+          </p:spPr>
+          <p:style>
+            <a:lnRef idx="1">
+              <a:schemeClr val="accent1"/>
+            </a:lnRef>
+            <a:fillRef idx="0">
+              <a:schemeClr val="accent1"/>
+            </a:fillRef>
+            <a:effectRef idx="0">
+              <a:schemeClr val="accent1"/>
+            </a:effectRef>
+            <a:fontRef idx="minor">
+              <a:schemeClr val="tx1"/>
+            </a:fontRef>
+          </p:style>
+        </p:cxnSp>
+        <p:cxnSp>
+          <p:nvCxnSpPr>
+            <p:cNvPr id="13" name="Straight Connector 12">
+              <a:extLst>
+                <a:ext uri="{FF2B5EF4-FFF2-40B4-BE49-F238E27FC236}">
+                  <a16:creationId xmlns:a16="http://schemas.microsoft.com/office/drawing/2014/main" id="{2A51D69C-DD68-4DD3-9F9F-BBB3BBAF0646}"/>
+                </a:ext>
+              </a:extLst>
+            </p:cNvPr>
+            <p:cNvCxnSpPr/>
+            <p:nvPr/>
+          </p:nvCxnSpPr>
+          <p:spPr>
+            <a:xfrm>
+              <a:off x="3988787" y="914400"/>
+              <a:ext cx="0" cy="408373"/>
+            </a:xfrm>
+            <a:prstGeom prst="line">
+              <a:avLst/>
+            </a:prstGeom>
+            <a:ln w="28575">
+              <a:solidFill>
+                <a:schemeClr val="accent1">
+                  <a:lumMod val="75000"/>
+                </a:schemeClr>
+              </a:solidFill>
+            </a:ln>
+          </p:spPr>
+          <p:style>
+            <a:lnRef idx="1">
+              <a:schemeClr val="accent1"/>
+            </a:lnRef>
+            <a:fillRef idx="0">
+              <a:schemeClr val="accent1"/>
+            </a:fillRef>
+            <a:effectRef idx="0">
+              <a:schemeClr val="accent1"/>
+            </a:effectRef>
+            <a:fontRef idx="minor">
+              <a:schemeClr val="tx1"/>
+            </a:fontRef>
+          </p:style>
+        </p:cxnSp>
+      </p:grpSp>
+      <p:grpSp>
+        <p:nvGrpSpPr>
+          <p:cNvPr id="14" name="Group 13">
+            <a:extLst>
+              <a:ext uri="{FF2B5EF4-FFF2-40B4-BE49-F238E27FC236}">
+                <a16:creationId xmlns:a16="http://schemas.microsoft.com/office/drawing/2014/main" id="{09D75C55-248A-4318-A749-BF236079EC6E}"/>
+              </a:ext>
+            </a:extLst>
+          </p:cNvPr>
+          <p:cNvGrpSpPr/>
+          <p:nvPr/>
+        </p:nvGrpSpPr>
+        <p:grpSpPr>
+          <a:xfrm>
+            <a:off x="5632679" y="1482549"/>
+            <a:ext cx="5934719" cy="408393"/>
+            <a:chOff x="5668189" y="914379"/>
+            <a:chExt cx="5934719" cy="408393"/>
+          </a:xfrm>
+        </p:grpSpPr>
+        <p:cxnSp>
+          <p:nvCxnSpPr>
+            <p:cNvPr id="15" name="Straight Arrow Connector 14">
+              <a:extLst>
+                <a:ext uri="{FF2B5EF4-FFF2-40B4-BE49-F238E27FC236}">
+                  <a16:creationId xmlns:a16="http://schemas.microsoft.com/office/drawing/2014/main" id="{26372FD2-2884-4C3F-9A9C-7F17C9E88D4A}"/>
+                </a:ext>
+              </a:extLst>
+            </p:cNvPr>
+            <p:cNvCxnSpPr>
+              <a:cxnSpLocks/>
+            </p:cNvCxnSpPr>
+            <p:nvPr/>
+          </p:nvCxnSpPr>
+          <p:spPr>
+            <a:xfrm flipV="1">
+              <a:off x="9556750" y="1118566"/>
+              <a:ext cx="264339" cy="1"/>
+            </a:xfrm>
+            <a:prstGeom prst="straightConnector1">
+              <a:avLst/>
+            </a:prstGeom>
+            <a:ln w="19050">
+              <a:solidFill>
+                <a:srgbClr val="FF0000"/>
+              </a:solidFill>
+              <a:tailEnd type="triangle"/>
+            </a:ln>
+          </p:spPr>
+          <p:style>
+            <a:lnRef idx="1">
+              <a:schemeClr val="accent1"/>
+            </a:lnRef>
+            <a:fillRef idx="0">
+              <a:schemeClr val="accent1"/>
+            </a:fillRef>
+            <a:effectRef idx="0">
+              <a:schemeClr val="accent1"/>
+            </a:effectRef>
+            <a:fontRef idx="minor">
+              <a:schemeClr val="tx1"/>
+            </a:fontRef>
+          </p:style>
+        </p:cxnSp>
+        <p:cxnSp>
+          <p:nvCxnSpPr>
+            <p:cNvPr id="16" name="Straight Arrow Connector 15">
+              <a:extLst>
+                <a:ext uri="{FF2B5EF4-FFF2-40B4-BE49-F238E27FC236}">
+                  <a16:creationId xmlns:a16="http://schemas.microsoft.com/office/drawing/2014/main" id="{E3A0A615-9710-4991-9374-9D5ADB4B7A24}"/>
+                </a:ext>
+              </a:extLst>
+            </p:cNvPr>
+            <p:cNvCxnSpPr>
+              <a:cxnSpLocks/>
+            </p:cNvCxnSpPr>
+            <p:nvPr/>
+          </p:nvCxnSpPr>
+          <p:spPr>
+            <a:xfrm flipV="1">
+              <a:off x="10233754" y="1118566"/>
+              <a:ext cx="264339" cy="1"/>
+            </a:xfrm>
+            <a:prstGeom prst="straightConnector1">
+              <a:avLst/>
+            </a:prstGeom>
+            <a:ln w="19050">
+              <a:solidFill>
+                <a:srgbClr val="FF0000"/>
+              </a:solidFill>
+              <a:tailEnd type="triangle"/>
+            </a:ln>
+          </p:spPr>
+          <p:style>
+            <a:lnRef idx="1">
+              <a:schemeClr val="accent1"/>
+            </a:lnRef>
+            <a:fillRef idx="0">
+              <a:schemeClr val="accent1"/>
+            </a:fillRef>
+            <a:effectRef idx="0">
+              <a:schemeClr val="accent1"/>
+            </a:effectRef>
+            <a:fontRef idx="minor">
+              <a:schemeClr val="tx1"/>
+            </a:fontRef>
+          </p:style>
+        </p:cxnSp>
+        <p:cxnSp>
+          <p:nvCxnSpPr>
+            <p:cNvPr id="17" name="Straight Arrow Connector 16">
+              <a:extLst>
+                <a:ext uri="{FF2B5EF4-FFF2-40B4-BE49-F238E27FC236}">
+                  <a16:creationId xmlns:a16="http://schemas.microsoft.com/office/drawing/2014/main" id="{6922D852-9CF1-4D97-96C4-F4A9475C3199}"/>
+                </a:ext>
+              </a:extLst>
+            </p:cNvPr>
+            <p:cNvCxnSpPr>
+              <a:cxnSpLocks/>
+            </p:cNvCxnSpPr>
+            <p:nvPr/>
+          </p:nvCxnSpPr>
+          <p:spPr>
+            <a:xfrm flipV="1">
+              <a:off x="10915825" y="1118566"/>
+              <a:ext cx="264339" cy="1"/>
+            </a:xfrm>
+            <a:prstGeom prst="straightConnector1">
+              <a:avLst/>
+            </a:prstGeom>
+            <a:ln w="19050">
+              <a:solidFill>
+                <a:srgbClr val="FF0000"/>
+              </a:solidFill>
+              <a:tailEnd type="triangle"/>
+            </a:ln>
+          </p:spPr>
+          <p:style>
+            <a:lnRef idx="1">
+              <a:schemeClr val="accent1"/>
+            </a:lnRef>
+            <a:fillRef idx="0">
+              <a:schemeClr val="accent1"/>
+            </a:fillRef>
+            <a:effectRef idx="0">
+              <a:schemeClr val="accent1"/>
+            </a:effectRef>
+            <a:fontRef idx="minor">
+              <a:schemeClr val="tx1"/>
+            </a:fontRef>
+          </p:style>
+        </p:cxnSp>
+        <p:cxnSp>
+          <p:nvCxnSpPr>
+            <p:cNvPr id="18" name="Straight Arrow Connector 17">
+              <a:extLst>
+                <a:ext uri="{FF2B5EF4-FFF2-40B4-BE49-F238E27FC236}">
+                  <a16:creationId xmlns:a16="http://schemas.microsoft.com/office/drawing/2014/main" id="{EF1A19D5-E812-412D-82A1-ED29D92DB18D}"/>
+                </a:ext>
+              </a:extLst>
+            </p:cNvPr>
+            <p:cNvCxnSpPr>
+              <a:cxnSpLocks/>
+            </p:cNvCxnSpPr>
+            <p:nvPr/>
+          </p:nvCxnSpPr>
+          <p:spPr>
+            <a:xfrm flipV="1">
+              <a:off x="7485069" y="1118577"/>
+              <a:ext cx="264339" cy="1"/>
+            </a:xfrm>
+            <a:prstGeom prst="straightConnector1">
+              <a:avLst/>
+            </a:prstGeom>
+            <a:ln w="19050">
+              <a:solidFill>
+                <a:srgbClr val="FF0000"/>
+              </a:solidFill>
+              <a:tailEnd type="triangle"/>
+            </a:ln>
+          </p:spPr>
+          <p:style>
+            <a:lnRef idx="1">
+              <a:schemeClr val="accent1"/>
+            </a:lnRef>
+            <a:fillRef idx="0">
+              <a:schemeClr val="accent1"/>
+            </a:fillRef>
+            <a:effectRef idx="0">
+              <a:schemeClr val="accent1"/>
+            </a:effectRef>
+            <a:fontRef idx="minor">
+              <a:schemeClr val="tx1"/>
+            </a:fontRef>
+          </p:style>
+        </p:cxnSp>
+        <p:cxnSp>
+          <p:nvCxnSpPr>
+            <p:cNvPr id="19" name="Straight Arrow Connector 18">
+              <a:extLst>
+                <a:ext uri="{FF2B5EF4-FFF2-40B4-BE49-F238E27FC236}">
+                  <a16:creationId xmlns:a16="http://schemas.microsoft.com/office/drawing/2014/main" id="{2ACFDE30-8313-4F64-B19E-DCBFC0CA5BF3}"/>
+                </a:ext>
+              </a:extLst>
+            </p:cNvPr>
+            <p:cNvCxnSpPr>
+              <a:cxnSpLocks/>
+            </p:cNvCxnSpPr>
+            <p:nvPr/>
+          </p:nvCxnSpPr>
+          <p:spPr>
+            <a:xfrm flipV="1">
+              <a:off x="8177219" y="1118578"/>
+              <a:ext cx="264339" cy="1"/>
+            </a:xfrm>
+            <a:prstGeom prst="straightConnector1">
+              <a:avLst/>
+            </a:prstGeom>
+            <a:ln w="19050">
+              <a:solidFill>
+                <a:srgbClr val="FF0000"/>
+              </a:solidFill>
+              <a:tailEnd type="triangle"/>
+            </a:ln>
+          </p:spPr>
+          <p:style>
+            <a:lnRef idx="1">
+              <a:schemeClr val="accent1"/>
+            </a:lnRef>
+            <a:fillRef idx="0">
+              <a:schemeClr val="accent1"/>
+            </a:fillRef>
+            <a:effectRef idx="0">
+              <a:schemeClr val="accent1"/>
+            </a:effectRef>
+            <a:fontRef idx="minor">
+              <a:schemeClr val="tx1"/>
+            </a:fontRef>
+          </p:style>
+        </p:cxnSp>
+        <p:cxnSp>
+          <p:nvCxnSpPr>
+            <p:cNvPr id="20" name="Straight Arrow Connector 19">
+              <a:extLst>
+                <a:ext uri="{FF2B5EF4-FFF2-40B4-BE49-F238E27FC236}">
+                  <a16:creationId xmlns:a16="http://schemas.microsoft.com/office/drawing/2014/main" id="{7FCC86D0-2022-4DE2-9BB0-53543F669C0C}"/>
+                </a:ext>
+              </a:extLst>
+            </p:cNvPr>
+            <p:cNvCxnSpPr>
+              <a:cxnSpLocks/>
+            </p:cNvCxnSpPr>
+            <p:nvPr/>
+          </p:nvCxnSpPr>
+          <p:spPr>
+            <a:xfrm flipV="1">
+              <a:off x="8864600" y="1118579"/>
+              <a:ext cx="264339" cy="1"/>
+            </a:xfrm>
+            <a:prstGeom prst="straightConnector1">
+              <a:avLst/>
+            </a:prstGeom>
+            <a:ln w="19050">
+              <a:solidFill>
+                <a:srgbClr val="FF0000"/>
+              </a:solidFill>
+              <a:tailEnd type="triangle"/>
+            </a:ln>
+          </p:spPr>
+          <p:style>
+            <a:lnRef idx="1">
+              <a:schemeClr val="accent1"/>
+            </a:lnRef>
+            <a:fillRef idx="0">
+              <a:schemeClr val="accent1"/>
+            </a:fillRef>
+            <a:effectRef idx="0">
+              <a:schemeClr val="accent1"/>
+            </a:effectRef>
+            <a:fontRef idx="minor">
+              <a:schemeClr val="tx1"/>
+            </a:fontRef>
+          </p:style>
+        </p:cxnSp>
+        <p:cxnSp>
+          <p:nvCxnSpPr>
+            <p:cNvPr id="21" name="Straight Arrow Connector 20">
+              <a:extLst>
+                <a:ext uri="{FF2B5EF4-FFF2-40B4-BE49-F238E27FC236}">
+                  <a16:creationId xmlns:a16="http://schemas.microsoft.com/office/drawing/2014/main" id="{24785235-6294-43E4-8B5C-9FDB11C43E36}"/>
+                </a:ext>
+              </a:extLst>
+            </p:cNvPr>
+            <p:cNvCxnSpPr>
+              <a:cxnSpLocks/>
+            </p:cNvCxnSpPr>
+            <p:nvPr/>
+          </p:nvCxnSpPr>
+          <p:spPr>
+            <a:xfrm flipV="1">
+              <a:off x="6788150" y="1118580"/>
+              <a:ext cx="264339" cy="1"/>
+            </a:xfrm>
+            <a:prstGeom prst="straightConnector1">
+              <a:avLst/>
+            </a:prstGeom>
+            <a:ln w="19050">
+              <a:solidFill>
+                <a:srgbClr val="FF0000"/>
+              </a:solidFill>
+              <a:tailEnd type="triangle"/>
+            </a:ln>
+          </p:spPr>
+          <p:style>
+            <a:lnRef idx="1">
+              <a:schemeClr val="accent1"/>
+            </a:lnRef>
+            <a:fillRef idx="0">
+              <a:schemeClr val="accent1"/>
+            </a:fillRef>
+            <a:effectRef idx="0">
+              <a:schemeClr val="accent1"/>
+            </a:effectRef>
+            <a:fontRef idx="minor">
+              <a:schemeClr val="tx1"/>
+            </a:fontRef>
+          </p:style>
+        </p:cxnSp>
+        <p:cxnSp>
+          <p:nvCxnSpPr>
+            <p:cNvPr id="22" name="Straight Arrow Connector 21">
+              <a:extLst>
+                <a:ext uri="{FF2B5EF4-FFF2-40B4-BE49-F238E27FC236}">
+                  <a16:creationId xmlns:a16="http://schemas.microsoft.com/office/drawing/2014/main" id="{7E0446E7-C7B5-4E42-82DD-07E0746DB140}"/>
+                </a:ext>
+              </a:extLst>
+            </p:cNvPr>
+            <p:cNvCxnSpPr>
+              <a:cxnSpLocks/>
+              <a:stCxn id="23" idx="3"/>
+              <a:endCxn id="24" idx="1"/>
+            </p:cNvCxnSpPr>
+            <p:nvPr/>
+          </p:nvCxnSpPr>
+          <p:spPr>
+            <a:xfrm flipV="1">
+              <a:off x="6096000" y="1118585"/>
+              <a:ext cx="264339" cy="1"/>
+            </a:xfrm>
+            <a:prstGeom prst="straightConnector1">
+              <a:avLst/>
+            </a:prstGeom>
+            <a:ln w="19050">
+              <a:solidFill>
+                <a:srgbClr val="FF0000"/>
+              </a:solidFill>
+              <a:tailEnd type="triangle"/>
+            </a:ln>
+          </p:spPr>
+          <p:style>
+            <a:lnRef idx="1">
+              <a:schemeClr val="accent1"/>
+            </a:lnRef>
+            <a:fillRef idx="0">
+              <a:schemeClr val="accent1"/>
+            </a:fillRef>
+            <a:effectRef idx="0">
+              <a:schemeClr val="accent1"/>
+            </a:effectRef>
+            <a:fontRef idx="minor">
+              <a:schemeClr val="tx1"/>
+            </a:fontRef>
+          </p:style>
+        </p:cxnSp>
+        <p:sp>
+          <p:nvSpPr>
+            <p:cNvPr id="23" name="Rectangle 22">
+              <a:extLst>
+                <a:ext uri="{FF2B5EF4-FFF2-40B4-BE49-F238E27FC236}">
+                  <a16:creationId xmlns:a16="http://schemas.microsoft.com/office/drawing/2014/main" id="{17629506-AF44-469B-8BDA-3F41A8FEE98A}"/>
+                </a:ext>
+              </a:extLst>
+            </p:cNvPr>
+            <p:cNvSpPr/>
+            <p:nvPr/>
+          </p:nvSpPr>
+          <p:spPr>
+            <a:xfrm>
+              <a:off x="5668189" y="914399"/>
+              <a:ext cx="427811" cy="408373"/>
+            </a:xfrm>
+            <a:prstGeom prst="rect">
+              <a:avLst/>
+            </a:prstGeom>
+            <a:noFill/>
+            <a:ln w="28575">
+              <a:solidFill>
+                <a:schemeClr val="accent1">
+                  <a:lumMod val="75000"/>
+                </a:schemeClr>
+              </a:solidFill>
+            </a:ln>
+          </p:spPr>
+          <p:style>
+            <a:lnRef idx="2">
+              <a:schemeClr val="accent1">
+                <a:shade val="50000"/>
+              </a:schemeClr>
+            </a:lnRef>
+            <a:fillRef idx="1">
+              <a:schemeClr val="accent1"/>
+            </a:fillRef>
+            <a:effectRef idx="0">
+              <a:schemeClr val="accent1"/>
+            </a:effectRef>
+            <a:fontRef idx="minor">
+              <a:schemeClr val="lt1"/>
+            </a:fontRef>
+          </p:style>
+          <p:txBody>
+            <a:bodyPr rtlCol="0" anchor="ctr"/>
+            <a:lstStyle/>
+            <a:p>
+              <a:pPr algn="ctr"/>
+              <a:endParaRPr lang="en-US"/>
+            </a:p>
+          </p:txBody>
+        </p:sp>
+        <p:sp>
+          <p:nvSpPr>
+            <p:cNvPr id="24" name="Rectangle 23">
+              <a:extLst>
+                <a:ext uri="{FF2B5EF4-FFF2-40B4-BE49-F238E27FC236}">
+                  <a16:creationId xmlns:a16="http://schemas.microsoft.com/office/drawing/2014/main" id="{20F46668-E35A-46DB-8B1F-398A6E8F8741}"/>
+                </a:ext>
+              </a:extLst>
+            </p:cNvPr>
+            <p:cNvSpPr/>
+            <p:nvPr/>
+          </p:nvSpPr>
+          <p:spPr>
+            <a:xfrm>
+              <a:off x="6360339" y="914398"/>
+              <a:ext cx="427811" cy="408373"/>
+            </a:xfrm>
+            <a:prstGeom prst="rect">
+              <a:avLst/>
+            </a:prstGeom>
+            <a:noFill/>
+            <a:ln w="28575">
+              <a:solidFill>
+                <a:schemeClr val="accent1">
+                  <a:lumMod val="75000"/>
+                </a:schemeClr>
+              </a:solidFill>
+            </a:ln>
+          </p:spPr>
+          <p:style>
+            <a:lnRef idx="2">
+              <a:schemeClr val="accent1">
+                <a:shade val="50000"/>
+              </a:schemeClr>
+            </a:lnRef>
+            <a:fillRef idx="1">
+              <a:schemeClr val="accent1"/>
+            </a:fillRef>
+            <a:effectRef idx="0">
+              <a:schemeClr val="accent1"/>
+            </a:effectRef>
+            <a:fontRef idx="minor">
+              <a:schemeClr val="lt1"/>
+            </a:fontRef>
+          </p:style>
+          <p:txBody>
+            <a:bodyPr rtlCol="0" anchor="ctr"/>
+            <a:lstStyle/>
+            <a:p>
+              <a:pPr algn="ctr"/>
+              <a:endParaRPr lang="en-US"/>
+            </a:p>
+          </p:txBody>
+        </p:sp>
+        <p:sp>
+          <p:nvSpPr>
+            <p:cNvPr id="25" name="Rectangle 24">
+              <a:extLst>
+                <a:ext uri="{FF2B5EF4-FFF2-40B4-BE49-F238E27FC236}">
+                  <a16:creationId xmlns:a16="http://schemas.microsoft.com/office/drawing/2014/main" id="{B7CD0A81-A7E8-4B5C-8CBA-24D9B0CA2F74}"/>
+                </a:ext>
+              </a:extLst>
+            </p:cNvPr>
+            <p:cNvSpPr/>
+            <p:nvPr/>
+          </p:nvSpPr>
+          <p:spPr>
+            <a:xfrm>
+              <a:off x="7052489" y="914397"/>
+              <a:ext cx="427811" cy="408373"/>
+            </a:xfrm>
+            <a:prstGeom prst="rect">
+              <a:avLst/>
+            </a:prstGeom>
+            <a:noFill/>
+            <a:ln w="28575">
+              <a:solidFill>
+                <a:schemeClr val="accent1">
+                  <a:lumMod val="75000"/>
+                </a:schemeClr>
+              </a:solidFill>
+            </a:ln>
+          </p:spPr>
+          <p:style>
+            <a:lnRef idx="2">
+              <a:schemeClr val="accent1">
+                <a:shade val="50000"/>
+              </a:schemeClr>
+            </a:lnRef>
+            <a:fillRef idx="1">
+              <a:schemeClr val="accent1"/>
+            </a:fillRef>
+            <a:effectRef idx="0">
+              <a:schemeClr val="accent1"/>
+            </a:effectRef>
+            <a:fontRef idx="minor">
+              <a:schemeClr val="lt1"/>
+            </a:fontRef>
+          </p:style>
+          <p:txBody>
+            <a:bodyPr rtlCol="0" anchor="ctr"/>
+            <a:lstStyle/>
+            <a:p>
+              <a:pPr algn="ctr"/>
+              <a:endParaRPr lang="en-US"/>
+            </a:p>
+          </p:txBody>
+        </p:sp>
+        <p:sp>
+          <p:nvSpPr>
+            <p:cNvPr id="26" name="Rectangle 25">
+              <a:extLst>
+                <a:ext uri="{FF2B5EF4-FFF2-40B4-BE49-F238E27FC236}">
+                  <a16:creationId xmlns:a16="http://schemas.microsoft.com/office/drawing/2014/main" id="{B24975CC-389F-4761-BC51-EB2E05102710}"/>
+                </a:ext>
+              </a:extLst>
+            </p:cNvPr>
+            <p:cNvSpPr/>
+            <p:nvPr/>
+          </p:nvSpPr>
+          <p:spPr>
+            <a:xfrm>
+              <a:off x="7744639" y="914396"/>
+              <a:ext cx="427811" cy="408373"/>
+            </a:xfrm>
+            <a:prstGeom prst="rect">
+              <a:avLst/>
+            </a:prstGeom>
+            <a:noFill/>
+            <a:ln w="28575">
+              <a:solidFill>
+                <a:schemeClr val="accent1">
+                  <a:lumMod val="75000"/>
+                </a:schemeClr>
+              </a:solidFill>
+            </a:ln>
+          </p:spPr>
+          <p:style>
+            <a:lnRef idx="2">
+              <a:schemeClr val="accent1">
+                <a:shade val="50000"/>
+              </a:schemeClr>
+            </a:lnRef>
+            <a:fillRef idx="1">
+              <a:schemeClr val="accent1"/>
+            </a:fillRef>
+            <a:effectRef idx="0">
+              <a:schemeClr val="accent1"/>
+            </a:effectRef>
+            <a:fontRef idx="minor">
+              <a:schemeClr val="lt1"/>
+            </a:fontRef>
+          </p:style>
+          <p:txBody>
+            <a:bodyPr rtlCol="0" anchor="ctr"/>
+            <a:lstStyle/>
+            <a:p>
+              <a:pPr algn="ctr"/>
+              <a:endParaRPr lang="en-US"/>
+            </a:p>
+          </p:txBody>
+        </p:sp>
+        <p:sp>
+          <p:nvSpPr>
+            <p:cNvPr id="27" name="Rectangle 26">
+              <a:extLst>
+                <a:ext uri="{FF2B5EF4-FFF2-40B4-BE49-F238E27FC236}">
+                  <a16:creationId xmlns:a16="http://schemas.microsoft.com/office/drawing/2014/main" id="{7D8D8139-B566-48B3-A27E-2FCE75B53BB3}"/>
+                </a:ext>
+              </a:extLst>
+            </p:cNvPr>
+            <p:cNvSpPr/>
+            <p:nvPr/>
+          </p:nvSpPr>
+          <p:spPr>
+            <a:xfrm>
+              <a:off x="8436789" y="914395"/>
+              <a:ext cx="427811" cy="408373"/>
+            </a:xfrm>
+            <a:prstGeom prst="rect">
+              <a:avLst/>
+            </a:prstGeom>
+            <a:noFill/>
+            <a:ln w="28575">
+              <a:solidFill>
+                <a:schemeClr val="accent1">
+                  <a:lumMod val="75000"/>
+                </a:schemeClr>
+              </a:solidFill>
+            </a:ln>
+          </p:spPr>
+          <p:style>
+            <a:lnRef idx="2">
+              <a:schemeClr val="accent1">
+                <a:shade val="50000"/>
+              </a:schemeClr>
+            </a:lnRef>
+            <a:fillRef idx="1">
+              <a:schemeClr val="accent1"/>
+            </a:fillRef>
+            <a:effectRef idx="0">
+              <a:schemeClr val="accent1"/>
+            </a:effectRef>
+            <a:fontRef idx="minor">
+              <a:schemeClr val="lt1"/>
+            </a:fontRef>
+          </p:style>
+          <p:txBody>
+            <a:bodyPr rtlCol="0" anchor="ctr"/>
+            <a:lstStyle/>
+            <a:p>
+              <a:pPr algn="ctr"/>
+              <a:endParaRPr lang="en-US"/>
+            </a:p>
+          </p:txBody>
+        </p:sp>
+        <p:sp>
+          <p:nvSpPr>
+            <p:cNvPr id="28" name="Rectangle 27">
+              <a:extLst>
+                <a:ext uri="{FF2B5EF4-FFF2-40B4-BE49-F238E27FC236}">
+                  <a16:creationId xmlns:a16="http://schemas.microsoft.com/office/drawing/2014/main" id="{470835AB-E45A-440A-9B50-4006217C460E}"/>
+                </a:ext>
+              </a:extLst>
+            </p:cNvPr>
+            <p:cNvSpPr/>
+            <p:nvPr/>
+          </p:nvSpPr>
+          <p:spPr>
+            <a:xfrm>
+              <a:off x="9128939" y="914394"/>
+              <a:ext cx="427811" cy="408373"/>
+            </a:xfrm>
+            <a:prstGeom prst="rect">
+              <a:avLst/>
+            </a:prstGeom>
+            <a:noFill/>
+            <a:ln w="28575">
+              <a:solidFill>
+                <a:schemeClr val="accent1">
+                  <a:lumMod val="75000"/>
+                </a:schemeClr>
+              </a:solidFill>
+            </a:ln>
+          </p:spPr>
+          <p:style>
+            <a:lnRef idx="2">
+              <a:schemeClr val="accent1">
+                <a:shade val="50000"/>
+              </a:schemeClr>
+            </a:lnRef>
+            <a:fillRef idx="1">
+              <a:schemeClr val="accent1"/>
+            </a:fillRef>
+            <a:effectRef idx="0">
+              <a:schemeClr val="accent1"/>
+            </a:effectRef>
+            <a:fontRef idx="minor">
+              <a:schemeClr val="lt1"/>
+            </a:fontRef>
+          </p:style>
+          <p:txBody>
+            <a:bodyPr rtlCol="0" anchor="ctr"/>
+            <a:lstStyle/>
+            <a:p>
+              <a:pPr algn="ctr"/>
+              <a:endParaRPr lang="en-US"/>
+            </a:p>
+          </p:txBody>
+        </p:sp>
+        <p:sp>
+          <p:nvSpPr>
+            <p:cNvPr id="29" name="Rectangle 28">
+              <a:extLst>
+                <a:ext uri="{FF2B5EF4-FFF2-40B4-BE49-F238E27FC236}">
+                  <a16:creationId xmlns:a16="http://schemas.microsoft.com/office/drawing/2014/main" id="{0E721F76-E9EE-4426-B0B6-37A54C179938}"/>
+                </a:ext>
+              </a:extLst>
+            </p:cNvPr>
+            <p:cNvSpPr/>
+            <p:nvPr/>
+          </p:nvSpPr>
+          <p:spPr>
+            <a:xfrm>
+              <a:off x="9805943" y="914390"/>
+              <a:ext cx="427811" cy="408373"/>
+            </a:xfrm>
+            <a:prstGeom prst="rect">
+              <a:avLst/>
+            </a:prstGeom>
+            <a:noFill/>
+            <a:ln w="28575">
+              <a:solidFill>
+                <a:schemeClr val="accent1">
+                  <a:lumMod val="75000"/>
+                </a:schemeClr>
+              </a:solidFill>
+            </a:ln>
+          </p:spPr>
+          <p:style>
+            <a:lnRef idx="2">
+              <a:schemeClr val="accent1">
+                <a:shade val="50000"/>
+              </a:schemeClr>
+            </a:lnRef>
+            <a:fillRef idx="1">
+              <a:schemeClr val="accent1"/>
+            </a:fillRef>
+            <a:effectRef idx="0">
+              <a:schemeClr val="accent1"/>
+            </a:effectRef>
+            <a:fontRef idx="minor">
+              <a:schemeClr val="lt1"/>
+            </a:fontRef>
+          </p:style>
+          <p:txBody>
+            <a:bodyPr rtlCol="0" anchor="ctr"/>
+            <a:lstStyle/>
+            <a:p>
+              <a:pPr algn="ctr"/>
+              <a:endParaRPr lang="en-US"/>
+            </a:p>
+          </p:txBody>
+        </p:sp>
+        <p:sp>
+          <p:nvSpPr>
+            <p:cNvPr id="30" name="Rectangle 29">
+              <a:extLst>
+                <a:ext uri="{FF2B5EF4-FFF2-40B4-BE49-F238E27FC236}">
+                  <a16:creationId xmlns:a16="http://schemas.microsoft.com/office/drawing/2014/main" id="{8058DAB2-1654-4D11-A4C8-AD835CA42C01}"/>
+                </a:ext>
+              </a:extLst>
+            </p:cNvPr>
+            <p:cNvSpPr/>
+            <p:nvPr/>
+          </p:nvSpPr>
+          <p:spPr>
+            <a:xfrm>
+              <a:off x="10494530" y="914379"/>
+              <a:ext cx="427811" cy="408373"/>
+            </a:xfrm>
+            <a:prstGeom prst="rect">
+              <a:avLst/>
+            </a:prstGeom>
+            <a:noFill/>
+            <a:ln w="28575">
+              <a:solidFill>
+                <a:schemeClr val="accent1">
+                  <a:lumMod val="75000"/>
+                </a:schemeClr>
+              </a:solidFill>
+            </a:ln>
+          </p:spPr>
+          <p:style>
+            <a:lnRef idx="2">
+              <a:schemeClr val="accent1">
+                <a:shade val="50000"/>
+              </a:schemeClr>
+            </a:lnRef>
+            <a:fillRef idx="1">
+              <a:schemeClr val="accent1"/>
+            </a:fillRef>
+            <a:effectRef idx="0">
+              <a:schemeClr val="accent1"/>
+            </a:effectRef>
+            <a:fontRef idx="minor">
+              <a:schemeClr val="lt1"/>
+            </a:fontRef>
+          </p:style>
+          <p:txBody>
+            <a:bodyPr rtlCol="0" anchor="ctr"/>
+            <a:lstStyle/>
+            <a:p>
+              <a:pPr algn="ctr"/>
+              <a:endParaRPr lang="en-US"/>
+            </a:p>
+          </p:txBody>
+        </p:sp>
+        <p:sp>
+          <p:nvSpPr>
+            <p:cNvPr id="31" name="Rectangle 30">
+              <a:extLst>
+                <a:ext uri="{FF2B5EF4-FFF2-40B4-BE49-F238E27FC236}">
+                  <a16:creationId xmlns:a16="http://schemas.microsoft.com/office/drawing/2014/main" id="{F91E9AFD-12C8-4F35-824F-6EBA2E6BC44A}"/>
+                </a:ext>
+              </a:extLst>
+            </p:cNvPr>
+            <p:cNvSpPr/>
+            <p:nvPr/>
+          </p:nvSpPr>
+          <p:spPr>
+            <a:xfrm>
+              <a:off x="11175097" y="914379"/>
+              <a:ext cx="427811" cy="408373"/>
+            </a:xfrm>
+            <a:prstGeom prst="rect">
+              <a:avLst/>
+            </a:prstGeom>
+            <a:noFill/>
+            <a:ln w="28575">
+              <a:solidFill>
+                <a:schemeClr val="accent1">
+                  <a:lumMod val="75000"/>
+                </a:schemeClr>
+              </a:solidFill>
+            </a:ln>
+          </p:spPr>
+          <p:style>
+            <a:lnRef idx="2">
+              <a:schemeClr val="accent1">
+                <a:shade val="50000"/>
+              </a:schemeClr>
+            </a:lnRef>
+            <a:fillRef idx="1">
+              <a:schemeClr val="accent1"/>
+            </a:fillRef>
+            <a:effectRef idx="0">
+              <a:schemeClr val="accent1"/>
+            </a:effectRef>
+            <a:fontRef idx="minor">
+              <a:schemeClr val="lt1"/>
+            </a:fontRef>
+          </p:style>
+          <p:txBody>
+            <a:bodyPr rtlCol="0" anchor="ctr"/>
+            <a:lstStyle/>
+            <a:p>
+              <a:pPr algn="ctr"/>
+              <a:endParaRPr lang="en-US"/>
+            </a:p>
+          </p:txBody>
+        </p:sp>
+      </p:grpSp>
+      <p:sp>
+        <p:nvSpPr>
+          <p:cNvPr id="32" name="Rectangle 31">
+            <a:extLst>
+              <a:ext uri="{FF2B5EF4-FFF2-40B4-BE49-F238E27FC236}">
+                <a16:creationId xmlns:a16="http://schemas.microsoft.com/office/drawing/2014/main" id="{7EBB705F-5264-4751-9735-42B5E6E2D77A}"/>
+              </a:ext>
+            </a:extLst>
+          </p:cNvPr>
+          <p:cNvSpPr/>
+          <p:nvPr/>
+        </p:nvSpPr>
+        <p:spPr>
+          <a:xfrm>
+            <a:off x="475210" y="3267786"/>
+            <a:ext cx="5157469" cy="1200329"/>
+          </a:xfrm>
+          <a:prstGeom prst="rect">
+            <a:avLst/>
+          </a:prstGeom>
+          <a:ln>
+            <a:solidFill>
+              <a:schemeClr val="tx1"/>
+            </a:solidFill>
+          </a:ln>
+        </p:spPr>
+        <p:txBody>
+          <a:bodyPr wrap="square">
+            <a:spAutoFit/>
+          </a:bodyPr>
+          <a:lstStyle/>
+          <a:p>
+            <a:r>
+              <a:rPr lang="nn-NO" b="1" dirty="0">
+                <a:solidFill>
+                  <a:srgbClr val="7F0055"/>
+                </a:solidFill>
+                <a:latin typeface="Consolas" panose="020B0609020204030204" pitchFamily="49" charset="0"/>
+              </a:rPr>
+              <a:t>for</a:t>
+            </a:r>
+            <a:r>
+              <a:rPr lang="nn-NO" b="1" dirty="0">
+                <a:solidFill>
+                  <a:srgbClr val="000000"/>
+                </a:solidFill>
+                <a:latin typeface="Consolas" panose="020B0609020204030204" pitchFamily="49" charset="0"/>
+              </a:rPr>
+              <a:t> (</a:t>
+            </a:r>
+            <a:r>
+              <a:rPr lang="nn-NO" b="1" dirty="0">
+                <a:solidFill>
+                  <a:srgbClr val="7F0055"/>
+                </a:solidFill>
+                <a:latin typeface="Consolas" panose="020B0609020204030204" pitchFamily="49" charset="0"/>
+              </a:rPr>
+              <a:t>int</a:t>
+            </a:r>
+            <a:r>
+              <a:rPr lang="nn-NO" b="1" dirty="0">
+                <a:solidFill>
+                  <a:srgbClr val="000000"/>
+                </a:solidFill>
+                <a:latin typeface="Consolas" panose="020B0609020204030204" pitchFamily="49" charset="0"/>
+              </a:rPr>
+              <a:t> </a:t>
+            </a:r>
+            <a:r>
+              <a:rPr lang="nn-NO" b="1" dirty="0">
+                <a:solidFill>
+                  <a:srgbClr val="6A3E3E"/>
+                </a:solidFill>
+                <a:latin typeface="Consolas" panose="020B0609020204030204" pitchFamily="49" charset="0"/>
+              </a:rPr>
+              <a:t>i</a:t>
+            </a:r>
+            <a:r>
+              <a:rPr lang="nn-NO" b="1" dirty="0">
+                <a:solidFill>
+                  <a:srgbClr val="000000"/>
+                </a:solidFill>
+                <a:latin typeface="Consolas" panose="020B0609020204030204" pitchFamily="49" charset="0"/>
+              </a:rPr>
+              <a:t> = 0; </a:t>
+            </a:r>
+            <a:r>
+              <a:rPr lang="nn-NO" b="1" dirty="0">
+                <a:solidFill>
+                  <a:srgbClr val="6A3E3E"/>
+                </a:solidFill>
+                <a:latin typeface="Consolas" panose="020B0609020204030204" pitchFamily="49" charset="0"/>
+              </a:rPr>
+              <a:t>i</a:t>
+            </a:r>
+            <a:r>
+              <a:rPr lang="nn-NO" b="1" dirty="0">
+                <a:solidFill>
+                  <a:srgbClr val="000000"/>
+                </a:solidFill>
+                <a:latin typeface="Consolas" panose="020B0609020204030204" pitchFamily="49" charset="0"/>
+              </a:rPr>
+              <a:t> &lt; </a:t>
+            </a:r>
+            <a:r>
+              <a:rPr lang="nn-NO" b="1" dirty="0">
+                <a:solidFill>
+                  <a:srgbClr val="6A3E3E"/>
+                </a:solidFill>
+                <a:latin typeface="Consolas" panose="020B0609020204030204" pitchFamily="49" charset="0"/>
+              </a:rPr>
+              <a:t>list</a:t>
+            </a:r>
+            <a:r>
+              <a:rPr lang="nn-NO" b="1" dirty="0">
+                <a:solidFill>
+                  <a:srgbClr val="000000"/>
+                </a:solidFill>
+                <a:latin typeface="Consolas" panose="020B0609020204030204" pitchFamily="49" charset="0"/>
+              </a:rPr>
+              <a:t>.size(); </a:t>
+            </a:r>
+            <a:r>
+              <a:rPr lang="nn-NO" b="1" dirty="0">
+                <a:solidFill>
+                  <a:srgbClr val="6A3E3E"/>
+                </a:solidFill>
+                <a:latin typeface="Consolas" panose="020B0609020204030204" pitchFamily="49" charset="0"/>
+              </a:rPr>
+              <a:t>i</a:t>
+            </a:r>
+            <a:r>
+              <a:rPr lang="nn-NO" b="1" dirty="0">
+                <a:solidFill>
+                  <a:srgbClr val="000000"/>
+                </a:solidFill>
+                <a:latin typeface="Consolas" panose="020B0609020204030204" pitchFamily="49" charset="0"/>
+              </a:rPr>
+              <a:t>++) {</a:t>
+            </a:r>
+          </a:p>
+          <a:p>
+            <a:r>
+              <a:rPr lang="en-US" dirty="0">
+                <a:solidFill>
+                  <a:srgbClr val="000000"/>
+                </a:solidFill>
+                <a:latin typeface="Consolas" panose="020B0609020204030204" pitchFamily="49" charset="0"/>
+              </a:rPr>
+              <a:t>    Object </a:t>
+            </a:r>
+            <a:r>
+              <a:rPr lang="en-US" dirty="0">
+                <a:solidFill>
+                  <a:srgbClr val="6A3E3E"/>
+                </a:solidFill>
+                <a:latin typeface="Consolas" panose="020B0609020204030204" pitchFamily="49" charset="0"/>
+              </a:rPr>
+              <a:t>object</a:t>
+            </a:r>
+            <a:r>
+              <a:rPr lang="en-US" dirty="0">
+                <a:solidFill>
+                  <a:srgbClr val="000000"/>
+                </a:solidFill>
+                <a:latin typeface="Consolas" panose="020B0609020204030204" pitchFamily="49" charset="0"/>
+              </a:rPr>
+              <a:t> = </a:t>
+            </a:r>
+            <a:r>
+              <a:rPr lang="en-US" dirty="0">
+                <a:solidFill>
+                  <a:srgbClr val="6A3E3E"/>
+                </a:solidFill>
+                <a:latin typeface="Consolas" panose="020B0609020204030204" pitchFamily="49" charset="0"/>
+              </a:rPr>
+              <a:t>list</a:t>
+            </a:r>
+            <a:r>
+              <a:rPr lang="en-US" dirty="0">
+                <a:solidFill>
+                  <a:srgbClr val="000000"/>
+                </a:solidFill>
+                <a:latin typeface="Consolas" panose="020B0609020204030204" pitchFamily="49" charset="0"/>
+              </a:rPr>
+              <a:t>.get(</a:t>
+            </a:r>
+            <a:r>
+              <a:rPr lang="en-US" dirty="0">
+                <a:solidFill>
+                  <a:srgbClr val="6A3E3E"/>
+                </a:solidFill>
+                <a:latin typeface="Consolas" panose="020B0609020204030204" pitchFamily="49" charset="0"/>
+              </a:rPr>
+              <a:t>i</a:t>
+            </a:r>
+            <a:r>
+              <a:rPr lang="en-US" dirty="0">
+                <a:solidFill>
+                  <a:srgbClr val="000000"/>
+                </a:solidFill>
+                <a:latin typeface="Consolas" panose="020B0609020204030204" pitchFamily="49" charset="0"/>
+              </a:rPr>
+              <a:t>);</a:t>
+            </a:r>
+          </a:p>
+          <a:p>
+            <a:r>
+              <a:rPr lang="en-US" dirty="0">
+                <a:solidFill>
+                  <a:srgbClr val="000000"/>
+                </a:solidFill>
+                <a:latin typeface="Consolas" panose="020B0609020204030204" pitchFamily="49" charset="0"/>
+              </a:rPr>
+              <a:t>    doSomething(</a:t>
+            </a:r>
+            <a:r>
+              <a:rPr lang="en-US" dirty="0">
+                <a:solidFill>
+                  <a:srgbClr val="6A3E3E"/>
+                </a:solidFill>
+                <a:latin typeface="Consolas" panose="020B0609020204030204" pitchFamily="49" charset="0"/>
+              </a:rPr>
+              <a:t>object</a:t>
+            </a:r>
+            <a:r>
+              <a:rPr lang="en-US" dirty="0">
+                <a:solidFill>
+                  <a:srgbClr val="000000"/>
+                </a:solidFill>
+                <a:latin typeface="Consolas" panose="020B0609020204030204" pitchFamily="49" charset="0"/>
+              </a:rPr>
+              <a:t>);</a:t>
+            </a:r>
+          </a:p>
+          <a:p>
+            <a:r>
+              <a:rPr lang="en-US" dirty="0">
+                <a:solidFill>
+                  <a:srgbClr val="000000"/>
+                </a:solidFill>
+                <a:latin typeface="Consolas" panose="020B0609020204030204" pitchFamily="49" charset="0"/>
+              </a:rPr>
+              <a:t>}</a:t>
+            </a:r>
+          </a:p>
+        </p:txBody>
+      </p:sp>
+      <p:sp>
+        <p:nvSpPr>
+          <p:cNvPr id="33" name="Rectangle 32">
+            <a:extLst>
+              <a:ext uri="{FF2B5EF4-FFF2-40B4-BE49-F238E27FC236}">
+                <a16:creationId xmlns:a16="http://schemas.microsoft.com/office/drawing/2014/main" id="{EB4224A4-9672-45AE-B3B6-7EB594E24D03}"/>
+              </a:ext>
+            </a:extLst>
+          </p:cNvPr>
+          <p:cNvSpPr/>
+          <p:nvPr/>
+        </p:nvSpPr>
+        <p:spPr>
+          <a:xfrm>
+            <a:off x="6752640" y="3258506"/>
+            <a:ext cx="5157469" cy="1477328"/>
+          </a:xfrm>
+          <a:prstGeom prst="rect">
+            <a:avLst/>
+          </a:prstGeom>
+          <a:ln>
+            <a:solidFill>
+              <a:schemeClr val="tx1"/>
+            </a:solidFill>
+          </a:ln>
+        </p:spPr>
+        <p:txBody>
+          <a:bodyPr wrap="square">
+            <a:spAutoFit/>
+          </a:bodyPr>
+          <a:lstStyle/>
+          <a:p>
+            <a:r>
+              <a:rPr lang="en-US" dirty="0">
+                <a:solidFill>
+                  <a:srgbClr val="000000"/>
+                </a:solidFill>
+                <a:latin typeface="Consolas" panose="020B0609020204030204" pitchFamily="49" charset="0"/>
+              </a:rPr>
+              <a:t>LinkedNode </a:t>
+            </a:r>
+            <a:r>
+              <a:rPr lang="en-US" dirty="0">
+                <a:solidFill>
+                  <a:srgbClr val="6A3E3E"/>
+                </a:solidFill>
+                <a:latin typeface="Consolas" panose="020B0609020204030204" pitchFamily="49" charset="0"/>
+              </a:rPr>
+              <a:t>current</a:t>
+            </a:r>
+            <a:r>
+              <a:rPr lang="en-US" dirty="0">
+                <a:solidFill>
+                  <a:srgbClr val="000000"/>
+                </a:solidFill>
+                <a:latin typeface="Consolas" panose="020B0609020204030204" pitchFamily="49" charset="0"/>
+              </a:rPr>
+              <a:t> = </a:t>
+            </a:r>
+            <a:r>
+              <a:rPr lang="en-US" dirty="0">
+                <a:solidFill>
+                  <a:srgbClr val="0000C0"/>
+                </a:solidFill>
+                <a:latin typeface="Consolas" panose="020B0609020204030204" pitchFamily="49" charset="0"/>
+              </a:rPr>
+              <a:t>head</a:t>
+            </a:r>
+            <a:r>
+              <a:rPr lang="en-US" dirty="0">
+                <a:solidFill>
+                  <a:srgbClr val="000000"/>
+                </a:solidFill>
+                <a:latin typeface="Consolas" panose="020B0609020204030204" pitchFamily="49" charset="0"/>
+              </a:rPr>
+              <a:t>;</a:t>
+            </a:r>
+          </a:p>
+          <a:p>
+            <a:r>
+              <a:rPr lang="en-US" b="1" dirty="0">
+                <a:solidFill>
+                  <a:srgbClr val="7F0055"/>
+                </a:solidFill>
+                <a:latin typeface="Consolas" panose="020B0609020204030204" pitchFamily="49" charset="0"/>
+              </a:rPr>
+              <a:t>while</a:t>
+            </a:r>
+            <a:r>
+              <a:rPr lang="en-US" b="1" dirty="0">
+                <a:solidFill>
+                  <a:srgbClr val="000000"/>
+                </a:solidFill>
+                <a:latin typeface="Consolas" panose="020B0609020204030204" pitchFamily="49" charset="0"/>
+              </a:rPr>
+              <a:t> (</a:t>
+            </a:r>
+            <a:r>
+              <a:rPr lang="en-US" b="1" dirty="0">
+                <a:solidFill>
+                  <a:srgbClr val="6A3E3E"/>
+                </a:solidFill>
+                <a:latin typeface="Consolas" panose="020B0609020204030204" pitchFamily="49" charset="0"/>
+              </a:rPr>
+              <a:t>current</a:t>
+            </a:r>
+            <a:r>
+              <a:rPr lang="en-US" b="1" dirty="0">
+                <a:solidFill>
+                  <a:srgbClr val="000000"/>
+                </a:solidFill>
+                <a:latin typeface="Consolas" panose="020B0609020204030204" pitchFamily="49" charset="0"/>
+              </a:rPr>
+              <a:t> != </a:t>
+            </a:r>
+            <a:r>
+              <a:rPr lang="en-US" b="1" dirty="0">
+                <a:solidFill>
+                  <a:srgbClr val="7F0055"/>
+                </a:solidFill>
+                <a:latin typeface="Consolas" panose="020B0609020204030204" pitchFamily="49" charset="0"/>
+              </a:rPr>
+              <a:t>null</a:t>
+            </a:r>
+            <a:r>
+              <a:rPr lang="en-US" b="1" dirty="0">
+                <a:solidFill>
+                  <a:srgbClr val="000000"/>
+                </a:solidFill>
+                <a:latin typeface="Consolas" panose="020B0609020204030204" pitchFamily="49" charset="0"/>
+              </a:rPr>
+              <a:t>) {</a:t>
+            </a:r>
+          </a:p>
+          <a:p>
+            <a:r>
+              <a:rPr lang="en-US" dirty="0">
+                <a:solidFill>
+                  <a:srgbClr val="000000"/>
+                </a:solidFill>
+                <a:latin typeface="Consolas" panose="020B0609020204030204" pitchFamily="49" charset="0"/>
+              </a:rPr>
+              <a:t>    doSomething(</a:t>
+            </a:r>
+            <a:r>
+              <a:rPr lang="en-US" dirty="0">
+                <a:solidFill>
+                  <a:srgbClr val="6A3E3E"/>
+                </a:solidFill>
+                <a:latin typeface="Consolas" panose="020B0609020204030204" pitchFamily="49" charset="0"/>
+              </a:rPr>
+              <a:t>current</a:t>
+            </a:r>
+            <a:r>
+              <a:rPr lang="en-US" dirty="0">
+                <a:solidFill>
+                  <a:srgbClr val="000000"/>
+                </a:solidFill>
+                <a:latin typeface="Consolas" panose="020B0609020204030204" pitchFamily="49" charset="0"/>
+              </a:rPr>
+              <a:t>.getElement());</a:t>
+            </a:r>
+          </a:p>
+          <a:p>
+            <a:r>
+              <a:rPr lang="en-US" dirty="0">
+                <a:solidFill>
+                  <a:srgbClr val="6A3E3E"/>
+                </a:solidFill>
+                <a:latin typeface="Consolas" panose="020B0609020204030204" pitchFamily="49" charset="0"/>
+              </a:rPr>
+              <a:t>    current</a:t>
+            </a:r>
+            <a:r>
+              <a:rPr lang="en-US" dirty="0">
+                <a:solidFill>
+                  <a:srgbClr val="000000"/>
+                </a:solidFill>
+                <a:latin typeface="Consolas" panose="020B0609020204030204" pitchFamily="49" charset="0"/>
+              </a:rPr>
+              <a:t> = </a:t>
+            </a:r>
+            <a:r>
+              <a:rPr lang="en-US" dirty="0">
+                <a:solidFill>
+                  <a:srgbClr val="6A3E3E"/>
+                </a:solidFill>
+                <a:latin typeface="Consolas" panose="020B0609020204030204" pitchFamily="49" charset="0"/>
+              </a:rPr>
+              <a:t>current</a:t>
+            </a:r>
+            <a:r>
+              <a:rPr lang="en-US" dirty="0">
+                <a:solidFill>
+                  <a:srgbClr val="000000"/>
+                </a:solidFill>
+                <a:latin typeface="Consolas" panose="020B0609020204030204" pitchFamily="49" charset="0"/>
+              </a:rPr>
+              <a:t>.getNext();</a:t>
+            </a:r>
+          </a:p>
+          <a:p>
+            <a:r>
+              <a:rPr lang="en-US" dirty="0">
+                <a:solidFill>
+                  <a:srgbClr val="000000"/>
+                </a:solidFill>
+                <a:latin typeface="Consolas" panose="020B0609020204030204" pitchFamily="49" charset="0"/>
+              </a:rPr>
+              <a:t>}</a:t>
+            </a:r>
+            <a:endParaRPr lang="en-US" dirty="0"/>
+          </a:p>
+        </p:txBody>
+      </p:sp>
+      <p:grpSp>
+        <p:nvGrpSpPr>
+          <p:cNvPr id="40" name="Group 39">
+            <a:extLst>
+              <a:ext uri="{FF2B5EF4-FFF2-40B4-BE49-F238E27FC236}">
+                <a16:creationId xmlns:a16="http://schemas.microsoft.com/office/drawing/2014/main" id="{A633F0A3-B0FD-412C-8CA6-17FE5F4F192E}"/>
+              </a:ext>
+            </a:extLst>
+          </p:cNvPr>
+          <p:cNvGrpSpPr/>
+          <p:nvPr/>
+        </p:nvGrpSpPr>
+        <p:grpSpPr>
+          <a:xfrm>
+            <a:off x="1461865" y="1997109"/>
+            <a:ext cx="828360" cy="1123560"/>
+            <a:chOff x="1461865" y="1997109"/>
+            <a:chExt cx="828360" cy="1123560"/>
+          </a:xfrm>
+        </p:grpSpPr>
+        <mc:AlternateContent xmlns:mc="http://schemas.openxmlformats.org/markup-compatibility/2006">
+          <mc:Choice xmlns:p14="http://schemas.microsoft.com/office/powerpoint/2010/main" Requires="p14">
+            <p:contentPart p14:bwMode="auto" r:id="rId2">
+              <p14:nvContentPartPr>
+                <p14:cNvPr id="3" name="Ink 2">
+                  <a:extLst>
+                    <a:ext uri="{FF2B5EF4-FFF2-40B4-BE49-F238E27FC236}">
+                      <a16:creationId xmlns:a16="http://schemas.microsoft.com/office/drawing/2014/main" id="{E0CE5217-951A-4C1B-AA9D-E5804817D5E5}"/>
+                    </a:ext>
+                  </a:extLst>
+                </p14:cNvPr>
+                <p14:cNvContentPartPr/>
+                <p14:nvPr/>
+              </p14:nvContentPartPr>
+              <p14:xfrm>
+                <a:off x="1531705" y="2008629"/>
+                <a:ext cx="53280" cy="1112040"/>
+              </p14:xfrm>
+            </p:contentPart>
+          </mc:Choice>
+          <mc:Fallback>
+            <p:pic>
+              <p:nvPicPr>
+                <p:cNvPr id="3" name="Ink 2">
+                  <a:extLst>
+                    <a:ext uri="{FF2B5EF4-FFF2-40B4-BE49-F238E27FC236}">
+                      <a16:creationId xmlns:a16="http://schemas.microsoft.com/office/drawing/2014/main" id="{E0CE5217-951A-4C1B-AA9D-E5804817D5E5}"/>
+                    </a:ext>
+                  </a:extLst>
+                </p:cNvPr>
+                <p:cNvPicPr/>
+                <p:nvPr/>
+              </p:nvPicPr>
+              <p:blipFill>
+                <a:blip r:embed="rId3"/>
+                <a:stretch>
+                  <a:fillRect/>
+                </a:stretch>
+              </p:blipFill>
+              <p:spPr>
+                <a:xfrm>
+                  <a:off x="1523065" y="1999989"/>
+                  <a:ext cx="70920" cy="1129680"/>
+                </a:xfrm>
+                <a:prstGeom prst="rect">
+                  <a:avLst/>
+                </a:prstGeom>
+              </p:spPr>
+            </p:pic>
+          </mc:Fallback>
+        </mc:AlternateContent>
+        <mc:AlternateContent xmlns:mc="http://schemas.openxmlformats.org/markup-compatibility/2006">
+          <mc:Choice xmlns:p14="http://schemas.microsoft.com/office/powerpoint/2010/main" Requires="p14">
+            <p:contentPart p14:bwMode="auto" r:id="rId4">
+              <p14:nvContentPartPr>
+                <p14:cNvPr id="34" name="Ink 33">
+                  <a:extLst>
+                    <a:ext uri="{FF2B5EF4-FFF2-40B4-BE49-F238E27FC236}">
+                      <a16:creationId xmlns:a16="http://schemas.microsoft.com/office/drawing/2014/main" id="{849BADC5-D12A-4CA2-BE03-43F0B9119553}"/>
+                    </a:ext>
+                  </a:extLst>
+                </p14:cNvPr>
+                <p14:cNvContentPartPr/>
+                <p14:nvPr/>
+              </p14:nvContentPartPr>
+              <p14:xfrm>
+                <a:off x="1461865" y="1997109"/>
+                <a:ext cx="221760" cy="183240"/>
+              </p14:xfrm>
+            </p:contentPart>
+          </mc:Choice>
+          <mc:Fallback>
+            <p:pic>
+              <p:nvPicPr>
+                <p:cNvPr id="34" name="Ink 33">
+                  <a:extLst>
+                    <a:ext uri="{FF2B5EF4-FFF2-40B4-BE49-F238E27FC236}">
+                      <a16:creationId xmlns:a16="http://schemas.microsoft.com/office/drawing/2014/main" id="{849BADC5-D12A-4CA2-BE03-43F0B9119553}"/>
+                    </a:ext>
+                  </a:extLst>
+                </p:cNvPr>
+                <p:cNvPicPr/>
+                <p:nvPr/>
+              </p:nvPicPr>
+              <p:blipFill>
+                <a:blip r:embed="rId5"/>
+                <a:stretch>
+                  <a:fillRect/>
+                </a:stretch>
+              </p:blipFill>
+              <p:spPr>
+                <a:xfrm>
+                  <a:off x="1453225" y="1988469"/>
+                  <a:ext cx="239400" cy="200880"/>
+                </a:xfrm>
+                <a:prstGeom prst="rect">
+                  <a:avLst/>
+                </a:prstGeom>
+              </p:spPr>
+            </p:pic>
+          </mc:Fallback>
+        </mc:AlternateContent>
+        <mc:AlternateContent xmlns:mc="http://schemas.openxmlformats.org/markup-compatibility/2006">
+          <mc:Choice xmlns:p14="http://schemas.microsoft.com/office/powerpoint/2010/main" Requires="p14">
+            <p:contentPart p14:bwMode="auto" r:id="rId6">
+              <p14:nvContentPartPr>
+                <p14:cNvPr id="35" name="Ink 34">
+                  <a:extLst>
+                    <a:ext uri="{FF2B5EF4-FFF2-40B4-BE49-F238E27FC236}">
+                      <a16:creationId xmlns:a16="http://schemas.microsoft.com/office/drawing/2014/main" id="{B89B7451-0A22-431D-B466-04074DF4B3A5}"/>
+                    </a:ext>
+                  </a:extLst>
+                </p14:cNvPr>
+                <p14:cNvContentPartPr/>
+                <p14:nvPr/>
+              </p14:nvContentPartPr>
+              <p14:xfrm>
+                <a:off x="1726105" y="2164869"/>
+                <a:ext cx="205920" cy="339120"/>
+              </p14:xfrm>
+            </p:contentPart>
+          </mc:Choice>
+          <mc:Fallback>
+            <p:pic>
+              <p:nvPicPr>
+                <p:cNvPr id="35" name="Ink 34">
+                  <a:extLst>
+                    <a:ext uri="{FF2B5EF4-FFF2-40B4-BE49-F238E27FC236}">
+                      <a16:creationId xmlns:a16="http://schemas.microsoft.com/office/drawing/2014/main" id="{B89B7451-0A22-431D-B466-04074DF4B3A5}"/>
+                    </a:ext>
+                  </a:extLst>
+                </p:cNvPr>
+                <p:cNvPicPr/>
+                <p:nvPr/>
+              </p:nvPicPr>
+              <p:blipFill>
+                <a:blip r:embed="rId7"/>
+                <a:stretch>
+                  <a:fillRect/>
+                </a:stretch>
+              </p:blipFill>
+              <p:spPr>
+                <a:xfrm>
+                  <a:off x="1717105" y="2155869"/>
+                  <a:ext cx="223560" cy="356760"/>
+                </a:xfrm>
+                <a:prstGeom prst="rect">
+                  <a:avLst/>
+                </a:prstGeom>
+              </p:spPr>
+            </p:pic>
+          </mc:Fallback>
+        </mc:AlternateContent>
+        <mc:AlternateContent xmlns:mc="http://schemas.openxmlformats.org/markup-compatibility/2006">
+          <mc:Choice xmlns:p14="http://schemas.microsoft.com/office/powerpoint/2010/main" Requires="p14">
+            <p:contentPart p14:bwMode="auto" r:id="rId8">
+              <p14:nvContentPartPr>
+                <p14:cNvPr id="37" name="Ink 36">
+                  <a:extLst>
+                    <a:ext uri="{FF2B5EF4-FFF2-40B4-BE49-F238E27FC236}">
+                      <a16:creationId xmlns:a16="http://schemas.microsoft.com/office/drawing/2014/main" id="{7EA1DC1C-83FB-4C4A-8DF8-4563190CF8F3}"/>
+                    </a:ext>
+                  </a:extLst>
+                </p14:cNvPr>
+                <p14:cNvContentPartPr/>
+                <p14:nvPr/>
+              </p14:nvContentPartPr>
+              <p14:xfrm>
+                <a:off x="2013385" y="2067309"/>
+                <a:ext cx="88560" cy="409320"/>
+              </p14:xfrm>
+            </p:contentPart>
+          </mc:Choice>
+          <mc:Fallback>
+            <p:pic>
+              <p:nvPicPr>
+                <p:cNvPr id="37" name="Ink 36">
+                  <a:extLst>
+                    <a:ext uri="{FF2B5EF4-FFF2-40B4-BE49-F238E27FC236}">
+                      <a16:creationId xmlns:a16="http://schemas.microsoft.com/office/drawing/2014/main" id="{7EA1DC1C-83FB-4C4A-8DF8-4563190CF8F3}"/>
+                    </a:ext>
+                  </a:extLst>
+                </p:cNvPr>
+                <p:cNvPicPr/>
+                <p:nvPr/>
+              </p:nvPicPr>
+              <p:blipFill>
+                <a:blip r:embed="rId9"/>
+                <a:stretch>
+                  <a:fillRect/>
+                </a:stretch>
+              </p:blipFill>
+              <p:spPr>
+                <a:xfrm>
+                  <a:off x="2004385" y="2058309"/>
+                  <a:ext cx="106200" cy="426960"/>
+                </a:xfrm>
+                <a:prstGeom prst="rect">
+                  <a:avLst/>
+                </a:prstGeom>
+              </p:spPr>
+            </p:pic>
+          </mc:Fallback>
+        </mc:AlternateContent>
+        <mc:AlternateContent xmlns:mc="http://schemas.openxmlformats.org/markup-compatibility/2006">
+          <mc:Choice xmlns:p14="http://schemas.microsoft.com/office/powerpoint/2010/main" Requires="p14">
+            <p:contentPart p14:bwMode="auto" r:id="rId10">
+              <p14:nvContentPartPr>
+                <p14:cNvPr id="38" name="Ink 37">
+                  <a:extLst>
+                    <a:ext uri="{FF2B5EF4-FFF2-40B4-BE49-F238E27FC236}">
+                      <a16:creationId xmlns:a16="http://schemas.microsoft.com/office/drawing/2014/main" id="{8445FC95-F857-4757-AC2B-386037C15F73}"/>
+                    </a:ext>
+                  </a:extLst>
+                </p14:cNvPr>
+                <p14:cNvContentPartPr/>
+                <p14:nvPr/>
+              </p14:nvContentPartPr>
+              <p14:xfrm>
+                <a:off x="2089345" y="2262789"/>
+                <a:ext cx="102960" cy="86040"/>
+              </p14:xfrm>
+            </p:contentPart>
+          </mc:Choice>
+          <mc:Fallback>
+            <p:pic>
+              <p:nvPicPr>
+                <p:cNvPr id="38" name="Ink 37">
+                  <a:extLst>
+                    <a:ext uri="{FF2B5EF4-FFF2-40B4-BE49-F238E27FC236}">
+                      <a16:creationId xmlns:a16="http://schemas.microsoft.com/office/drawing/2014/main" id="{8445FC95-F857-4757-AC2B-386037C15F73}"/>
+                    </a:ext>
+                  </a:extLst>
+                </p:cNvPr>
+                <p:cNvPicPr/>
+                <p:nvPr/>
+              </p:nvPicPr>
+              <p:blipFill>
+                <a:blip r:embed="rId11"/>
+                <a:stretch>
+                  <a:fillRect/>
+                </a:stretch>
+              </p:blipFill>
+              <p:spPr>
+                <a:xfrm>
+                  <a:off x="2080345" y="2253789"/>
+                  <a:ext cx="120600" cy="103680"/>
+                </a:xfrm>
+                <a:prstGeom prst="rect">
+                  <a:avLst/>
+                </a:prstGeom>
+              </p:spPr>
+            </p:pic>
+          </mc:Fallback>
+        </mc:AlternateContent>
+        <mc:AlternateContent xmlns:mc="http://schemas.openxmlformats.org/markup-compatibility/2006">
+          <mc:Choice xmlns:p14="http://schemas.microsoft.com/office/powerpoint/2010/main" Requires="p14">
+            <p:contentPart p14:bwMode="auto" r:id="rId12">
+              <p14:nvContentPartPr>
+                <p14:cNvPr id="39" name="Ink 38">
+                  <a:extLst>
+                    <a:ext uri="{FF2B5EF4-FFF2-40B4-BE49-F238E27FC236}">
+                      <a16:creationId xmlns:a16="http://schemas.microsoft.com/office/drawing/2014/main" id="{85032D3A-C035-4C14-9007-71580F8F0640}"/>
+                    </a:ext>
+                  </a:extLst>
+                </p14:cNvPr>
+                <p14:cNvContentPartPr/>
+                <p14:nvPr/>
+              </p14:nvContentPartPr>
+              <p14:xfrm>
+                <a:off x="2160985" y="2105469"/>
+                <a:ext cx="129240" cy="416160"/>
+              </p14:xfrm>
+            </p:contentPart>
+          </mc:Choice>
+          <mc:Fallback>
+            <p:pic>
+              <p:nvPicPr>
+                <p:cNvPr id="39" name="Ink 38">
+                  <a:extLst>
+                    <a:ext uri="{FF2B5EF4-FFF2-40B4-BE49-F238E27FC236}">
+                      <a16:creationId xmlns:a16="http://schemas.microsoft.com/office/drawing/2014/main" id="{85032D3A-C035-4C14-9007-71580F8F0640}"/>
+                    </a:ext>
+                  </a:extLst>
+                </p:cNvPr>
+                <p:cNvPicPr/>
+                <p:nvPr/>
+              </p:nvPicPr>
+              <p:blipFill>
+                <a:blip r:embed="rId13"/>
+                <a:stretch>
+                  <a:fillRect/>
+                </a:stretch>
+              </p:blipFill>
+              <p:spPr>
+                <a:xfrm>
+                  <a:off x="2151985" y="2096829"/>
+                  <a:ext cx="146880" cy="433800"/>
+                </a:xfrm>
+                <a:prstGeom prst="rect">
+                  <a:avLst/>
+                </a:prstGeom>
+              </p:spPr>
+            </p:pic>
+          </mc:Fallback>
+        </mc:AlternateContent>
+      </p:grpSp>
+      <p:grpSp>
+        <p:nvGrpSpPr>
+          <p:cNvPr id="50" name="Group 49">
+            <a:extLst>
+              <a:ext uri="{FF2B5EF4-FFF2-40B4-BE49-F238E27FC236}">
+                <a16:creationId xmlns:a16="http://schemas.microsoft.com/office/drawing/2014/main" id="{3121A840-1557-4E8B-B6FF-744B8C59E715}"/>
+              </a:ext>
+            </a:extLst>
+          </p:cNvPr>
+          <p:cNvGrpSpPr/>
+          <p:nvPr/>
+        </p:nvGrpSpPr>
+        <p:grpSpPr>
+          <a:xfrm>
+            <a:off x="2466265" y="2191509"/>
+            <a:ext cx="227880" cy="225720"/>
+            <a:chOff x="2466265" y="2191509"/>
+            <a:chExt cx="227880" cy="225720"/>
+          </a:xfrm>
+        </p:grpSpPr>
+        <mc:AlternateContent xmlns:mc="http://schemas.openxmlformats.org/markup-compatibility/2006">
+          <mc:Choice xmlns:p14="http://schemas.microsoft.com/office/powerpoint/2010/main" Requires="p14">
+            <p:contentPart p14:bwMode="auto" r:id="rId14">
+              <p14:nvContentPartPr>
+                <p14:cNvPr id="41" name="Ink 40">
+                  <a:extLst>
+                    <a:ext uri="{FF2B5EF4-FFF2-40B4-BE49-F238E27FC236}">
+                      <a16:creationId xmlns:a16="http://schemas.microsoft.com/office/drawing/2014/main" id="{2E9B94DB-19BA-45E5-9E0C-1E9D39F0DCBC}"/>
+                    </a:ext>
+                  </a:extLst>
+                </p14:cNvPr>
+                <p14:cNvContentPartPr/>
+                <p14:nvPr/>
+              </p14:nvContentPartPr>
+              <p14:xfrm>
+                <a:off x="2493625" y="2191509"/>
+                <a:ext cx="51480" cy="218880"/>
+              </p14:xfrm>
+            </p:contentPart>
+          </mc:Choice>
+          <mc:Fallback>
+            <p:pic>
+              <p:nvPicPr>
+                <p:cNvPr id="41" name="Ink 40">
+                  <a:extLst>
+                    <a:ext uri="{FF2B5EF4-FFF2-40B4-BE49-F238E27FC236}">
+                      <a16:creationId xmlns:a16="http://schemas.microsoft.com/office/drawing/2014/main" id="{2E9B94DB-19BA-45E5-9E0C-1E9D39F0DCBC}"/>
+                    </a:ext>
+                  </a:extLst>
+                </p:cNvPr>
+                <p:cNvPicPr/>
+                <p:nvPr/>
+              </p:nvPicPr>
+              <p:blipFill>
+                <a:blip r:embed="rId15"/>
+                <a:stretch>
+                  <a:fillRect/>
+                </a:stretch>
+              </p:blipFill>
+              <p:spPr>
+                <a:xfrm>
+                  <a:off x="2484625" y="2182509"/>
+                  <a:ext cx="69120" cy="236520"/>
+                </a:xfrm>
+                <a:prstGeom prst="rect">
+                  <a:avLst/>
+                </a:prstGeom>
+              </p:spPr>
+            </p:pic>
+          </mc:Fallback>
+        </mc:AlternateContent>
+        <mc:AlternateContent xmlns:mc="http://schemas.openxmlformats.org/markup-compatibility/2006">
+          <mc:Choice xmlns:p14="http://schemas.microsoft.com/office/powerpoint/2010/main" Requires="p14">
+            <p:contentPart p14:bwMode="auto" r:id="rId16">
+              <p14:nvContentPartPr>
+                <p14:cNvPr id="42" name="Ink 41">
+                  <a:extLst>
+                    <a:ext uri="{FF2B5EF4-FFF2-40B4-BE49-F238E27FC236}">
+                      <a16:creationId xmlns:a16="http://schemas.microsoft.com/office/drawing/2014/main" id="{9073800D-5CF0-4B94-A811-9B397895EF4D}"/>
+                    </a:ext>
+                  </a:extLst>
+                </p14:cNvPr>
+                <p14:cNvContentPartPr/>
+                <p14:nvPr/>
+              </p14:nvContentPartPr>
+              <p14:xfrm>
+                <a:off x="2466265" y="2345589"/>
+                <a:ext cx="92160" cy="46440"/>
+              </p14:xfrm>
+            </p:contentPart>
+          </mc:Choice>
+          <mc:Fallback>
+            <p:pic>
+              <p:nvPicPr>
+                <p:cNvPr id="42" name="Ink 41">
+                  <a:extLst>
+                    <a:ext uri="{FF2B5EF4-FFF2-40B4-BE49-F238E27FC236}">
+                      <a16:creationId xmlns:a16="http://schemas.microsoft.com/office/drawing/2014/main" id="{9073800D-5CF0-4B94-A811-9B397895EF4D}"/>
+                    </a:ext>
+                  </a:extLst>
+                </p:cNvPr>
+                <p:cNvPicPr/>
+                <p:nvPr/>
+              </p:nvPicPr>
+              <p:blipFill>
+                <a:blip r:embed="rId17"/>
+                <a:stretch>
+                  <a:fillRect/>
+                </a:stretch>
+              </p:blipFill>
+              <p:spPr>
+                <a:xfrm>
+                  <a:off x="2457625" y="2336949"/>
+                  <a:ext cx="109800" cy="64080"/>
+                </a:xfrm>
+                <a:prstGeom prst="rect">
+                  <a:avLst/>
+                </a:prstGeom>
+              </p:spPr>
+            </p:pic>
+          </mc:Fallback>
+        </mc:AlternateContent>
+        <mc:AlternateContent xmlns:mc="http://schemas.openxmlformats.org/markup-compatibility/2006">
+          <mc:Choice xmlns:p14="http://schemas.microsoft.com/office/powerpoint/2010/main" Requires="p14">
+            <p:contentPart p14:bwMode="auto" r:id="rId18">
+              <p14:nvContentPartPr>
+                <p14:cNvPr id="43" name="Ink 42">
+                  <a:extLst>
+                    <a:ext uri="{FF2B5EF4-FFF2-40B4-BE49-F238E27FC236}">
+                      <a16:creationId xmlns:a16="http://schemas.microsoft.com/office/drawing/2014/main" id="{A1DA767C-058E-4CCD-B32C-E7847307E983}"/>
+                    </a:ext>
+                  </a:extLst>
+                </p14:cNvPr>
+                <p14:cNvContentPartPr/>
+                <p14:nvPr/>
+              </p14:nvContentPartPr>
+              <p14:xfrm>
+                <a:off x="2558065" y="2337309"/>
+                <a:ext cx="57240" cy="79920"/>
+              </p14:xfrm>
+            </p:contentPart>
+          </mc:Choice>
+          <mc:Fallback>
+            <p:pic>
+              <p:nvPicPr>
+                <p:cNvPr id="43" name="Ink 42">
+                  <a:extLst>
+                    <a:ext uri="{FF2B5EF4-FFF2-40B4-BE49-F238E27FC236}">
+                      <a16:creationId xmlns:a16="http://schemas.microsoft.com/office/drawing/2014/main" id="{A1DA767C-058E-4CCD-B32C-E7847307E983}"/>
+                    </a:ext>
+                  </a:extLst>
+                </p:cNvPr>
+                <p:cNvPicPr/>
+                <p:nvPr/>
+              </p:nvPicPr>
+              <p:blipFill>
+                <a:blip r:embed="rId19"/>
+                <a:stretch>
+                  <a:fillRect/>
+                </a:stretch>
+              </p:blipFill>
+              <p:spPr>
+                <a:xfrm>
+                  <a:off x="2549065" y="2328309"/>
+                  <a:ext cx="74880" cy="97560"/>
+                </a:xfrm>
+                <a:prstGeom prst="rect">
+                  <a:avLst/>
+                </a:prstGeom>
+              </p:spPr>
+            </p:pic>
+          </mc:Fallback>
+        </mc:AlternateContent>
+        <mc:AlternateContent xmlns:mc="http://schemas.openxmlformats.org/markup-compatibility/2006">
+          <mc:Choice xmlns:p14="http://schemas.microsoft.com/office/powerpoint/2010/main" Requires="p14">
+            <p:contentPart p14:bwMode="auto" r:id="rId20">
+              <p14:nvContentPartPr>
+                <p14:cNvPr id="44" name="Ink 43">
+                  <a:extLst>
+                    <a:ext uri="{FF2B5EF4-FFF2-40B4-BE49-F238E27FC236}">
+                      <a16:creationId xmlns:a16="http://schemas.microsoft.com/office/drawing/2014/main" id="{0DE07F8A-F003-41BB-8747-D860B6E5FF5A}"/>
+                    </a:ext>
+                  </a:extLst>
+                </p14:cNvPr>
+                <p14:cNvContentPartPr/>
+                <p14:nvPr/>
+              </p14:nvContentPartPr>
+              <p14:xfrm>
+                <a:off x="2650585" y="2245149"/>
+                <a:ext cx="43560" cy="110160"/>
+              </p14:xfrm>
+            </p:contentPart>
+          </mc:Choice>
+          <mc:Fallback>
+            <p:pic>
+              <p:nvPicPr>
+                <p:cNvPr id="44" name="Ink 43">
+                  <a:extLst>
+                    <a:ext uri="{FF2B5EF4-FFF2-40B4-BE49-F238E27FC236}">
+                      <a16:creationId xmlns:a16="http://schemas.microsoft.com/office/drawing/2014/main" id="{0DE07F8A-F003-41BB-8747-D860B6E5FF5A}"/>
+                    </a:ext>
+                  </a:extLst>
+                </p:cNvPr>
+                <p:cNvPicPr/>
+                <p:nvPr/>
+              </p:nvPicPr>
+              <p:blipFill>
+                <a:blip r:embed="rId21"/>
+                <a:stretch>
+                  <a:fillRect/>
+                </a:stretch>
+              </p:blipFill>
+              <p:spPr>
+                <a:xfrm>
+                  <a:off x="2641945" y="2236149"/>
+                  <a:ext cx="61200" cy="127800"/>
+                </a:xfrm>
+                <a:prstGeom prst="rect">
+                  <a:avLst/>
+                </a:prstGeom>
+              </p:spPr>
+            </p:pic>
+          </mc:Fallback>
+        </mc:AlternateContent>
+      </p:grpSp>
+      <p:grpSp>
+        <p:nvGrpSpPr>
+          <p:cNvPr id="49" name="Group 48">
+            <a:extLst>
+              <a:ext uri="{FF2B5EF4-FFF2-40B4-BE49-F238E27FC236}">
+                <a16:creationId xmlns:a16="http://schemas.microsoft.com/office/drawing/2014/main" id="{7F6C0E33-9890-4458-9BCF-379775B01DA8}"/>
+              </a:ext>
+            </a:extLst>
+          </p:cNvPr>
+          <p:cNvGrpSpPr/>
+          <p:nvPr/>
+        </p:nvGrpSpPr>
+        <p:grpSpPr>
+          <a:xfrm>
+            <a:off x="2851825" y="2248749"/>
+            <a:ext cx="419040" cy="267120"/>
+            <a:chOff x="2851825" y="2248749"/>
+            <a:chExt cx="419040" cy="267120"/>
+          </a:xfrm>
+        </p:grpSpPr>
+        <mc:AlternateContent xmlns:mc="http://schemas.openxmlformats.org/markup-compatibility/2006">
+          <mc:Choice xmlns:p14="http://schemas.microsoft.com/office/powerpoint/2010/main" Requires="p14">
+            <p:contentPart p14:bwMode="auto" r:id="rId22">
+              <p14:nvContentPartPr>
+                <p14:cNvPr id="45" name="Ink 44">
+                  <a:extLst>
+                    <a:ext uri="{FF2B5EF4-FFF2-40B4-BE49-F238E27FC236}">
+                      <a16:creationId xmlns:a16="http://schemas.microsoft.com/office/drawing/2014/main" id="{83F1EB05-7343-4A38-AE95-1A06E5462C28}"/>
+                    </a:ext>
+                  </a:extLst>
+                </p14:cNvPr>
+                <p14:cNvContentPartPr/>
+                <p14:nvPr/>
+              </p14:nvContentPartPr>
+              <p14:xfrm>
+                <a:off x="2851825" y="2281149"/>
+                <a:ext cx="87840" cy="118080"/>
+              </p14:xfrm>
+            </p:contentPart>
+          </mc:Choice>
+          <mc:Fallback>
+            <p:pic>
+              <p:nvPicPr>
+                <p:cNvPr id="45" name="Ink 44">
+                  <a:extLst>
+                    <a:ext uri="{FF2B5EF4-FFF2-40B4-BE49-F238E27FC236}">
+                      <a16:creationId xmlns:a16="http://schemas.microsoft.com/office/drawing/2014/main" id="{83F1EB05-7343-4A38-AE95-1A06E5462C28}"/>
+                    </a:ext>
+                  </a:extLst>
+                </p:cNvPr>
+                <p:cNvPicPr/>
+                <p:nvPr/>
+              </p:nvPicPr>
+              <p:blipFill>
+                <a:blip r:embed="rId23"/>
+                <a:stretch>
+                  <a:fillRect/>
+                </a:stretch>
+              </p:blipFill>
+              <p:spPr>
+                <a:xfrm>
+                  <a:off x="2843185" y="2272509"/>
+                  <a:ext cx="105480" cy="135720"/>
+                </a:xfrm>
+                <a:prstGeom prst="rect">
+                  <a:avLst/>
+                </a:prstGeom>
+              </p:spPr>
+            </p:pic>
+          </mc:Fallback>
+        </mc:AlternateContent>
+        <mc:AlternateContent xmlns:mc="http://schemas.openxmlformats.org/markup-compatibility/2006">
+          <mc:Choice xmlns:p14="http://schemas.microsoft.com/office/powerpoint/2010/main" Requires="p14">
+            <p:contentPart p14:bwMode="auto" r:id="rId24">
+              <p14:nvContentPartPr>
+                <p14:cNvPr id="46" name="Ink 45">
+                  <a:extLst>
+                    <a:ext uri="{FF2B5EF4-FFF2-40B4-BE49-F238E27FC236}">
+                      <a16:creationId xmlns:a16="http://schemas.microsoft.com/office/drawing/2014/main" id="{CEAFA978-13F5-4CF1-B49B-FA56FE708A08}"/>
+                    </a:ext>
+                  </a:extLst>
+                </p14:cNvPr>
+                <p14:cNvContentPartPr/>
+                <p14:nvPr/>
+              </p14:nvContentPartPr>
+              <p14:xfrm>
+                <a:off x="2982505" y="2282229"/>
+                <a:ext cx="10080" cy="110160"/>
+              </p14:xfrm>
+            </p:contentPart>
+          </mc:Choice>
+          <mc:Fallback>
+            <p:pic>
+              <p:nvPicPr>
+                <p:cNvPr id="46" name="Ink 45">
+                  <a:extLst>
+                    <a:ext uri="{FF2B5EF4-FFF2-40B4-BE49-F238E27FC236}">
+                      <a16:creationId xmlns:a16="http://schemas.microsoft.com/office/drawing/2014/main" id="{CEAFA978-13F5-4CF1-B49B-FA56FE708A08}"/>
+                    </a:ext>
+                  </a:extLst>
+                </p:cNvPr>
+                <p:cNvPicPr/>
+                <p:nvPr/>
+              </p:nvPicPr>
+              <p:blipFill>
+                <a:blip r:embed="rId25"/>
+                <a:stretch>
+                  <a:fillRect/>
+                </a:stretch>
+              </p:blipFill>
+              <p:spPr>
+                <a:xfrm>
+                  <a:off x="2973865" y="2273229"/>
+                  <a:ext cx="27720" cy="127800"/>
+                </a:xfrm>
+                <a:prstGeom prst="rect">
+                  <a:avLst/>
+                </a:prstGeom>
+              </p:spPr>
+            </p:pic>
+          </mc:Fallback>
+        </mc:AlternateContent>
+        <mc:AlternateContent xmlns:mc="http://schemas.openxmlformats.org/markup-compatibility/2006">
+          <mc:Choice xmlns:p14="http://schemas.microsoft.com/office/powerpoint/2010/main" Requires="p14">
+            <p:contentPart p14:bwMode="auto" r:id="rId26">
+              <p14:nvContentPartPr>
+                <p14:cNvPr id="47" name="Ink 46">
+                  <a:extLst>
+                    <a:ext uri="{FF2B5EF4-FFF2-40B4-BE49-F238E27FC236}">
+                      <a16:creationId xmlns:a16="http://schemas.microsoft.com/office/drawing/2014/main" id="{E7F11A69-B214-439E-84C8-E77C6C6B5D71}"/>
+                    </a:ext>
+                  </a:extLst>
+                </p14:cNvPr>
+                <p14:cNvContentPartPr/>
+                <p14:nvPr/>
+              </p14:nvContentPartPr>
+              <p14:xfrm>
+                <a:off x="3030385" y="2248749"/>
+                <a:ext cx="131760" cy="115920"/>
+              </p14:xfrm>
+            </p:contentPart>
+          </mc:Choice>
+          <mc:Fallback>
+            <p:pic>
+              <p:nvPicPr>
+                <p:cNvPr id="47" name="Ink 46">
+                  <a:extLst>
+                    <a:ext uri="{FF2B5EF4-FFF2-40B4-BE49-F238E27FC236}">
+                      <a16:creationId xmlns:a16="http://schemas.microsoft.com/office/drawing/2014/main" id="{E7F11A69-B214-439E-84C8-E77C6C6B5D71}"/>
+                    </a:ext>
+                  </a:extLst>
+                </p:cNvPr>
+                <p:cNvPicPr/>
+                <p:nvPr/>
+              </p:nvPicPr>
+              <p:blipFill>
+                <a:blip r:embed="rId27"/>
+                <a:stretch>
+                  <a:fillRect/>
+                </a:stretch>
+              </p:blipFill>
+              <p:spPr>
+                <a:xfrm>
+                  <a:off x="3021745" y="2239749"/>
+                  <a:ext cx="149400" cy="133560"/>
+                </a:xfrm>
+                <a:prstGeom prst="rect">
+                  <a:avLst/>
+                </a:prstGeom>
+              </p:spPr>
+            </p:pic>
+          </mc:Fallback>
+        </mc:AlternateContent>
+        <mc:AlternateContent xmlns:mc="http://schemas.openxmlformats.org/markup-compatibility/2006">
+          <mc:Choice xmlns:p14="http://schemas.microsoft.com/office/powerpoint/2010/main" Requires="p14">
+            <p:contentPart p14:bwMode="auto" r:id="rId28">
+              <p14:nvContentPartPr>
+                <p14:cNvPr id="48" name="Ink 47">
+                  <a:extLst>
+                    <a:ext uri="{FF2B5EF4-FFF2-40B4-BE49-F238E27FC236}">
+                      <a16:creationId xmlns:a16="http://schemas.microsoft.com/office/drawing/2014/main" id="{184E3897-F2CB-4AD7-A304-D3EDAF06A213}"/>
+                    </a:ext>
+                  </a:extLst>
+                </p14:cNvPr>
+                <p14:cNvContentPartPr/>
+                <p14:nvPr/>
+              </p14:nvContentPartPr>
+              <p14:xfrm>
+                <a:off x="3185905" y="2272509"/>
+                <a:ext cx="84960" cy="243360"/>
+              </p14:xfrm>
+            </p:contentPart>
+          </mc:Choice>
+          <mc:Fallback>
+            <p:pic>
+              <p:nvPicPr>
+                <p:cNvPr id="48" name="Ink 47">
+                  <a:extLst>
+                    <a:ext uri="{FF2B5EF4-FFF2-40B4-BE49-F238E27FC236}">
+                      <a16:creationId xmlns:a16="http://schemas.microsoft.com/office/drawing/2014/main" id="{184E3897-F2CB-4AD7-A304-D3EDAF06A213}"/>
+                    </a:ext>
+                  </a:extLst>
+                </p:cNvPr>
+                <p:cNvPicPr/>
+                <p:nvPr/>
+              </p:nvPicPr>
+              <p:blipFill>
+                <a:blip r:embed="rId29"/>
+                <a:stretch>
+                  <a:fillRect/>
+                </a:stretch>
+              </p:blipFill>
+              <p:spPr>
+                <a:xfrm>
+                  <a:off x="3177265" y="2263869"/>
+                  <a:ext cx="102600" cy="261000"/>
+                </a:xfrm>
+                <a:prstGeom prst="rect">
+                  <a:avLst/>
+                </a:prstGeom>
+              </p:spPr>
+            </p:pic>
+          </mc:Fallback>
+        </mc:AlternateContent>
+      </p:grpSp>
+      <p:grpSp>
+        <p:nvGrpSpPr>
+          <p:cNvPr id="74" name="Group 73">
+            <a:extLst>
+              <a:ext uri="{FF2B5EF4-FFF2-40B4-BE49-F238E27FC236}">
+                <a16:creationId xmlns:a16="http://schemas.microsoft.com/office/drawing/2014/main" id="{E99D0B4A-21A9-43CE-81F5-AB7E3B5A0CC6}"/>
+              </a:ext>
+            </a:extLst>
+          </p:cNvPr>
+          <p:cNvGrpSpPr/>
+          <p:nvPr/>
+        </p:nvGrpSpPr>
+        <p:grpSpPr>
+          <a:xfrm>
+            <a:off x="4562185" y="1994589"/>
+            <a:ext cx="1801800" cy="1108800"/>
+            <a:chOff x="4562185" y="1994589"/>
+            <a:chExt cx="1801800" cy="1108800"/>
+          </a:xfrm>
+        </p:grpSpPr>
+        <mc:AlternateContent xmlns:mc="http://schemas.openxmlformats.org/markup-compatibility/2006">
+          <mc:Choice xmlns:p14="http://schemas.microsoft.com/office/powerpoint/2010/main" Requires="p14">
+            <p:contentPart p14:bwMode="auto" r:id="rId30">
+              <p14:nvContentPartPr>
+                <p14:cNvPr id="51" name="Ink 50">
+                  <a:extLst>
+                    <a:ext uri="{FF2B5EF4-FFF2-40B4-BE49-F238E27FC236}">
+                      <a16:creationId xmlns:a16="http://schemas.microsoft.com/office/drawing/2014/main" id="{24AF4E2B-FF68-4680-968D-57CEA0F30FD1}"/>
+                    </a:ext>
+                  </a:extLst>
+                </p14:cNvPr>
+                <p14:cNvContentPartPr/>
+                <p14:nvPr/>
+              </p14:nvContentPartPr>
+              <p14:xfrm>
+                <a:off x="4562185" y="2034549"/>
+                <a:ext cx="1043280" cy="1068840"/>
+              </p14:xfrm>
+            </p:contentPart>
+          </mc:Choice>
+          <mc:Fallback>
+            <p:pic>
+              <p:nvPicPr>
+                <p:cNvPr id="51" name="Ink 50">
+                  <a:extLst>
+                    <a:ext uri="{FF2B5EF4-FFF2-40B4-BE49-F238E27FC236}">
+                      <a16:creationId xmlns:a16="http://schemas.microsoft.com/office/drawing/2014/main" id="{24AF4E2B-FF68-4680-968D-57CEA0F30FD1}"/>
+                    </a:ext>
+                  </a:extLst>
+                </p:cNvPr>
+                <p:cNvPicPr/>
+                <p:nvPr/>
+              </p:nvPicPr>
+              <p:blipFill>
+                <a:blip r:embed="rId31"/>
+                <a:stretch>
+                  <a:fillRect/>
+                </a:stretch>
+              </p:blipFill>
+              <p:spPr>
+                <a:xfrm>
+                  <a:off x="4553545" y="2025909"/>
+                  <a:ext cx="1060920" cy="1086480"/>
+                </a:xfrm>
+                <a:prstGeom prst="rect">
+                  <a:avLst/>
+                </a:prstGeom>
+              </p:spPr>
+            </p:pic>
+          </mc:Fallback>
+        </mc:AlternateContent>
+        <mc:AlternateContent xmlns:mc="http://schemas.openxmlformats.org/markup-compatibility/2006">
+          <mc:Choice xmlns:p14="http://schemas.microsoft.com/office/powerpoint/2010/main" Requires="p14">
+            <p:contentPart p14:bwMode="auto" r:id="rId32">
+              <p14:nvContentPartPr>
+                <p14:cNvPr id="52" name="Ink 51">
+                  <a:extLst>
+                    <a:ext uri="{FF2B5EF4-FFF2-40B4-BE49-F238E27FC236}">
+                      <a16:creationId xmlns:a16="http://schemas.microsoft.com/office/drawing/2014/main" id="{E2CDDA03-17CA-44FF-BA29-324144E590D3}"/>
+                    </a:ext>
+                  </a:extLst>
+                </p14:cNvPr>
+                <p14:cNvContentPartPr/>
+                <p14:nvPr/>
+              </p14:nvContentPartPr>
+              <p14:xfrm>
+                <a:off x="5467585" y="1994589"/>
+                <a:ext cx="201240" cy="162000"/>
+              </p14:xfrm>
+            </p:contentPart>
+          </mc:Choice>
+          <mc:Fallback>
+            <p:pic>
+              <p:nvPicPr>
+                <p:cNvPr id="52" name="Ink 51">
+                  <a:extLst>
+                    <a:ext uri="{FF2B5EF4-FFF2-40B4-BE49-F238E27FC236}">
+                      <a16:creationId xmlns:a16="http://schemas.microsoft.com/office/drawing/2014/main" id="{E2CDDA03-17CA-44FF-BA29-324144E590D3}"/>
+                    </a:ext>
+                  </a:extLst>
+                </p:cNvPr>
+                <p:cNvPicPr/>
+                <p:nvPr/>
+              </p:nvPicPr>
+              <p:blipFill>
+                <a:blip r:embed="rId33"/>
+                <a:stretch>
+                  <a:fillRect/>
+                </a:stretch>
+              </p:blipFill>
+              <p:spPr>
+                <a:xfrm>
+                  <a:off x="5458585" y="1985949"/>
+                  <a:ext cx="218880" cy="179640"/>
+                </a:xfrm>
+                <a:prstGeom prst="rect">
+                  <a:avLst/>
+                </a:prstGeom>
+              </p:spPr>
+            </p:pic>
+          </mc:Fallback>
+        </mc:AlternateContent>
+        <mc:AlternateContent xmlns:mc="http://schemas.openxmlformats.org/markup-compatibility/2006">
+          <mc:Choice xmlns:p14="http://schemas.microsoft.com/office/powerpoint/2010/main" Requires="p14">
+            <p:contentPart p14:bwMode="auto" r:id="rId34">
+              <p14:nvContentPartPr>
+                <p14:cNvPr id="54" name="Ink 53">
+                  <a:extLst>
+                    <a:ext uri="{FF2B5EF4-FFF2-40B4-BE49-F238E27FC236}">
+                      <a16:creationId xmlns:a16="http://schemas.microsoft.com/office/drawing/2014/main" id="{E4923F56-DF20-44B2-A8C4-A0651E948BEC}"/>
+                    </a:ext>
+                  </a:extLst>
+                </p14:cNvPr>
+                <p14:cNvContentPartPr/>
+                <p14:nvPr/>
+              </p14:nvContentPartPr>
+              <p14:xfrm>
+                <a:off x="5345185" y="2413989"/>
+                <a:ext cx="226080" cy="293400"/>
+              </p14:xfrm>
+            </p:contentPart>
+          </mc:Choice>
+          <mc:Fallback>
+            <p:pic>
+              <p:nvPicPr>
+                <p:cNvPr id="54" name="Ink 53">
+                  <a:extLst>
+                    <a:ext uri="{FF2B5EF4-FFF2-40B4-BE49-F238E27FC236}">
+                      <a16:creationId xmlns:a16="http://schemas.microsoft.com/office/drawing/2014/main" id="{E4923F56-DF20-44B2-A8C4-A0651E948BEC}"/>
+                    </a:ext>
+                  </a:extLst>
+                </p:cNvPr>
+                <p:cNvPicPr/>
+                <p:nvPr/>
+              </p:nvPicPr>
+              <p:blipFill>
+                <a:blip r:embed="rId35"/>
+                <a:stretch>
+                  <a:fillRect/>
+                </a:stretch>
+              </p:blipFill>
+              <p:spPr>
+                <a:xfrm>
+                  <a:off x="5336545" y="2405349"/>
+                  <a:ext cx="243720" cy="311040"/>
+                </a:xfrm>
+                <a:prstGeom prst="rect">
+                  <a:avLst/>
+                </a:prstGeom>
+              </p:spPr>
+            </p:pic>
+          </mc:Fallback>
+        </mc:AlternateContent>
+        <mc:AlternateContent xmlns:mc="http://schemas.openxmlformats.org/markup-compatibility/2006">
+          <mc:Choice xmlns:p14="http://schemas.microsoft.com/office/powerpoint/2010/main" Requires="p14">
+            <p:contentPart p14:bwMode="auto" r:id="rId36">
+              <p14:nvContentPartPr>
+                <p14:cNvPr id="55" name="Ink 54">
+                  <a:extLst>
+                    <a:ext uri="{FF2B5EF4-FFF2-40B4-BE49-F238E27FC236}">
+                      <a16:creationId xmlns:a16="http://schemas.microsoft.com/office/drawing/2014/main" id="{2A1E685E-6F0B-4B9D-A15D-8B114DE833A3}"/>
+                    </a:ext>
+                  </a:extLst>
+                </p14:cNvPr>
+                <p14:cNvContentPartPr/>
+                <p14:nvPr/>
+              </p14:nvContentPartPr>
+              <p14:xfrm>
+                <a:off x="5632825" y="2318229"/>
+                <a:ext cx="86400" cy="348480"/>
+              </p14:xfrm>
+            </p:contentPart>
+          </mc:Choice>
+          <mc:Fallback>
+            <p:pic>
+              <p:nvPicPr>
+                <p:cNvPr id="55" name="Ink 54">
+                  <a:extLst>
+                    <a:ext uri="{FF2B5EF4-FFF2-40B4-BE49-F238E27FC236}">
+                      <a16:creationId xmlns:a16="http://schemas.microsoft.com/office/drawing/2014/main" id="{2A1E685E-6F0B-4B9D-A15D-8B114DE833A3}"/>
+                    </a:ext>
+                  </a:extLst>
+                </p:cNvPr>
+                <p:cNvPicPr/>
+                <p:nvPr/>
+              </p:nvPicPr>
+              <p:blipFill>
+                <a:blip r:embed="rId37"/>
+                <a:stretch>
+                  <a:fillRect/>
+                </a:stretch>
+              </p:blipFill>
+              <p:spPr>
+                <a:xfrm>
+                  <a:off x="5624185" y="2309229"/>
+                  <a:ext cx="104040" cy="366120"/>
+                </a:xfrm>
+                <a:prstGeom prst="rect">
+                  <a:avLst/>
+                </a:prstGeom>
+              </p:spPr>
+            </p:pic>
+          </mc:Fallback>
+        </mc:AlternateContent>
+        <mc:AlternateContent xmlns:mc="http://schemas.openxmlformats.org/markup-compatibility/2006">
+          <mc:Choice xmlns:p14="http://schemas.microsoft.com/office/powerpoint/2010/main" Requires="p14">
+            <p:contentPart p14:bwMode="auto" r:id="rId38">
+              <p14:nvContentPartPr>
+                <p14:cNvPr id="56" name="Ink 55">
+                  <a:extLst>
+                    <a:ext uri="{FF2B5EF4-FFF2-40B4-BE49-F238E27FC236}">
+                      <a16:creationId xmlns:a16="http://schemas.microsoft.com/office/drawing/2014/main" id="{B2199DC7-B293-44EE-91E0-5D86D91EB391}"/>
+                    </a:ext>
+                  </a:extLst>
+                </p14:cNvPr>
+                <p14:cNvContentPartPr/>
+                <p14:nvPr/>
+              </p14:nvContentPartPr>
+              <p14:xfrm>
+                <a:off x="5735425" y="2465829"/>
+                <a:ext cx="123120" cy="109800"/>
+              </p14:xfrm>
+            </p:contentPart>
+          </mc:Choice>
+          <mc:Fallback>
+            <p:pic>
+              <p:nvPicPr>
+                <p:cNvPr id="56" name="Ink 55">
+                  <a:extLst>
+                    <a:ext uri="{FF2B5EF4-FFF2-40B4-BE49-F238E27FC236}">
+                      <a16:creationId xmlns:a16="http://schemas.microsoft.com/office/drawing/2014/main" id="{B2199DC7-B293-44EE-91E0-5D86D91EB391}"/>
+                    </a:ext>
+                  </a:extLst>
+                </p:cNvPr>
+                <p:cNvPicPr/>
+                <p:nvPr/>
+              </p:nvPicPr>
+              <p:blipFill>
+                <a:blip r:embed="rId39"/>
+                <a:stretch>
+                  <a:fillRect/>
+                </a:stretch>
+              </p:blipFill>
+              <p:spPr>
+                <a:xfrm>
+                  <a:off x="5726785" y="2457189"/>
+                  <a:ext cx="140760" cy="127440"/>
+                </a:xfrm>
+                <a:prstGeom prst="rect">
+                  <a:avLst/>
+                </a:prstGeom>
+              </p:spPr>
+            </p:pic>
+          </mc:Fallback>
+        </mc:AlternateContent>
+        <mc:AlternateContent xmlns:mc="http://schemas.openxmlformats.org/markup-compatibility/2006">
+          <mc:Choice xmlns:p14="http://schemas.microsoft.com/office/powerpoint/2010/main" Requires="p14">
+            <p:contentPart p14:bwMode="auto" r:id="rId40">
+              <p14:nvContentPartPr>
+                <p14:cNvPr id="57" name="Ink 56">
+                  <a:extLst>
+                    <a:ext uri="{FF2B5EF4-FFF2-40B4-BE49-F238E27FC236}">
+                      <a16:creationId xmlns:a16="http://schemas.microsoft.com/office/drawing/2014/main" id="{35672711-E5A6-49E2-B9A3-2A3E560A3FC0}"/>
+                    </a:ext>
+                  </a:extLst>
+                </p14:cNvPr>
+                <p14:cNvContentPartPr/>
+                <p14:nvPr/>
+              </p14:nvContentPartPr>
+              <p14:xfrm>
+                <a:off x="5836945" y="2356389"/>
+                <a:ext cx="99720" cy="69120"/>
+              </p14:xfrm>
+            </p:contentPart>
+          </mc:Choice>
+          <mc:Fallback>
+            <p:pic>
+              <p:nvPicPr>
+                <p:cNvPr id="57" name="Ink 56">
+                  <a:extLst>
+                    <a:ext uri="{FF2B5EF4-FFF2-40B4-BE49-F238E27FC236}">
+                      <a16:creationId xmlns:a16="http://schemas.microsoft.com/office/drawing/2014/main" id="{35672711-E5A6-49E2-B9A3-2A3E560A3FC0}"/>
+                    </a:ext>
+                  </a:extLst>
+                </p:cNvPr>
+                <p:cNvPicPr/>
+                <p:nvPr/>
+              </p:nvPicPr>
+              <p:blipFill>
+                <a:blip r:embed="rId41"/>
+                <a:stretch>
+                  <a:fillRect/>
+                </a:stretch>
+              </p:blipFill>
+              <p:spPr>
+                <a:xfrm>
+                  <a:off x="5828305" y="2347389"/>
+                  <a:ext cx="117360" cy="86760"/>
+                </a:xfrm>
+                <a:prstGeom prst="rect">
+                  <a:avLst/>
+                </a:prstGeom>
+              </p:spPr>
+            </p:pic>
+          </mc:Fallback>
+        </mc:AlternateContent>
+        <mc:AlternateContent xmlns:mc="http://schemas.openxmlformats.org/markup-compatibility/2006">
+          <mc:Choice xmlns:p14="http://schemas.microsoft.com/office/powerpoint/2010/main" Requires="p14">
+            <p:contentPart p14:bwMode="auto" r:id="rId42">
+              <p14:nvContentPartPr>
+                <p14:cNvPr id="58" name="Ink 57">
+                  <a:extLst>
+                    <a:ext uri="{FF2B5EF4-FFF2-40B4-BE49-F238E27FC236}">
+                      <a16:creationId xmlns:a16="http://schemas.microsoft.com/office/drawing/2014/main" id="{5A446680-F4F1-40FB-8AA2-B1047061ECEF}"/>
+                    </a:ext>
+                  </a:extLst>
+                </p14:cNvPr>
+                <p14:cNvContentPartPr/>
+                <p14:nvPr/>
+              </p14:nvContentPartPr>
+              <p14:xfrm>
+                <a:off x="5938825" y="2281149"/>
+                <a:ext cx="87480" cy="287640"/>
+              </p14:xfrm>
+            </p:contentPart>
+          </mc:Choice>
+          <mc:Fallback>
+            <p:pic>
+              <p:nvPicPr>
+                <p:cNvPr id="58" name="Ink 57">
+                  <a:extLst>
+                    <a:ext uri="{FF2B5EF4-FFF2-40B4-BE49-F238E27FC236}">
+                      <a16:creationId xmlns:a16="http://schemas.microsoft.com/office/drawing/2014/main" id="{5A446680-F4F1-40FB-8AA2-B1047061ECEF}"/>
+                    </a:ext>
+                  </a:extLst>
+                </p:cNvPr>
+                <p:cNvPicPr/>
+                <p:nvPr/>
+              </p:nvPicPr>
+              <p:blipFill>
+                <a:blip r:embed="rId43"/>
+                <a:stretch>
+                  <a:fillRect/>
+                </a:stretch>
+              </p:blipFill>
+              <p:spPr>
+                <a:xfrm>
+                  <a:off x="5929825" y="2272509"/>
+                  <a:ext cx="105120" cy="305280"/>
+                </a:xfrm>
+                <a:prstGeom prst="rect">
+                  <a:avLst/>
+                </a:prstGeom>
+              </p:spPr>
+            </p:pic>
+          </mc:Fallback>
+        </mc:AlternateContent>
+        <mc:AlternateContent xmlns:mc="http://schemas.openxmlformats.org/markup-compatibility/2006">
+          <mc:Choice xmlns:p14="http://schemas.microsoft.com/office/powerpoint/2010/main" Requires="p14">
+            <p:contentPart p14:bwMode="auto" r:id="rId44">
+              <p14:nvContentPartPr>
+                <p14:cNvPr id="60" name="Ink 59">
+                  <a:extLst>
+                    <a:ext uri="{FF2B5EF4-FFF2-40B4-BE49-F238E27FC236}">
+                      <a16:creationId xmlns:a16="http://schemas.microsoft.com/office/drawing/2014/main" id="{F21D0383-D8F0-40F4-8920-AFE391806E20}"/>
+                    </a:ext>
+                  </a:extLst>
+                </p14:cNvPr>
+                <p14:cNvContentPartPr/>
+                <p14:nvPr/>
+              </p14:nvContentPartPr>
+              <p14:xfrm>
+                <a:off x="5207305" y="2836989"/>
+                <a:ext cx="75600" cy="247680"/>
+              </p14:xfrm>
+            </p:contentPart>
+          </mc:Choice>
+          <mc:Fallback>
+            <p:pic>
+              <p:nvPicPr>
+                <p:cNvPr id="60" name="Ink 59">
+                  <a:extLst>
+                    <a:ext uri="{FF2B5EF4-FFF2-40B4-BE49-F238E27FC236}">
+                      <a16:creationId xmlns:a16="http://schemas.microsoft.com/office/drawing/2014/main" id="{F21D0383-D8F0-40F4-8920-AFE391806E20}"/>
+                    </a:ext>
+                  </a:extLst>
+                </p:cNvPr>
+                <p:cNvPicPr/>
+                <p:nvPr/>
+              </p:nvPicPr>
+              <p:blipFill>
+                <a:blip r:embed="rId45"/>
+                <a:stretch>
+                  <a:fillRect/>
+                </a:stretch>
+              </p:blipFill>
+              <p:spPr>
+                <a:xfrm>
+                  <a:off x="5198665" y="2828349"/>
+                  <a:ext cx="93240" cy="265320"/>
+                </a:xfrm>
+                <a:prstGeom prst="rect">
+                  <a:avLst/>
+                </a:prstGeom>
+              </p:spPr>
+            </p:pic>
+          </mc:Fallback>
+        </mc:AlternateContent>
+        <mc:AlternateContent xmlns:mc="http://schemas.openxmlformats.org/markup-compatibility/2006">
+          <mc:Choice xmlns:p14="http://schemas.microsoft.com/office/powerpoint/2010/main" Requires="p14">
+            <p:contentPart p14:bwMode="auto" r:id="rId46">
+              <p14:nvContentPartPr>
+                <p14:cNvPr id="61" name="Ink 60">
+                  <a:extLst>
+                    <a:ext uri="{FF2B5EF4-FFF2-40B4-BE49-F238E27FC236}">
+                      <a16:creationId xmlns:a16="http://schemas.microsoft.com/office/drawing/2014/main" id="{ECFAAAC3-D088-4680-A5A7-B11F1EF01A77}"/>
+                    </a:ext>
+                  </a:extLst>
+                </p14:cNvPr>
+                <p14:cNvContentPartPr/>
+                <p14:nvPr/>
+              </p14:nvContentPartPr>
+              <p14:xfrm>
+                <a:off x="5193265" y="3028509"/>
+                <a:ext cx="99360" cy="36360"/>
+              </p14:xfrm>
+            </p:contentPart>
+          </mc:Choice>
+          <mc:Fallback>
+            <p:pic>
+              <p:nvPicPr>
+                <p:cNvPr id="61" name="Ink 60">
+                  <a:extLst>
+                    <a:ext uri="{FF2B5EF4-FFF2-40B4-BE49-F238E27FC236}">
+                      <a16:creationId xmlns:a16="http://schemas.microsoft.com/office/drawing/2014/main" id="{ECFAAAC3-D088-4680-A5A7-B11F1EF01A77}"/>
+                    </a:ext>
+                  </a:extLst>
+                </p:cNvPr>
+                <p:cNvPicPr/>
+                <p:nvPr/>
+              </p:nvPicPr>
+              <p:blipFill>
+                <a:blip r:embed="rId47"/>
+                <a:stretch>
+                  <a:fillRect/>
+                </a:stretch>
+              </p:blipFill>
+              <p:spPr>
+                <a:xfrm>
+                  <a:off x="5184265" y="3019869"/>
+                  <a:ext cx="117000" cy="54000"/>
+                </a:xfrm>
+                <a:prstGeom prst="rect">
+                  <a:avLst/>
+                </a:prstGeom>
+              </p:spPr>
+            </p:pic>
+          </mc:Fallback>
+        </mc:AlternateContent>
+        <mc:AlternateContent xmlns:mc="http://schemas.openxmlformats.org/markup-compatibility/2006">
+          <mc:Choice xmlns:p14="http://schemas.microsoft.com/office/powerpoint/2010/main" Requires="p14">
+            <p:contentPart p14:bwMode="auto" r:id="rId48">
+              <p14:nvContentPartPr>
+                <p14:cNvPr id="62" name="Ink 61">
+                  <a:extLst>
+                    <a:ext uri="{FF2B5EF4-FFF2-40B4-BE49-F238E27FC236}">
+                      <a16:creationId xmlns:a16="http://schemas.microsoft.com/office/drawing/2014/main" id="{49918F91-4EDF-41CB-A07E-A379ADAF0BD6}"/>
+                    </a:ext>
+                  </a:extLst>
+                </p14:cNvPr>
+                <p14:cNvContentPartPr/>
+                <p14:nvPr/>
+              </p14:nvContentPartPr>
+              <p14:xfrm>
+                <a:off x="5298745" y="3019149"/>
+                <a:ext cx="47880" cy="70560"/>
+              </p14:xfrm>
+            </p:contentPart>
+          </mc:Choice>
+          <mc:Fallback>
+            <p:pic>
+              <p:nvPicPr>
+                <p:cNvPr id="62" name="Ink 61">
+                  <a:extLst>
+                    <a:ext uri="{FF2B5EF4-FFF2-40B4-BE49-F238E27FC236}">
+                      <a16:creationId xmlns:a16="http://schemas.microsoft.com/office/drawing/2014/main" id="{49918F91-4EDF-41CB-A07E-A379ADAF0BD6}"/>
+                    </a:ext>
+                  </a:extLst>
+                </p:cNvPr>
+                <p:cNvPicPr/>
+                <p:nvPr/>
+              </p:nvPicPr>
+              <p:blipFill>
+                <a:blip r:embed="rId49"/>
+                <a:stretch>
+                  <a:fillRect/>
+                </a:stretch>
+              </p:blipFill>
+              <p:spPr>
+                <a:xfrm>
+                  <a:off x="5290105" y="3010509"/>
+                  <a:ext cx="65520" cy="88200"/>
+                </a:xfrm>
+                <a:prstGeom prst="rect">
+                  <a:avLst/>
+                </a:prstGeom>
+              </p:spPr>
+            </p:pic>
+          </mc:Fallback>
+        </mc:AlternateContent>
+        <mc:AlternateContent xmlns:mc="http://schemas.openxmlformats.org/markup-compatibility/2006">
+          <mc:Choice xmlns:p14="http://schemas.microsoft.com/office/powerpoint/2010/main" Requires="p14">
+            <p:contentPart p14:bwMode="auto" r:id="rId50">
+              <p14:nvContentPartPr>
+                <p14:cNvPr id="63" name="Ink 62">
+                  <a:extLst>
+                    <a:ext uri="{FF2B5EF4-FFF2-40B4-BE49-F238E27FC236}">
+                      <a16:creationId xmlns:a16="http://schemas.microsoft.com/office/drawing/2014/main" id="{184A65E0-A2C2-4C9E-B524-B5FB766968D6}"/>
+                    </a:ext>
+                  </a:extLst>
+                </p14:cNvPr>
+                <p14:cNvContentPartPr/>
+                <p14:nvPr/>
+              </p14:nvContentPartPr>
+              <p14:xfrm>
+                <a:off x="5395585" y="2919429"/>
+                <a:ext cx="18000" cy="128520"/>
+              </p14:xfrm>
+            </p:contentPart>
+          </mc:Choice>
+          <mc:Fallback>
+            <p:pic>
+              <p:nvPicPr>
+                <p:cNvPr id="63" name="Ink 62">
+                  <a:extLst>
+                    <a:ext uri="{FF2B5EF4-FFF2-40B4-BE49-F238E27FC236}">
+                      <a16:creationId xmlns:a16="http://schemas.microsoft.com/office/drawing/2014/main" id="{184A65E0-A2C2-4C9E-B524-B5FB766968D6}"/>
+                    </a:ext>
+                  </a:extLst>
+                </p:cNvPr>
+                <p:cNvPicPr/>
+                <p:nvPr/>
+              </p:nvPicPr>
+              <p:blipFill>
+                <a:blip r:embed="rId51"/>
+                <a:stretch>
+                  <a:fillRect/>
+                </a:stretch>
+              </p:blipFill>
+              <p:spPr>
+                <a:xfrm>
+                  <a:off x="5386585" y="2910789"/>
+                  <a:ext cx="35640" cy="146160"/>
+                </a:xfrm>
+                <a:prstGeom prst="rect">
+                  <a:avLst/>
+                </a:prstGeom>
+              </p:spPr>
+            </p:pic>
+          </mc:Fallback>
+        </mc:AlternateContent>
+        <mc:AlternateContent xmlns:mc="http://schemas.openxmlformats.org/markup-compatibility/2006">
+          <mc:Choice xmlns:p14="http://schemas.microsoft.com/office/powerpoint/2010/main" Requires="p14">
+            <p:contentPart p14:bwMode="auto" r:id="rId52">
+              <p14:nvContentPartPr>
+                <p14:cNvPr id="64" name="Ink 63">
+                  <a:extLst>
+                    <a:ext uri="{FF2B5EF4-FFF2-40B4-BE49-F238E27FC236}">
+                      <a16:creationId xmlns:a16="http://schemas.microsoft.com/office/drawing/2014/main" id="{71692F4F-5C5C-4CD8-B454-7FB02253589E}"/>
+                    </a:ext>
+                  </a:extLst>
+                </p14:cNvPr>
+                <p14:cNvContentPartPr/>
+                <p14:nvPr/>
+              </p14:nvContentPartPr>
+              <p14:xfrm>
+                <a:off x="5596825" y="2853549"/>
+                <a:ext cx="41400" cy="190800"/>
+              </p14:xfrm>
+            </p:contentPart>
+          </mc:Choice>
+          <mc:Fallback>
+            <p:pic>
+              <p:nvPicPr>
+                <p:cNvPr id="64" name="Ink 63">
+                  <a:extLst>
+                    <a:ext uri="{FF2B5EF4-FFF2-40B4-BE49-F238E27FC236}">
+                      <a16:creationId xmlns:a16="http://schemas.microsoft.com/office/drawing/2014/main" id="{71692F4F-5C5C-4CD8-B454-7FB02253589E}"/>
+                    </a:ext>
+                  </a:extLst>
+                </p:cNvPr>
+                <p:cNvPicPr/>
+                <p:nvPr/>
+              </p:nvPicPr>
+              <p:blipFill>
+                <a:blip r:embed="rId53"/>
+                <a:stretch>
+                  <a:fillRect/>
+                </a:stretch>
+              </p:blipFill>
+              <p:spPr>
+                <a:xfrm>
+                  <a:off x="5588185" y="2844549"/>
+                  <a:ext cx="59040" cy="208440"/>
+                </a:xfrm>
+                <a:prstGeom prst="rect">
+                  <a:avLst/>
+                </a:prstGeom>
+              </p:spPr>
+            </p:pic>
+          </mc:Fallback>
+        </mc:AlternateContent>
+        <mc:AlternateContent xmlns:mc="http://schemas.openxmlformats.org/markup-compatibility/2006">
+          <mc:Choice xmlns:p14="http://schemas.microsoft.com/office/powerpoint/2010/main" Requires="p14">
+            <p:contentPart p14:bwMode="auto" r:id="rId54">
+              <p14:nvContentPartPr>
+                <p14:cNvPr id="65" name="Ink 64">
+                  <a:extLst>
+                    <a:ext uri="{FF2B5EF4-FFF2-40B4-BE49-F238E27FC236}">
+                      <a16:creationId xmlns:a16="http://schemas.microsoft.com/office/drawing/2014/main" id="{CEA41633-DFAC-4CA5-8396-83B9059A0808}"/>
+                    </a:ext>
+                  </a:extLst>
+                </p14:cNvPr>
+                <p14:cNvContentPartPr/>
+                <p14:nvPr/>
+              </p14:nvContentPartPr>
+              <p14:xfrm>
+                <a:off x="5661625" y="2946069"/>
+                <a:ext cx="9720" cy="72720"/>
+              </p14:xfrm>
+            </p:contentPart>
+          </mc:Choice>
+          <mc:Fallback>
+            <p:pic>
+              <p:nvPicPr>
+                <p:cNvPr id="65" name="Ink 64">
+                  <a:extLst>
+                    <a:ext uri="{FF2B5EF4-FFF2-40B4-BE49-F238E27FC236}">
+                      <a16:creationId xmlns:a16="http://schemas.microsoft.com/office/drawing/2014/main" id="{CEA41633-DFAC-4CA5-8396-83B9059A0808}"/>
+                    </a:ext>
+                  </a:extLst>
+                </p:cNvPr>
+                <p:cNvPicPr/>
+                <p:nvPr/>
+              </p:nvPicPr>
+              <p:blipFill>
+                <a:blip r:embed="rId55"/>
+                <a:stretch>
+                  <a:fillRect/>
+                </a:stretch>
+              </p:blipFill>
+              <p:spPr>
+                <a:xfrm>
+                  <a:off x="5652625" y="2937429"/>
+                  <a:ext cx="27360" cy="90360"/>
+                </a:xfrm>
+                <a:prstGeom prst="rect">
+                  <a:avLst/>
+                </a:prstGeom>
+              </p:spPr>
+            </p:pic>
+          </mc:Fallback>
+        </mc:AlternateContent>
+        <mc:AlternateContent xmlns:mc="http://schemas.openxmlformats.org/markup-compatibility/2006">
+          <mc:Choice xmlns:p14="http://schemas.microsoft.com/office/powerpoint/2010/main" Requires="p14">
+            <p:contentPart p14:bwMode="auto" r:id="rId56">
+              <p14:nvContentPartPr>
+                <p14:cNvPr id="66" name="Ink 65">
+                  <a:extLst>
+                    <a:ext uri="{FF2B5EF4-FFF2-40B4-BE49-F238E27FC236}">
+                      <a16:creationId xmlns:a16="http://schemas.microsoft.com/office/drawing/2014/main" id="{0B4E15ED-C417-489C-97BA-FDB1744A5BF0}"/>
+                    </a:ext>
+                  </a:extLst>
+                </p14:cNvPr>
+                <p14:cNvContentPartPr/>
+                <p14:nvPr/>
+              </p14:nvContentPartPr>
+              <p14:xfrm>
+                <a:off x="5652625" y="2843109"/>
+                <a:ext cx="3960" cy="20160"/>
+              </p14:xfrm>
+            </p:contentPart>
+          </mc:Choice>
+          <mc:Fallback>
+            <p:pic>
+              <p:nvPicPr>
+                <p:cNvPr id="66" name="Ink 65">
+                  <a:extLst>
+                    <a:ext uri="{FF2B5EF4-FFF2-40B4-BE49-F238E27FC236}">
+                      <a16:creationId xmlns:a16="http://schemas.microsoft.com/office/drawing/2014/main" id="{0B4E15ED-C417-489C-97BA-FDB1744A5BF0}"/>
+                    </a:ext>
+                  </a:extLst>
+                </p:cNvPr>
+                <p:cNvPicPr/>
+                <p:nvPr/>
+              </p:nvPicPr>
+              <p:blipFill>
+                <a:blip r:embed="rId57"/>
+                <a:stretch>
+                  <a:fillRect/>
+                </a:stretch>
+              </p:blipFill>
+              <p:spPr>
+                <a:xfrm>
+                  <a:off x="5643625" y="2834469"/>
+                  <a:ext cx="21600" cy="37800"/>
+                </a:xfrm>
+                <a:prstGeom prst="rect">
+                  <a:avLst/>
+                </a:prstGeom>
+              </p:spPr>
+            </p:pic>
+          </mc:Fallback>
+        </mc:AlternateContent>
+        <mc:AlternateContent xmlns:mc="http://schemas.openxmlformats.org/markup-compatibility/2006">
+          <mc:Choice xmlns:p14="http://schemas.microsoft.com/office/powerpoint/2010/main" Requires="p14">
+            <p:contentPart p14:bwMode="auto" r:id="rId58">
+              <p14:nvContentPartPr>
+                <p14:cNvPr id="67" name="Ink 66">
+                  <a:extLst>
+                    <a:ext uri="{FF2B5EF4-FFF2-40B4-BE49-F238E27FC236}">
+                      <a16:creationId xmlns:a16="http://schemas.microsoft.com/office/drawing/2014/main" id="{66221345-5E3F-4C7A-A2D8-5740272D0293}"/>
+                    </a:ext>
+                  </a:extLst>
+                </p14:cNvPr>
+                <p14:cNvContentPartPr/>
+                <p14:nvPr/>
+              </p14:nvContentPartPr>
+              <p14:xfrm>
+                <a:off x="5688985" y="2807469"/>
+                <a:ext cx="115200" cy="200160"/>
+              </p14:xfrm>
+            </p:contentPart>
+          </mc:Choice>
+          <mc:Fallback>
+            <p:pic>
+              <p:nvPicPr>
+                <p:cNvPr id="67" name="Ink 66">
+                  <a:extLst>
+                    <a:ext uri="{FF2B5EF4-FFF2-40B4-BE49-F238E27FC236}">
+                      <a16:creationId xmlns:a16="http://schemas.microsoft.com/office/drawing/2014/main" id="{66221345-5E3F-4C7A-A2D8-5740272D0293}"/>
+                    </a:ext>
+                  </a:extLst>
+                </p:cNvPr>
+                <p:cNvPicPr/>
+                <p:nvPr/>
+              </p:nvPicPr>
+              <p:blipFill>
+                <a:blip r:embed="rId59"/>
+                <a:stretch>
+                  <a:fillRect/>
+                </a:stretch>
+              </p:blipFill>
+              <p:spPr>
+                <a:xfrm>
+                  <a:off x="5680345" y="2798829"/>
+                  <a:ext cx="132840" cy="217800"/>
+                </a:xfrm>
+                <a:prstGeom prst="rect">
+                  <a:avLst/>
+                </a:prstGeom>
+              </p:spPr>
+            </p:pic>
+          </mc:Fallback>
+        </mc:AlternateContent>
+        <mc:AlternateContent xmlns:mc="http://schemas.openxmlformats.org/markup-compatibility/2006">
+          <mc:Choice xmlns:p14="http://schemas.microsoft.com/office/powerpoint/2010/main" Requires="p14">
+            <p:contentPart p14:bwMode="auto" r:id="rId60">
+              <p14:nvContentPartPr>
+                <p14:cNvPr id="68" name="Ink 67">
+                  <a:extLst>
+                    <a:ext uri="{FF2B5EF4-FFF2-40B4-BE49-F238E27FC236}">
+                      <a16:creationId xmlns:a16="http://schemas.microsoft.com/office/drawing/2014/main" id="{686CBB6F-EECA-42B7-A565-41998A70FEFA}"/>
+                    </a:ext>
+                  </a:extLst>
+                </p14:cNvPr>
+                <p14:cNvContentPartPr/>
+                <p14:nvPr/>
+              </p14:nvContentPartPr>
+              <p14:xfrm>
+                <a:off x="5826505" y="2739429"/>
+                <a:ext cx="160200" cy="205200"/>
+              </p14:xfrm>
+            </p:contentPart>
+          </mc:Choice>
+          <mc:Fallback>
+            <p:pic>
+              <p:nvPicPr>
+                <p:cNvPr id="68" name="Ink 67">
+                  <a:extLst>
+                    <a:ext uri="{FF2B5EF4-FFF2-40B4-BE49-F238E27FC236}">
+                      <a16:creationId xmlns:a16="http://schemas.microsoft.com/office/drawing/2014/main" id="{686CBB6F-EECA-42B7-A565-41998A70FEFA}"/>
+                    </a:ext>
+                  </a:extLst>
+                </p:cNvPr>
+                <p:cNvPicPr/>
+                <p:nvPr/>
+              </p:nvPicPr>
+              <p:blipFill>
+                <a:blip r:embed="rId61"/>
+                <a:stretch>
+                  <a:fillRect/>
+                </a:stretch>
+              </p:blipFill>
+              <p:spPr>
+                <a:xfrm>
+                  <a:off x="5817505" y="2730789"/>
+                  <a:ext cx="177840" cy="222840"/>
+                </a:xfrm>
+                <a:prstGeom prst="rect">
+                  <a:avLst/>
+                </a:prstGeom>
+              </p:spPr>
+            </p:pic>
+          </mc:Fallback>
+        </mc:AlternateContent>
+        <mc:AlternateContent xmlns:mc="http://schemas.openxmlformats.org/markup-compatibility/2006">
+          <mc:Choice xmlns:p14="http://schemas.microsoft.com/office/powerpoint/2010/main" Requires="p14">
+            <p:contentPart p14:bwMode="auto" r:id="rId62">
+              <p14:nvContentPartPr>
+                <p14:cNvPr id="69" name="Ink 68">
+                  <a:extLst>
+                    <a:ext uri="{FF2B5EF4-FFF2-40B4-BE49-F238E27FC236}">
+                      <a16:creationId xmlns:a16="http://schemas.microsoft.com/office/drawing/2014/main" id="{BB74C05B-7CEA-428A-94B6-7C6E4CE98F52}"/>
+                    </a:ext>
+                  </a:extLst>
+                </p14:cNvPr>
+                <p14:cNvContentPartPr/>
+                <p14:nvPr/>
+              </p14:nvContentPartPr>
+              <p14:xfrm>
+                <a:off x="6086425" y="2622789"/>
+                <a:ext cx="43560" cy="221760"/>
+              </p14:xfrm>
+            </p:contentPart>
+          </mc:Choice>
+          <mc:Fallback>
+            <p:pic>
+              <p:nvPicPr>
+                <p:cNvPr id="69" name="Ink 68">
+                  <a:extLst>
+                    <a:ext uri="{FF2B5EF4-FFF2-40B4-BE49-F238E27FC236}">
+                      <a16:creationId xmlns:a16="http://schemas.microsoft.com/office/drawing/2014/main" id="{BB74C05B-7CEA-428A-94B6-7C6E4CE98F52}"/>
+                    </a:ext>
+                  </a:extLst>
+                </p:cNvPr>
+                <p:cNvPicPr/>
+                <p:nvPr/>
+              </p:nvPicPr>
+              <p:blipFill>
+                <a:blip r:embed="rId63"/>
+                <a:stretch>
+                  <a:fillRect/>
+                </a:stretch>
+              </p:blipFill>
+              <p:spPr>
+                <a:xfrm>
+                  <a:off x="6077425" y="2614149"/>
+                  <a:ext cx="61200" cy="239400"/>
+                </a:xfrm>
+                <a:prstGeom prst="rect">
+                  <a:avLst/>
+                </a:prstGeom>
+              </p:spPr>
+            </p:pic>
+          </mc:Fallback>
+        </mc:AlternateContent>
+        <mc:AlternateContent xmlns:mc="http://schemas.openxmlformats.org/markup-compatibility/2006">
+          <mc:Choice xmlns:p14="http://schemas.microsoft.com/office/powerpoint/2010/main" Requires="p14">
+            <p:contentPart p14:bwMode="auto" r:id="rId64">
+              <p14:nvContentPartPr>
+                <p14:cNvPr id="70" name="Ink 69">
+                  <a:extLst>
+                    <a:ext uri="{FF2B5EF4-FFF2-40B4-BE49-F238E27FC236}">
+                      <a16:creationId xmlns:a16="http://schemas.microsoft.com/office/drawing/2014/main" id="{3388E08A-27B6-470F-A916-B2B05468B2C8}"/>
+                    </a:ext>
+                  </a:extLst>
+                </p14:cNvPr>
+                <p14:cNvContentPartPr/>
+                <p14:nvPr/>
+              </p14:nvContentPartPr>
+              <p14:xfrm>
+                <a:off x="6150865" y="2703789"/>
+                <a:ext cx="28080" cy="103320"/>
+              </p14:xfrm>
+            </p:contentPart>
+          </mc:Choice>
+          <mc:Fallback>
+            <p:pic>
+              <p:nvPicPr>
+                <p:cNvPr id="70" name="Ink 69">
+                  <a:extLst>
+                    <a:ext uri="{FF2B5EF4-FFF2-40B4-BE49-F238E27FC236}">
+                      <a16:creationId xmlns:a16="http://schemas.microsoft.com/office/drawing/2014/main" id="{3388E08A-27B6-470F-A916-B2B05468B2C8}"/>
+                    </a:ext>
+                  </a:extLst>
+                </p:cNvPr>
+                <p:cNvPicPr/>
+                <p:nvPr/>
+              </p:nvPicPr>
+              <p:blipFill>
+                <a:blip r:embed="rId65"/>
+                <a:stretch>
+                  <a:fillRect/>
+                </a:stretch>
+              </p:blipFill>
+              <p:spPr>
+                <a:xfrm>
+                  <a:off x="6142225" y="2695149"/>
+                  <a:ext cx="45720" cy="120960"/>
+                </a:xfrm>
+                <a:prstGeom prst="rect">
+                  <a:avLst/>
+                </a:prstGeom>
+              </p:spPr>
+            </p:pic>
+          </mc:Fallback>
+        </mc:AlternateContent>
+        <mc:AlternateContent xmlns:mc="http://schemas.openxmlformats.org/markup-compatibility/2006">
+          <mc:Choice xmlns:p14="http://schemas.microsoft.com/office/powerpoint/2010/main" Requires="p14">
+            <p:contentPart p14:bwMode="auto" r:id="rId66">
+              <p14:nvContentPartPr>
+                <p14:cNvPr id="71" name="Ink 70">
+                  <a:extLst>
+                    <a:ext uri="{FF2B5EF4-FFF2-40B4-BE49-F238E27FC236}">
+                      <a16:creationId xmlns:a16="http://schemas.microsoft.com/office/drawing/2014/main" id="{39DFE7EC-F73C-4AB9-B7C0-E35F2D878F6D}"/>
+                    </a:ext>
+                  </a:extLst>
+                </p14:cNvPr>
+                <p14:cNvContentPartPr/>
+                <p14:nvPr/>
+              </p14:nvContentPartPr>
+              <p14:xfrm>
+                <a:off x="6160225" y="2656989"/>
+                <a:ext cx="150120" cy="163800"/>
+              </p14:xfrm>
+            </p:contentPart>
+          </mc:Choice>
+          <mc:Fallback>
+            <p:pic>
+              <p:nvPicPr>
+                <p:cNvPr id="71" name="Ink 70">
+                  <a:extLst>
+                    <a:ext uri="{FF2B5EF4-FFF2-40B4-BE49-F238E27FC236}">
+                      <a16:creationId xmlns:a16="http://schemas.microsoft.com/office/drawing/2014/main" id="{39DFE7EC-F73C-4AB9-B7C0-E35F2D878F6D}"/>
+                    </a:ext>
+                  </a:extLst>
+                </p:cNvPr>
+                <p:cNvPicPr/>
+                <p:nvPr/>
+              </p:nvPicPr>
+              <p:blipFill>
+                <a:blip r:embed="rId67"/>
+                <a:stretch>
+                  <a:fillRect/>
+                </a:stretch>
+              </p:blipFill>
+              <p:spPr>
+                <a:xfrm>
+                  <a:off x="6151585" y="2647989"/>
+                  <a:ext cx="167760" cy="181440"/>
+                </a:xfrm>
+                <a:prstGeom prst="rect">
+                  <a:avLst/>
+                </a:prstGeom>
+              </p:spPr>
+            </p:pic>
+          </mc:Fallback>
+        </mc:AlternateContent>
+        <mc:AlternateContent xmlns:mc="http://schemas.openxmlformats.org/markup-compatibility/2006">
+          <mc:Choice xmlns:p14="http://schemas.microsoft.com/office/powerpoint/2010/main" Requires="p14">
+            <p:contentPart p14:bwMode="auto" r:id="rId68">
+              <p14:nvContentPartPr>
+                <p14:cNvPr id="72" name="Ink 71">
+                  <a:extLst>
+                    <a:ext uri="{FF2B5EF4-FFF2-40B4-BE49-F238E27FC236}">
+                      <a16:creationId xmlns:a16="http://schemas.microsoft.com/office/drawing/2014/main" id="{025CBB2F-410E-4099-A2C9-9DA99A7043D1}"/>
+                    </a:ext>
+                  </a:extLst>
+                </p14:cNvPr>
+                <p14:cNvContentPartPr/>
+                <p14:nvPr/>
+              </p14:nvContentPartPr>
+              <p14:xfrm>
+                <a:off x="6262105" y="2539989"/>
+                <a:ext cx="63360" cy="221760"/>
+              </p14:xfrm>
+            </p:contentPart>
+          </mc:Choice>
+          <mc:Fallback>
+            <p:pic>
+              <p:nvPicPr>
+                <p:cNvPr id="72" name="Ink 71">
+                  <a:extLst>
+                    <a:ext uri="{FF2B5EF4-FFF2-40B4-BE49-F238E27FC236}">
+                      <a16:creationId xmlns:a16="http://schemas.microsoft.com/office/drawing/2014/main" id="{025CBB2F-410E-4099-A2C9-9DA99A7043D1}"/>
+                    </a:ext>
+                  </a:extLst>
+                </p:cNvPr>
+                <p:cNvPicPr/>
+                <p:nvPr/>
+              </p:nvPicPr>
+              <p:blipFill>
+                <a:blip r:embed="rId69"/>
+                <a:stretch>
+                  <a:fillRect/>
+                </a:stretch>
+              </p:blipFill>
+              <p:spPr>
+                <a:xfrm>
+                  <a:off x="6253105" y="2530989"/>
+                  <a:ext cx="81000" cy="239400"/>
+                </a:xfrm>
+                <a:prstGeom prst="rect">
+                  <a:avLst/>
+                </a:prstGeom>
+              </p:spPr>
+            </p:pic>
+          </mc:Fallback>
+        </mc:AlternateContent>
+        <mc:AlternateContent xmlns:mc="http://schemas.openxmlformats.org/markup-compatibility/2006">
+          <mc:Choice xmlns:p14="http://schemas.microsoft.com/office/powerpoint/2010/main" Requires="p14">
+            <p:contentPart p14:bwMode="auto" r:id="rId70">
+              <p14:nvContentPartPr>
+                <p14:cNvPr id="73" name="Ink 72">
+                  <a:extLst>
+                    <a:ext uri="{FF2B5EF4-FFF2-40B4-BE49-F238E27FC236}">
+                      <a16:creationId xmlns:a16="http://schemas.microsoft.com/office/drawing/2014/main" id="{22CCC793-0382-4C21-8D19-6635C7D77B7E}"/>
+                    </a:ext>
+                  </a:extLst>
+                </p14:cNvPr>
+                <p14:cNvContentPartPr/>
+                <p14:nvPr/>
+              </p14:nvContentPartPr>
+              <p14:xfrm>
+                <a:off x="6262465" y="2688309"/>
+                <a:ext cx="101520" cy="14760"/>
+              </p14:xfrm>
+            </p:contentPart>
+          </mc:Choice>
+          <mc:Fallback>
+            <p:pic>
+              <p:nvPicPr>
+                <p:cNvPr id="73" name="Ink 72">
+                  <a:extLst>
+                    <a:ext uri="{FF2B5EF4-FFF2-40B4-BE49-F238E27FC236}">
+                      <a16:creationId xmlns:a16="http://schemas.microsoft.com/office/drawing/2014/main" id="{22CCC793-0382-4C21-8D19-6635C7D77B7E}"/>
+                    </a:ext>
+                  </a:extLst>
+                </p:cNvPr>
+                <p:cNvPicPr/>
+                <p:nvPr/>
+              </p:nvPicPr>
+              <p:blipFill>
+                <a:blip r:embed="rId71"/>
+                <a:stretch>
+                  <a:fillRect/>
+                </a:stretch>
+              </p:blipFill>
+              <p:spPr>
+                <a:xfrm>
+                  <a:off x="6253825" y="2679669"/>
+                  <a:ext cx="119160" cy="32400"/>
+                </a:xfrm>
+                <a:prstGeom prst="rect">
+                  <a:avLst/>
+                </a:prstGeom>
+              </p:spPr>
+            </p:pic>
+          </mc:Fallback>
+        </mc:AlternateContent>
+      </p:grpSp>
+      <p:grpSp>
+        <p:nvGrpSpPr>
+          <p:cNvPr id="100" name="Group 99">
+            <a:extLst>
+              <a:ext uri="{FF2B5EF4-FFF2-40B4-BE49-F238E27FC236}">
+                <a16:creationId xmlns:a16="http://schemas.microsoft.com/office/drawing/2014/main" id="{3579834F-0B75-42CA-9D12-E468A7372226}"/>
+              </a:ext>
+            </a:extLst>
+          </p:cNvPr>
+          <p:cNvGrpSpPr/>
+          <p:nvPr/>
+        </p:nvGrpSpPr>
+        <p:grpSpPr>
+          <a:xfrm>
+            <a:off x="8823505" y="2080629"/>
+            <a:ext cx="987480" cy="1041120"/>
+            <a:chOff x="8823505" y="2080629"/>
+            <a:chExt cx="987480" cy="1041120"/>
+          </a:xfrm>
+        </p:grpSpPr>
+        <mc:AlternateContent xmlns:mc="http://schemas.openxmlformats.org/markup-compatibility/2006">
+          <mc:Choice xmlns:p14="http://schemas.microsoft.com/office/powerpoint/2010/main" Requires="p14">
+            <p:contentPart p14:bwMode="auto" r:id="rId72">
+              <p14:nvContentPartPr>
+                <p14:cNvPr id="75" name="Ink 74">
+                  <a:extLst>
+                    <a:ext uri="{FF2B5EF4-FFF2-40B4-BE49-F238E27FC236}">
+                      <a16:creationId xmlns:a16="http://schemas.microsoft.com/office/drawing/2014/main" id="{761E142A-5113-47CD-8C31-B274D6309D93}"/>
+                    </a:ext>
+                  </a:extLst>
+                </p14:cNvPr>
+                <p14:cNvContentPartPr/>
+                <p14:nvPr/>
+              </p14:nvContentPartPr>
+              <p14:xfrm>
+                <a:off x="8903785" y="2097189"/>
+                <a:ext cx="78480" cy="1024560"/>
+              </p14:xfrm>
+            </p:contentPart>
+          </mc:Choice>
+          <mc:Fallback>
+            <p:pic>
+              <p:nvPicPr>
+                <p:cNvPr id="75" name="Ink 74">
+                  <a:extLst>
+                    <a:ext uri="{FF2B5EF4-FFF2-40B4-BE49-F238E27FC236}">
+                      <a16:creationId xmlns:a16="http://schemas.microsoft.com/office/drawing/2014/main" id="{761E142A-5113-47CD-8C31-B274D6309D93}"/>
+                    </a:ext>
+                  </a:extLst>
+                </p:cNvPr>
+                <p:cNvPicPr/>
+                <p:nvPr/>
+              </p:nvPicPr>
+              <p:blipFill>
+                <a:blip r:embed="rId73"/>
+                <a:stretch>
+                  <a:fillRect/>
+                </a:stretch>
+              </p:blipFill>
+              <p:spPr>
+                <a:xfrm>
+                  <a:off x="8894785" y="2088549"/>
+                  <a:ext cx="96120" cy="1042200"/>
+                </a:xfrm>
+                <a:prstGeom prst="rect">
+                  <a:avLst/>
+                </a:prstGeom>
+              </p:spPr>
+            </p:pic>
+          </mc:Fallback>
+        </mc:AlternateContent>
+        <mc:AlternateContent xmlns:mc="http://schemas.openxmlformats.org/markup-compatibility/2006">
+          <mc:Choice xmlns:p14="http://schemas.microsoft.com/office/powerpoint/2010/main" Requires="p14">
+            <p:contentPart p14:bwMode="auto" r:id="rId74">
+              <p14:nvContentPartPr>
+                <p14:cNvPr id="76" name="Ink 75">
+                  <a:extLst>
+                    <a:ext uri="{FF2B5EF4-FFF2-40B4-BE49-F238E27FC236}">
+                      <a16:creationId xmlns:a16="http://schemas.microsoft.com/office/drawing/2014/main" id="{C0EAA93A-3CBC-4F9D-8776-482674592711}"/>
+                    </a:ext>
+                  </a:extLst>
+                </p14:cNvPr>
+                <p14:cNvContentPartPr/>
+                <p14:nvPr/>
+              </p14:nvContentPartPr>
+              <p14:xfrm>
+                <a:off x="8823505" y="2080629"/>
+                <a:ext cx="240480" cy="170280"/>
+              </p14:xfrm>
+            </p:contentPart>
+          </mc:Choice>
+          <mc:Fallback>
+            <p:pic>
+              <p:nvPicPr>
+                <p:cNvPr id="76" name="Ink 75">
+                  <a:extLst>
+                    <a:ext uri="{FF2B5EF4-FFF2-40B4-BE49-F238E27FC236}">
+                      <a16:creationId xmlns:a16="http://schemas.microsoft.com/office/drawing/2014/main" id="{C0EAA93A-3CBC-4F9D-8776-482674592711}"/>
+                    </a:ext>
+                  </a:extLst>
+                </p:cNvPr>
+                <p:cNvPicPr/>
+                <p:nvPr/>
+              </p:nvPicPr>
+              <p:blipFill>
+                <a:blip r:embed="rId75"/>
+                <a:stretch>
+                  <a:fillRect/>
+                </a:stretch>
+              </p:blipFill>
+              <p:spPr>
+                <a:xfrm>
+                  <a:off x="8814505" y="2071629"/>
+                  <a:ext cx="258120" cy="187920"/>
+                </a:xfrm>
+                <a:prstGeom prst="rect">
+                  <a:avLst/>
+                </a:prstGeom>
+              </p:spPr>
+            </p:pic>
+          </mc:Fallback>
+        </mc:AlternateContent>
+        <mc:AlternateContent xmlns:mc="http://schemas.openxmlformats.org/markup-compatibility/2006">
+          <mc:Choice xmlns:p14="http://schemas.microsoft.com/office/powerpoint/2010/main" Requires="p14">
+            <p:contentPart p14:bwMode="auto" r:id="rId76">
+              <p14:nvContentPartPr>
+                <p14:cNvPr id="77" name="Ink 76">
+                  <a:extLst>
+                    <a:ext uri="{FF2B5EF4-FFF2-40B4-BE49-F238E27FC236}">
+                      <a16:creationId xmlns:a16="http://schemas.microsoft.com/office/drawing/2014/main" id="{C88942D4-70E3-43F4-9451-C1196D753DD9}"/>
+                    </a:ext>
+                  </a:extLst>
+                </p14:cNvPr>
+                <p14:cNvContentPartPr/>
+                <p14:nvPr/>
+              </p14:nvContentPartPr>
+              <p14:xfrm>
+                <a:off x="9150385" y="2394909"/>
+                <a:ext cx="217800" cy="385560"/>
+              </p14:xfrm>
+            </p:contentPart>
+          </mc:Choice>
+          <mc:Fallback>
+            <p:pic>
+              <p:nvPicPr>
+                <p:cNvPr id="77" name="Ink 76">
+                  <a:extLst>
+                    <a:ext uri="{FF2B5EF4-FFF2-40B4-BE49-F238E27FC236}">
+                      <a16:creationId xmlns:a16="http://schemas.microsoft.com/office/drawing/2014/main" id="{C88942D4-70E3-43F4-9451-C1196D753DD9}"/>
+                    </a:ext>
+                  </a:extLst>
+                </p:cNvPr>
+                <p:cNvPicPr/>
+                <p:nvPr/>
+              </p:nvPicPr>
+              <p:blipFill>
+                <a:blip r:embed="rId77"/>
+                <a:stretch>
+                  <a:fillRect/>
+                </a:stretch>
+              </p:blipFill>
+              <p:spPr>
+                <a:xfrm>
+                  <a:off x="9141385" y="2385909"/>
+                  <a:ext cx="235440" cy="403200"/>
+                </a:xfrm>
+                <a:prstGeom prst="rect">
+                  <a:avLst/>
+                </a:prstGeom>
+              </p:spPr>
+            </p:pic>
+          </mc:Fallback>
+        </mc:AlternateContent>
+        <mc:AlternateContent xmlns:mc="http://schemas.openxmlformats.org/markup-compatibility/2006">
+          <mc:Choice xmlns:p14="http://schemas.microsoft.com/office/powerpoint/2010/main" Requires="p14">
+            <p:contentPart p14:bwMode="auto" r:id="rId78">
+              <p14:nvContentPartPr>
+                <p14:cNvPr id="79" name="Ink 78">
+                  <a:extLst>
+                    <a:ext uri="{FF2B5EF4-FFF2-40B4-BE49-F238E27FC236}">
+                      <a16:creationId xmlns:a16="http://schemas.microsoft.com/office/drawing/2014/main" id="{D3ECB71E-16A5-4682-9676-2682CCE82C0A}"/>
+                    </a:ext>
+                  </a:extLst>
+                </p14:cNvPr>
+                <p14:cNvContentPartPr/>
+                <p14:nvPr/>
+              </p14:nvContentPartPr>
+              <p14:xfrm>
+                <a:off x="9207265" y="2391669"/>
+                <a:ext cx="56880" cy="164520"/>
+              </p14:xfrm>
+            </p:contentPart>
+          </mc:Choice>
+          <mc:Fallback>
+            <p:pic>
+              <p:nvPicPr>
+                <p:cNvPr id="79" name="Ink 78">
+                  <a:extLst>
+                    <a:ext uri="{FF2B5EF4-FFF2-40B4-BE49-F238E27FC236}">
+                      <a16:creationId xmlns:a16="http://schemas.microsoft.com/office/drawing/2014/main" id="{D3ECB71E-16A5-4682-9676-2682CCE82C0A}"/>
+                    </a:ext>
+                  </a:extLst>
+                </p:cNvPr>
+                <p:cNvPicPr/>
+                <p:nvPr/>
+              </p:nvPicPr>
+              <p:blipFill>
+                <a:blip r:embed="rId79"/>
+                <a:stretch>
+                  <a:fillRect/>
+                </a:stretch>
+              </p:blipFill>
+              <p:spPr>
+                <a:xfrm>
+                  <a:off x="9198625" y="2383029"/>
+                  <a:ext cx="74520" cy="182160"/>
+                </a:xfrm>
+                <a:prstGeom prst="rect">
+                  <a:avLst/>
+                </a:prstGeom>
+              </p:spPr>
+            </p:pic>
+          </mc:Fallback>
+        </mc:AlternateContent>
+        <mc:AlternateContent xmlns:mc="http://schemas.openxmlformats.org/markup-compatibility/2006">
+          <mc:Choice xmlns:p14="http://schemas.microsoft.com/office/powerpoint/2010/main" Requires="p14">
+            <p:contentPart p14:bwMode="auto" r:id="rId80">
+              <p14:nvContentPartPr>
+                <p14:cNvPr id="80" name="Ink 79">
+                  <a:extLst>
+                    <a:ext uri="{FF2B5EF4-FFF2-40B4-BE49-F238E27FC236}">
+                      <a16:creationId xmlns:a16="http://schemas.microsoft.com/office/drawing/2014/main" id="{F0809F43-FBA9-4EB0-B857-18636122ADFA}"/>
+                    </a:ext>
+                  </a:extLst>
+                </p14:cNvPr>
+                <p14:cNvContentPartPr/>
+                <p14:nvPr/>
+              </p14:nvContentPartPr>
+              <p14:xfrm>
+                <a:off x="9472945" y="2304549"/>
+                <a:ext cx="96120" cy="441000"/>
+              </p14:xfrm>
+            </p:contentPart>
+          </mc:Choice>
+          <mc:Fallback>
+            <p:pic>
+              <p:nvPicPr>
+                <p:cNvPr id="80" name="Ink 79">
+                  <a:extLst>
+                    <a:ext uri="{FF2B5EF4-FFF2-40B4-BE49-F238E27FC236}">
+                      <a16:creationId xmlns:a16="http://schemas.microsoft.com/office/drawing/2014/main" id="{F0809F43-FBA9-4EB0-B857-18636122ADFA}"/>
+                    </a:ext>
+                  </a:extLst>
+                </p:cNvPr>
+                <p:cNvPicPr/>
+                <p:nvPr/>
+              </p:nvPicPr>
+              <p:blipFill>
+                <a:blip r:embed="rId81"/>
+                <a:stretch>
+                  <a:fillRect/>
+                </a:stretch>
+              </p:blipFill>
+              <p:spPr>
+                <a:xfrm>
+                  <a:off x="9463945" y="2295549"/>
+                  <a:ext cx="113760" cy="458640"/>
+                </a:xfrm>
+                <a:prstGeom prst="rect">
+                  <a:avLst/>
+                </a:prstGeom>
+              </p:spPr>
+            </p:pic>
+          </mc:Fallback>
+        </mc:AlternateContent>
+        <mc:AlternateContent xmlns:mc="http://schemas.openxmlformats.org/markup-compatibility/2006">
+          <mc:Choice xmlns:p14="http://schemas.microsoft.com/office/powerpoint/2010/main" Requires="p14">
+            <p:contentPart p14:bwMode="auto" r:id="rId82">
+              <p14:nvContentPartPr>
+                <p14:cNvPr id="81" name="Ink 80">
+                  <a:extLst>
+                    <a:ext uri="{FF2B5EF4-FFF2-40B4-BE49-F238E27FC236}">
+                      <a16:creationId xmlns:a16="http://schemas.microsoft.com/office/drawing/2014/main" id="{FBFCF3A3-B775-432C-9561-4F71E678233C}"/>
+                    </a:ext>
+                  </a:extLst>
+                </p14:cNvPr>
+                <p14:cNvContentPartPr/>
+                <p14:nvPr/>
+              </p14:nvContentPartPr>
+              <p14:xfrm>
+                <a:off x="9568705" y="2539989"/>
+                <a:ext cx="154080" cy="81720"/>
+              </p14:xfrm>
+            </p:contentPart>
+          </mc:Choice>
+          <mc:Fallback>
+            <p:pic>
+              <p:nvPicPr>
+                <p:cNvPr id="81" name="Ink 80">
+                  <a:extLst>
+                    <a:ext uri="{FF2B5EF4-FFF2-40B4-BE49-F238E27FC236}">
+                      <a16:creationId xmlns:a16="http://schemas.microsoft.com/office/drawing/2014/main" id="{FBFCF3A3-B775-432C-9561-4F71E678233C}"/>
+                    </a:ext>
+                  </a:extLst>
+                </p:cNvPr>
+                <p:cNvPicPr/>
+                <p:nvPr/>
+              </p:nvPicPr>
+              <p:blipFill>
+                <a:blip r:embed="rId83"/>
+                <a:stretch>
+                  <a:fillRect/>
+                </a:stretch>
+              </p:blipFill>
+              <p:spPr>
+                <a:xfrm>
+                  <a:off x="9559705" y="2530989"/>
+                  <a:ext cx="171720" cy="99360"/>
+                </a:xfrm>
+                <a:prstGeom prst="rect">
+                  <a:avLst/>
+                </a:prstGeom>
+              </p:spPr>
+            </p:pic>
+          </mc:Fallback>
+        </mc:AlternateContent>
+        <mc:AlternateContent xmlns:mc="http://schemas.openxmlformats.org/markup-compatibility/2006">
+          <mc:Choice xmlns:p14="http://schemas.microsoft.com/office/powerpoint/2010/main" Requires="p14">
+            <p:contentPart p14:bwMode="auto" r:id="rId84">
+              <p14:nvContentPartPr>
+                <p14:cNvPr id="82" name="Ink 81">
+                  <a:extLst>
+                    <a:ext uri="{FF2B5EF4-FFF2-40B4-BE49-F238E27FC236}">
+                      <a16:creationId xmlns:a16="http://schemas.microsoft.com/office/drawing/2014/main" id="{2EDE888E-BA13-4939-871B-C048A608E15E}"/>
+                    </a:ext>
+                  </a:extLst>
+                </p14:cNvPr>
+                <p14:cNvContentPartPr/>
+                <p14:nvPr/>
+              </p14:nvContentPartPr>
+              <p14:xfrm>
+                <a:off x="9697585" y="2345589"/>
+                <a:ext cx="113400" cy="441000"/>
+              </p14:xfrm>
+            </p:contentPart>
+          </mc:Choice>
+          <mc:Fallback>
+            <p:pic>
+              <p:nvPicPr>
+                <p:cNvPr id="82" name="Ink 81">
+                  <a:extLst>
+                    <a:ext uri="{FF2B5EF4-FFF2-40B4-BE49-F238E27FC236}">
+                      <a16:creationId xmlns:a16="http://schemas.microsoft.com/office/drawing/2014/main" id="{2EDE888E-BA13-4939-871B-C048A608E15E}"/>
+                    </a:ext>
+                  </a:extLst>
+                </p:cNvPr>
+                <p:cNvPicPr/>
+                <p:nvPr/>
+              </p:nvPicPr>
+              <p:blipFill>
+                <a:blip r:embed="rId85"/>
+                <a:stretch>
+                  <a:fillRect/>
+                </a:stretch>
+              </p:blipFill>
+              <p:spPr>
+                <a:xfrm>
+                  <a:off x="9688945" y="2336949"/>
+                  <a:ext cx="131040" cy="458640"/>
+                </a:xfrm>
+                <a:prstGeom prst="rect">
+                  <a:avLst/>
+                </a:prstGeom>
+              </p:spPr>
+            </p:pic>
+          </mc:Fallback>
+        </mc:AlternateContent>
+      </p:grpSp>
+      <p:grpSp>
+        <p:nvGrpSpPr>
+          <p:cNvPr id="99" name="Group 98">
+            <a:extLst>
+              <a:ext uri="{FF2B5EF4-FFF2-40B4-BE49-F238E27FC236}">
+                <a16:creationId xmlns:a16="http://schemas.microsoft.com/office/drawing/2014/main" id="{FE7A85CC-4916-4080-929D-4B13D644F9B0}"/>
+              </a:ext>
+            </a:extLst>
+          </p:cNvPr>
+          <p:cNvGrpSpPr/>
+          <p:nvPr/>
+        </p:nvGrpSpPr>
+        <p:grpSpPr>
+          <a:xfrm>
+            <a:off x="9995305" y="2326869"/>
+            <a:ext cx="318240" cy="387000"/>
+            <a:chOff x="9995305" y="2326869"/>
+            <a:chExt cx="318240" cy="387000"/>
+          </a:xfrm>
+        </p:grpSpPr>
+        <mc:AlternateContent xmlns:mc="http://schemas.openxmlformats.org/markup-compatibility/2006">
+          <mc:Choice xmlns:p14="http://schemas.microsoft.com/office/powerpoint/2010/main" Requires="p14">
+            <p:contentPart p14:bwMode="auto" r:id="rId86">
+              <p14:nvContentPartPr>
+                <p14:cNvPr id="83" name="Ink 82">
+                  <a:extLst>
+                    <a:ext uri="{FF2B5EF4-FFF2-40B4-BE49-F238E27FC236}">
+                      <a16:creationId xmlns:a16="http://schemas.microsoft.com/office/drawing/2014/main" id="{F8FAC68A-4E1B-4300-B037-EA3BC242EAA7}"/>
+                    </a:ext>
+                  </a:extLst>
+                </p14:cNvPr>
+                <p14:cNvContentPartPr/>
+                <p14:nvPr/>
+              </p14:nvContentPartPr>
+              <p14:xfrm>
+                <a:off x="10086385" y="2326869"/>
+                <a:ext cx="95040" cy="380160"/>
+              </p14:xfrm>
+            </p:contentPart>
+          </mc:Choice>
+          <mc:Fallback>
+            <p:pic>
+              <p:nvPicPr>
+                <p:cNvPr id="83" name="Ink 82">
+                  <a:extLst>
+                    <a:ext uri="{FF2B5EF4-FFF2-40B4-BE49-F238E27FC236}">
+                      <a16:creationId xmlns:a16="http://schemas.microsoft.com/office/drawing/2014/main" id="{F8FAC68A-4E1B-4300-B037-EA3BC242EAA7}"/>
+                    </a:ext>
+                  </a:extLst>
+                </p:cNvPr>
+                <p:cNvPicPr/>
+                <p:nvPr/>
+              </p:nvPicPr>
+              <p:blipFill>
+                <a:blip r:embed="rId87"/>
+                <a:stretch>
+                  <a:fillRect/>
+                </a:stretch>
+              </p:blipFill>
+              <p:spPr>
+                <a:xfrm>
+                  <a:off x="10077385" y="2318229"/>
+                  <a:ext cx="112680" cy="397800"/>
+                </a:xfrm>
+                <a:prstGeom prst="rect">
+                  <a:avLst/>
+                </a:prstGeom>
+              </p:spPr>
+            </p:pic>
+          </mc:Fallback>
+        </mc:AlternateContent>
+        <mc:AlternateContent xmlns:mc="http://schemas.openxmlformats.org/markup-compatibility/2006">
+          <mc:Choice xmlns:p14="http://schemas.microsoft.com/office/powerpoint/2010/main" Requires="p14">
+            <p:contentPart p14:bwMode="auto" r:id="rId88">
+              <p14:nvContentPartPr>
+                <p14:cNvPr id="84" name="Ink 83">
+                  <a:extLst>
+                    <a:ext uri="{FF2B5EF4-FFF2-40B4-BE49-F238E27FC236}">
+                      <a16:creationId xmlns:a16="http://schemas.microsoft.com/office/drawing/2014/main" id="{AA7F327E-8C0E-43E6-A551-561CDFE5D2C8}"/>
+                    </a:ext>
+                  </a:extLst>
+                </p14:cNvPr>
+                <p14:cNvContentPartPr/>
+                <p14:nvPr/>
+              </p14:nvContentPartPr>
+              <p14:xfrm>
+                <a:off x="9995305" y="2608749"/>
+                <a:ext cx="164520" cy="54000"/>
+              </p14:xfrm>
+            </p:contentPart>
+          </mc:Choice>
+          <mc:Fallback>
+            <p:pic>
+              <p:nvPicPr>
+                <p:cNvPr id="84" name="Ink 83">
+                  <a:extLst>
+                    <a:ext uri="{FF2B5EF4-FFF2-40B4-BE49-F238E27FC236}">
+                      <a16:creationId xmlns:a16="http://schemas.microsoft.com/office/drawing/2014/main" id="{AA7F327E-8C0E-43E6-A551-561CDFE5D2C8}"/>
+                    </a:ext>
+                  </a:extLst>
+                </p:cNvPr>
+                <p:cNvPicPr/>
+                <p:nvPr/>
+              </p:nvPicPr>
+              <p:blipFill>
+                <a:blip r:embed="rId89"/>
+                <a:stretch>
+                  <a:fillRect/>
+                </a:stretch>
+              </p:blipFill>
+              <p:spPr>
+                <a:xfrm>
+                  <a:off x="9986305" y="2599749"/>
+                  <a:ext cx="182160" cy="71640"/>
+                </a:xfrm>
+                <a:prstGeom prst="rect">
+                  <a:avLst/>
+                </a:prstGeom>
+              </p:spPr>
+            </p:pic>
+          </mc:Fallback>
+        </mc:AlternateContent>
+        <mc:AlternateContent xmlns:mc="http://schemas.openxmlformats.org/markup-compatibility/2006">
+          <mc:Choice xmlns:p14="http://schemas.microsoft.com/office/powerpoint/2010/main" Requires="p14">
+            <p:contentPart p14:bwMode="auto" r:id="rId90">
+              <p14:nvContentPartPr>
+                <p14:cNvPr id="85" name="Ink 84">
+                  <a:extLst>
+                    <a:ext uri="{FF2B5EF4-FFF2-40B4-BE49-F238E27FC236}">
+                      <a16:creationId xmlns:a16="http://schemas.microsoft.com/office/drawing/2014/main" id="{8BA0ECB2-7423-404B-A6DB-D76F2FCDFF21}"/>
+                    </a:ext>
+                  </a:extLst>
+                </p14:cNvPr>
+                <p14:cNvContentPartPr/>
+                <p14:nvPr/>
+              </p14:nvContentPartPr>
+              <p14:xfrm>
+                <a:off x="10149385" y="2613429"/>
+                <a:ext cx="41040" cy="100440"/>
+              </p14:xfrm>
+            </p:contentPart>
+          </mc:Choice>
+          <mc:Fallback>
+            <p:pic>
+              <p:nvPicPr>
+                <p:cNvPr id="85" name="Ink 84">
+                  <a:extLst>
+                    <a:ext uri="{FF2B5EF4-FFF2-40B4-BE49-F238E27FC236}">
+                      <a16:creationId xmlns:a16="http://schemas.microsoft.com/office/drawing/2014/main" id="{8BA0ECB2-7423-404B-A6DB-D76F2FCDFF21}"/>
+                    </a:ext>
+                  </a:extLst>
+                </p:cNvPr>
+                <p:cNvPicPr/>
+                <p:nvPr/>
+              </p:nvPicPr>
+              <p:blipFill>
+                <a:blip r:embed="rId91"/>
+                <a:stretch>
+                  <a:fillRect/>
+                </a:stretch>
+              </p:blipFill>
+              <p:spPr>
+                <a:xfrm>
+                  <a:off x="10140385" y="2604789"/>
+                  <a:ext cx="58680" cy="118080"/>
+                </a:xfrm>
+                <a:prstGeom prst="rect">
+                  <a:avLst/>
+                </a:prstGeom>
+              </p:spPr>
+            </p:pic>
+          </mc:Fallback>
+        </mc:AlternateContent>
+        <mc:AlternateContent xmlns:mc="http://schemas.openxmlformats.org/markup-compatibility/2006">
+          <mc:Choice xmlns:p14="http://schemas.microsoft.com/office/powerpoint/2010/main" Requires="p14">
+            <p:contentPart p14:bwMode="auto" r:id="rId92">
+              <p14:nvContentPartPr>
+                <p14:cNvPr id="86" name="Ink 85">
+                  <a:extLst>
+                    <a:ext uri="{FF2B5EF4-FFF2-40B4-BE49-F238E27FC236}">
+                      <a16:creationId xmlns:a16="http://schemas.microsoft.com/office/drawing/2014/main" id="{C1DECD78-7BFC-40FC-A3FD-2A187F219EF7}"/>
+                    </a:ext>
+                  </a:extLst>
+                </p14:cNvPr>
+                <p14:cNvContentPartPr/>
+                <p14:nvPr/>
+              </p14:nvContentPartPr>
+              <p14:xfrm>
+                <a:off x="10251985" y="2497869"/>
+                <a:ext cx="61560" cy="167040"/>
+              </p14:xfrm>
+            </p:contentPart>
+          </mc:Choice>
+          <mc:Fallback>
+            <p:pic>
+              <p:nvPicPr>
+                <p:cNvPr id="86" name="Ink 85">
+                  <a:extLst>
+                    <a:ext uri="{FF2B5EF4-FFF2-40B4-BE49-F238E27FC236}">
+                      <a16:creationId xmlns:a16="http://schemas.microsoft.com/office/drawing/2014/main" id="{C1DECD78-7BFC-40FC-A3FD-2A187F219EF7}"/>
+                    </a:ext>
+                  </a:extLst>
+                </p:cNvPr>
+                <p:cNvPicPr/>
+                <p:nvPr/>
+              </p:nvPicPr>
+              <p:blipFill>
+                <a:blip r:embed="rId93"/>
+                <a:stretch>
+                  <a:fillRect/>
+                </a:stretch>
+              </p:blipFill>
+              <p:spPr>
+                <a:xfrm>
+                  <a:off x="10243345" y="2489229"/>
+                  <a:ext cx="79200" cy="184680"/>
+                </a:xfrm>
+                <a:prstGeom prst="rect">
+                  <a:avLst/>
+                </a:prstGeom>
+              </p:spPr>
+            </p:pic>
+          </mc:Fallback>
+        </mc:AlternateContent>
+      </p:grpSp>
+      <p:grpSp>
+        <p:nvGrpSpPr>
+          <p:cNvPr id="98" name="Group 97">
+            <a:extLst>
+              <a:ext uri="{FF2B5EF4-FFF2-40B4-BE49-F238E27FC236}">
+                <a16:creationId xmlns:a16="http://schemas.microsoft.com/office/drawing/2014/main" id="{392788C2-C8F9-400D-8EF2-BF4815A85556}"/>
+              </a:ext>
+            </a:extLst>
+          </p:cNvPr>
+          <p:cNvGrpSpPr/>
+          <p:nvPr/>
+        </p:nvGrpSpPr>
+        <p:grpSpPr>
+          <a:xfrm>
+            <a:off x="10519825" y="2376189"/>
+            <a:ext cx="600480" cy="313920"/>
+            <a:chOff x="10519825" y="2376189"/>
+            <a:chExt cx="600480" cy="313920"/>
+          </a:xfrm>
+        </p:grpSpPr>
+        <mc:AlternateContent xmlns:mc="http://schemas.openxmlformats.org/markup-compatibility/2006">
+          <mc:Choice xmlns:p14="http://schemas.microsoft.com/office/powerpoint/2010/main" Requires="p14">
+            <p:contentPart p14:bwMode="auto" r:id="rId94">
+              <p14:nvContentPartPr>
+                <p14:cNvPr id="87" name="Ink 86">
+                  <a:extLst>
+                    <a:ext uri="{FF2B5EF4-FFF2-40B4-BE49-F238E27FC236}">
+                      <a16:creationId xmlns:a16="http://schemas.microsoft.com/office/drawing/2014/main" id="{069E8817-68C6-469D-BA37-307514568B06}"/>
+                    </a:ext>
+                  </a:extLst>
+                </p14:cNvPr>
+                <p14:cNvContentPartPr/>
+                <p14:nvPr/>
+              </p14:nvContentPartPr>
+              <p14:xfrm>
+                <a:off x="10519825" y="2419749"/>
+                <a:ext cx="31320" cy="267840"/>
+              </p14:xfrm>
+            </p:contentPart>
+          </mc:Choice>
+          <mc:Fallback>
+            <p:pic>
+              <p:nvPicPr>
+                <p:cNvPr id="87" name="Ink 86">
+                  <a:extLst>
+                    <a:ext uri="{FF2B5EF4-FFF2-40B4-BE49-F238E27FC236}">
+                      <a16:creationId xmlns:a16="http://schemas.microsoft.com/office/drawing/2014/main" id="{069E8817-68C6-469D-BA37-307514568B06}"/>
+                    </a:ext>
+                  </a:extLst>
+                </p:cNvPr>
+                <p:cNvPicPr/>
+                <p:nvPr/>
+              </p:nvPicPr>
+              <p:blipFill>
+                <a:blip r:embed="rId95"/>
+                <a:stretch>
+                  <a:fillRect/>
+                </a:stretch>
+              </p:blipFill>
+              <p:spPr>
+                <a:xfrm>
+                  <a:off x="10511185" y="2411109"/>
+                  <a:ext cx="48960" cy="285480"/>
+                </a:xfrm>
+                <a:prstGeom prst="rect">
+                  <a:avLst/>
+                </a:prstGeom>
+              </p:spPr>
+            </p:pic>
+          </mc:Fallback>
+        </mc:AlternateContent>
+        <mc:AlternateContent xmlns:mc="http://schemas.openxmlformats.org/markup-compatibility/2006">
+          <mc:Choice xmlns:p14="http://schemas.microsoft.com/office/powerpoint/2010/main" Requires="p14">
+            <p:contentPart p14:bwMode="auto" r:id="rId96">
+              <p14:nvContentPartPr>
+                <p14:cNvPr id="88" name="Ink 87">
+                  <a:extLst>
+                    <a:ext uri="{FF2B5EF4-FFF2-40B4-BE49-F238E27FC236}">
+                      <a16:creationId xmlns:a16="http://schemas.microsoft.com/office/drawing/2014/main" id="{9C033656-B47A-4D40-B723-0A9B6EFA7D38}"/>
+                    </a:ext>
+                  </a:extLst>
+                </p14:cNvPr>
+                <p14:cNvContentPartPr/>
+                <p14:nvPr/>
+              </p14:nvContentPartPr>
+              <p14:xfrm>
+                <a:off x="10593985" y="2429469"/>
+                <a:ext cx="9720" cy="238320"/>
+              </p14:xfrm>
+            </p:contentPart>
+          </mc:Choice>
+          <mc:Fallback>
+            <p:pic>
+              <p:nvPicPr>
+                <p:cNvPr id="88" name="Ink 87">
+                  <a:extLst>
+                    <a:ext uri="{FF2B5EF4-FFF2-40B4-BE49-F238E27FC236}">
+                      <a16:creationId xmlns:a16="http://schemas.microsoft.com/office/drawing/2014/main" id="{9C033656-B47A-4D40-B723-0A9B6EFA7D38}"/>
+                    </a:ext>
+                  </a:extLst>
+                </p:cNvPr>
+                <p:cNvPicPr/>
+                <p:nvPr/>
+              </p:nvPicPr>
+              <p:blipFill>
+                <a:blip r:embed="rId97"/>
+                <a:stretch>
+                  <a:fillRect/>
+                </a:stretch>
+              </p:blipFill>
+              <p:spPr>
+                <a:xfrm>
+                  <a:off x="10584985" y="2420469"/>
+                  <a:ext cx="27360" cy="255960"/>
+                </a:xfrm>
+                <a:prstGeom prst="rect">
+                  <a:avLst/>
+                </a:prstGeom>
+              </p:spPr>
+            </p:pic>
+          </mc:Fallback>
+        </mc:AlternateContent>
+        <mc:AlternateContent xmlns:mc="http://schemas.openxmlformats.org/markup-compatibility/2006">
+          <mc:Choice xmlns:p14="http://schemas.microsoft.com/office/powerpoint/2010/main" Requires="p14">
+            <p:contentPart p14:bwMode="auto" r:id="rId98">
+              <p14:nvContentPartPr>
+                <p14:cNvPr id="89" name="Ink 88">
+                  <a:extLst>
+                    <a:ext uri="{FF2B5EF4-FFF2-40B4-BE49-F238E27FC236}">
+                      <a16:creationId xmlns:a16="http://schemas.microsoft.com/office/drawing/2014/main" id="{03FAA9A5-A449-40E8-A459-051D4D6B015F}"/>
+                    </a:ext>
+                  </a:extLst>
+                </p14:cNvPr>
+                <p14:cNvContentPartPr/>
+                <p14:nvPr/>
+              </p14:nvContentPartPr>
+              <p14:xfrm>
+                <a:off x="10630705" y="2548989"/>
+                <a:ext cx="120960" cy="141120"/>
+              </p14:xfrm>
+            </p:contentPart>
+          </mc:Choice>
+          <mc:Fallback>
+            <p:pic>
+              <p:nvPicPr>
+                <p:cNvPr id="89" name="Ink 88">
+                  <a:extLst>
+                    <a:ext uri="{FF2B5EF4-FFF2-40B4-BE49-F238E27FC236}">
+                      <a16:creationId xmlns:a16="http://schemas.microsoft.com/office/drawing/2014/main" id="{03FAA9A5-A449-40E8-A459-051D4D6B015F}"/>
+                    </a:ext>
+                  </a:extLst>
+                </p:cNvPr>
+                <p:cNvPicPr/>
+                <p:nvPr/>
+              </p:nvPicPr>
+              <p:blipFill>
+                <a:blip r:embed="rId99"/>
+                <a:stretch>
+                  <a:fillRect/>
+                </a:stretch>
+              </p:blipFill>
+              <p:spPr>
+                <a:xfrm>
+                  <a:off x="10622065" y="2539989"/>
+                  <a:ext cx="138600" cy="158760"/>
+                </a:xfrm>
+                <a:prstGeom prst="rect">
+                  <a:avLst/>
+                </a:prstGeom>
+              </p:spPr>
+            </p:pic>
+          </mc:Fallback>
+        </mc:AlternateContent>
+        <mc:AlternateContent xmlns:mc="http://schemas.openxmlformats.org/markup-compatibility/2006">
+          <mc:Choice xmlns:p14="http://schemas.microsoft.com/office/powerpoint/2010/main" Requires="p14">
+            <p:contentPart p14:bwMode="auto" r:id="rId100">
+              <p14:nvContentPartPr>
+                <p14:cNvPr id="90" name="Ink 89">
+                  <a:extLst>
+                    <a:ext uri="{FF2B5EF4-FFF2-40B4-BE49-F238E27FC236}">
+                      <a16:creationId xmlns:a16="http://schemas.microsoft.com/office/drawing/2014/main" id="{D3F38B75-2DED-43C7-B2B9-79E9102EE863}"/>
+                    </a:ext>
+                  </a:extLst>
+                </p14:cNvPr>
+                <p14:cNvContentPartPr/>
+                <p14:nvPr/>
+              </p14:nvContentPartPr>
+              <p14:xfrm>
+                <a:off x="10778665" y="2490309"/>
+                <a:ext cx="26280" cy="170280"/>
+              </p14:xfrm>
+            </p:contentPart>
+          </mc:Choice>
+          <mc:Fallback>
+            <p:pic>
+              <p:nvPicPr>
+                <p:cNvPr id="90" name="Ink 89">
+                  <a:extLst>
+                    <a:ext uri="{FF2B5EF4-FFF2-40B4-BE49-F238E27FC236}">
+                      <a16:creationId xmlns:a16="http://schemas.microsoft.com/office/drawing/2014/main" id="{D3F38B75-2DED-43C7-B2B9-79E9102EE863}"/>
+                    </a:ext>
+                  </a:extLst>
+                </p:cNvPr>
+                <p:cNvPicPr/>
+                <p:nvPr/>
+              </p:nvPicPr>
+              <p:blipFill>
+                <a:blip r:embed="rId101"/>
+                <a:stretch>
+                  <a:fillRect/>
+                </a:stretch>
+              </p:blipFill>
+              <p:spPr>
+                <a:xfrm>
+                  <a:off x="10769665" y="2481309"/>
+                  <a:ext cx="43920" cy="187920"/>
+                </a:xfrm>
+                <a:prstGeom prst="rect">
+                  <a:avLst/>
+                </a:prstGeom>
+              </p:spPr>
+            </p:pic>
+          </mc:Fallback>
+        </mc:AlternateContent>
+        <mc:AlternateContent xmlns:mc="http://schemas.openxmlformats.org/markup-compatibility/2006">
+          <mc:Choice xmlns:p14="http://schemas.microsoft.com/office/powerpoint/2010/main" Requires="p14">
+            <p:contentPart p14:bwMode="auto" r:id="rId102">
+              <p14:nvContentPartPr>
+                <p14:cNvPr id="91" name="Ink 90">
+                  <a:extLst>
+                    <a:ext uri="{FF2B5EF4-FFF2-40B4-BE49-F238E27FC236}">
+                      <a16:creationId xmlns:a16="http://schemas.microsoft.com/office/drawing/2014/main" id="{7DCA5931-68A3-47B5-9BE3-1DD650900A2E}"/>
+                    </a:ext>
+                  </a:extLst>
+                </p14:cNvPr>
+                <p14:cNvContentPartPr/>
+                <p14:nvPr/>
+              </p14:nvContentPartPr>
+              <p14:xfrm>
+                <a:off x="10826905" y="2376189"/>
+                <a:ext cx="293400" cy="274320"/>
+              </p14:xfrm>
+            </p:contentPart>
+          </mc:Choice>
+          <mc:Fallback>
+            <p:pic>
+              <p:nvPicPr>
+                <p:cNvPr id="91" name="Ink 90">
+                  <a:extLst>
+                    <a:ext uri="{FF2B5EF4-FFF2-40B4-BE49-F238E27FC236}">
+                      <a16:creationId xmlns:a16="http://schemas.microsoft.com/office/drawing/2014/main" id="{7DCA5931-68A3-47B5-9BE3-1DD650900A2E}"/>
+                    </a:ext>
+                  </a:extLst>
+                </p:cNvPr>
+                <p:cNvPicPr/>
+                <p:nvPr/>
+              </p:nvPicPr>
+              <p:blipFill>
+                <a:blip r:embed="rId103"/>
+                <a:stretch>
+                  <a:fillRect/>
+                </a:stretch>
+              </p:blipFill>
+              <p:spPr>
+                <a:xfrm>
+                  <a:off x="10818265" y="2367549"/>
+                  <a:ext cx="311040" cy="291960"/>
+                </a:xfrm>
+                <a:prstGeom prst="rect">
+                  <a:avLst/>
+                </a:prstGeom>
+              </p:spPr>
+            </p:pic>
+          </mc:Fallback>
+        </mc:AlternateContent>
+      </p:grpSp>
+      <p:grpSp>
+        <p:nvGrpSpPr>
+          <p:cNvPr id="97" name="Group 96">
+            <a:extLst>
+              <a:ext uri="{FF2B5EF4-FFF2-40B4-BE49-F238E27FC236}">
+                <a16:creationId xmlns:a16="http://schemas.microsoft.com/office/drawing/2014/main" id="{8CBC2EA3-6298-45EC-A737-91B391019841}"/>
+              </a:ext>
+            </a:extLst>
+          </p:cNvPr>
+          <p:cNvGrpSpPr/>
+          <p:nvPr/>
+        </p:nvGrpSpPr>
+        <p:grpSpPr>
+          <a:xfrm>
+            <a:off x="11304985" y="2318229"/>
+            <a:ext cx="323640" cy="355680"/>
+            <a:chOff x="11304985" y="2318229"/>
+            <a:chExt cx="323640" cy="355680"/>
+          </a:xfrm>
+        </p:grpSpPr>
+        <mc:AlternateContent xmlns:mc="http://schemas.openxmlformats.org/markup-compatibility/2006">
+          <mc:Choice xmlns:p14="http://schemas.microsoft.com/office/powerpoint/2010/main" Requires="p14">
+            <p:contentPart p14:bwMode="auto" r:id="rId104">
+              <p14:nvContentPartPr>
+                <p14:cNvPr id="92" name="Ink 91">
+                  <a:extLst>
+                    <a:ext uri="{FF2B5EF4-FFF2-40B4-BE49-F238E27FC236}">
+                      <a16:creationId xmlns:a16="http://schemas.microsoft.com/office/drawing/2014/main" id="{B7CFC03C-E195-4308-A214-39455584081F}"/>
+                    </a:ext>
+                  </a:extLst>
+                </p14:cNvPr>
+                <p14:cNvContentPartPr/>
+                <p14:nvPr/>
+              </p14:nvContentPartPr>
+              <p14:xfrm>
+                <a:off x="11304985" y="2318229"/>
+                <a:ext cx="34200" cy="351720"/>
+              </p14:xfrm>
+            </p:contentPart>
+          </mc:Choice>
+          <mc:Fallback>
+            <p:pic>
+              <p:nvPicPr>
+                <p:cNvPr id="92" name="Ink 91">
+                  <a:extLst>
+                    <a:ext uri="{FF2B5EF4-FFF2-40B4-BE49-F238E27FC236}">
+                      <a16:creationId xmlns:a16="http://schemas.microsoft.com/office/drawing/2014/main" id="{B7CFC03C-E195-4308-A214-39455584081F}"/>
+                    </a:ext>
+                  </a:extLst>
+                </p:cNvPr>
+                <p:cNvPicPr/>
+                <p:nvPr/>
+              </p:nvPicPr>
+              <p:blipFill>
+                <a:blip r:embed="rId105"/>
+                <a:stretch>
+                  <a:fillRect/>
+                </a:stretch>
+              </p:blipFill>
+              <p:spPr>
+                <a:xfrm>
+                  <a:off x="11295985" y="2309229"/>
+                  <a:ext cx="51840" cy="369360"/>
+                </a:xfrm>
+                <a:prstGeom prst="rect">
+                  <a:avLst/>
+                </a:prstGeom>
+              </p:spPr>
+            </p:pic>
+          </mc:Fallback>
+        </mc:AlternateContent>
+        <mc:AlternateContent xmlns:mc="http://schemas.openxmlformats.org/markup-compatibility/2006">
+          <mc:Choice xmlns:p14="http://schemas.microsoft.com/office/powerpoint/2010/main" Requires="p14">
+            <p:contentPart p14:bwMode="auto" r:id="rId106">
+              <p14:nvContentPartPr>
+                <p14:cNvPr id="93" name="Ink 92">
+                  <a:extLst>
+                    <a:ext uri="{FF2B5EF4-FFF2-40B4-BE49-F238E27FC236}">
+                      <a16:creationId xmlns:a16="http://schemas.microsoft.com/office/drawing/2014/main" id="{B781C82B-1615-41D8-9B2E-68EC98079272}"/>
+                    </a:ext>
+                  </a:extLst>
+                </p14:cNvPr>
+                <p14:cNvContentPartPr/>
+                <p14:nvPr/>
+              </p14:nvContentPartPr>
+              <p14:xfrm>
+                <a:off x="11397505" y="2539989"/>
+                <a:ext cx="17280" cy="110160"/>
+              </p14:xfrm>
+            </p:contentPart>
+          </mc:Choice>
+          <mc:Fallback>
+            <p:pic>
+              <p:nvPicPr>
+                <p:cNvPr id="93" name="Ink 92">
+                  <a:extLst>
+                    <a:ext uri="{FF2B5EF4-FFF2-40B4-BE49-F238E27FC236}">
+                      <a16:creationId xmlns:a16="http://schemas.microsoft.com/office/drawing/2014/main" id="{B781C82B-1615-41D8-9B2E-68EC98079272}"/>
+                    </a:ext>
+                  </a:extLst>
+                </p:cNvPr>
+                <p:cNvPicPr/>
+                <p:nvPr/>
+              </p:nvPicPr>
+              <p:blipFill>
+                <a:blip r:embed="rId107"/>
+                <a:stretch>
+                  <a:fillRect/>
+                </a:stretch>
+              </p:blipFill>
+              <p:spPr>
+                <a:xfrm>
+                  <a:off x="11388505" y="2530989"/>
+                  <a:ext cx="34920" cy="127800"/>
+                </a:xfrm>
+                <a:prstGeom prst="rect">
+                  <a:avLst/>
+                </a:prstGeom>
+              </p:spPr>
+            </p:pic>
+          </mc:Fallback>
+        </mc:AlternateContent>
+        <mc:AlternateContent xmlns:mc="http://schemas.openxmlformats.org/markup-compatibility/2006">
+          <mc:Choice xmlns:p14="http://schemas.microsoft.com/office/powerpoint/2010/main" Requires="p14">
+            <p:contentPart p14:bwMode="auto" r:id="rId108">
+              <p14:nvContentPartPr>
+                <p14:cNvPr id="94" name="Ink 93">
+                  <a:extLst>
+                    <a:ext uri="{FF2B5EF4-FFF2-40B4-BE49-F238E27FC236}">
+                      <a16:creationId xmlns:a16="http://schemas.microsoft.com/office/drawing/2014/main" id="{89930A32-D1AA-4320-B8D9-1E24CA127B6E}"/>
+                    </a:ext>
+                  </a:extLst>
+                </p14:cNvPr>
+                <p14:cNvContentPartPr/>
+                <p14:nvPr/>
+              </p14:nvContentPartPr>
+              <p14:xfrm>
+                <a:off x="11393185" y="2416869"/>
+                <a:ext cx="4680" cy="12240"/>
+              </p14:xfrm>
+            </p:contentPart>
+          </mc:Choice>
+          <mc:Fallback>
+            <p:pic>
+              <p:nvPicPr>
+                <p:cNvPr id="94" name="Ink 93">
+                  <a:extLst>
+                    <a:ext uri="{FF2B5EF4-FFF2-40B4-BE49-F238E27FC236}">
+                      <a16:creationId xmlns:a16="http://schemas.microsoft.com/office/drawing/2014/main" id="{89930A32-D1AA-4320-B8D9-1E24CA127B6E}"/>
+                    </a:ext>
+                  </a:extLst>
+                </p:cNvPr>
+                <p:cNvPicPr/>
+                <p:nvPr/>
+              </p:nvPicPr>
+              <p:blipFill>
+                <a:blip r:embed="rId109"/>
+                <a:stretch>
+                  <a:fillRect/>
+                </a:stretch>
+              </p:blipFill>
+              <p:spPr>
+                <a:xfrm>
+                  <a:off x="11384545" y="2408229"/>
+                  <a:ext cx="22320" cy="29880"/>
+                </a:xfrm>
+                <a:prstGeom prst="rect">
+                  <a:avLst/>
+                </a:prstGeom>
+              </p:spPr>
+            </p:pic>
+          </mc:Fallback>
+        </mc:AlternateContent>
+        <mc:AlternateContent xmlns:mc="http://schemas.openxmlformats.org/markup-compatibility/2006">
+          <mc:Choice xmlns:p14="http://schemas.microsoft.com/office/powerpoint/2010/main" Requires="p14">
+            <p:contentPart p14:bwMode="auto" r:id="rId110">
+              <p14:nvContentPartPr>
+                <p14:cNvPr id="95" name="Ink 94">
+                  <a:extLst>
+                    <a:ext uri="{FF2B5EF4-FFF2-40B4-BE49-F238E27FC236}">
+                      <a16:creationId xmlns:a16="http://schemas.microsoft.com/office/drawing/2014/main" id="{DEA3CF3F-4A45-422B-AABD-325E06C46155}"/>
+                    </a:ext>
+                  </a:extLst>
+                </p14:cNvPr>
+                <p14:cNvContentPartPr/>
+                <p14:nvPr/>
+              </p14:nvContentPartPr>
+              <p14:xfrm>
+                <a:off x="11441425" y="2401389"/>
+                <a:ext cx="133200" cy="272520"/>
+              </p14:xfrm>
+            </p:contentPart>
+          </mc:Choice>
+          <mc:Fallback>
+            <p:pic>
+              <p:nvPicPr>
+                <p:cNvPr id="95" name="Ink 94">
+                  <a:extLst>
+                    <a:ext uri="{FF2B5EF4-FFF2-40B4-BE49-F238E27FC236}">
+                      <a16:creationId xmlns:a16="http://schemas.microsoft.com/office/drawing/2014/main" id="{DEA3CF3F-4A45-422B-AABD-325E06C46155}"/>
+                    </a:ext>
+                  </a:extLst>
+                </p:cNvPr>
+                <p:cNvPicPr/>
+                <p:nvPr/>
+              </p:nvPicPr>
+              <p:blipFill>
+                <a:blip r:embed="rId111"/>
+                <a:stretch>
+                  <a:fillRect/>
+                </a:stretch>
+              </p:blipFill>
+              <p:spPr>
+                <a:xfrm>
+                  <a:off x="11432785" y="2392389"/>
+                  <a:ext cx="150840" cy="290160"/>
+                </a:xfrm>
+                <a:prstGeom prst="rect">
+                  <a:avLst/>
+                </a:prstGeom>
+              </p:spPr>
+            </p:pic>
+          </mc:Fallback>
+        </mc:AlternateContent>
+        <mc:AlternateContent xmlns:mc="http://schemas.openxmlformats.org/markup-compatibility/2006">
+          <mc:Choice xmlns:p14="http://schemas.microsoft.com/office/powerpoint/2010/main" Requires="p14">
+            <p:contentPart p14:bwMode="auto" r:id="rId112">
+              <p14:nvContentPartPr>
+                <p14:cNvPr id="96" name="Ink 95">
+                  <a:extLst>
+                    <a:ext uri="{FF2B5EF4-FFF2-40B4-BE49-F238E27FC236}">
+                      <a16:creationId xmlns:a16="http://schemas.microsoft.com/office/drawing/2014/main" id="{E361A3C5-0DE3-4B90-9E21-D0D30A44CEC9}"/>
+                    </a:ext>
+                  </a:extLst>
+                </p14:cNvPr>
+                <p14:cNvContentPartPr/>
+                <p14:nvPr/>
+              </p14:nvContentPartPr>
+              <p14:xfrm>
+                <a:off x="11447905" y="2540349"/>
+                <a:ext cx="180720" cy="20160"/>
+              </p14:xfrm>
+            </p:contentPart>
+          </mc:Choice>
+          <mc:Fallback>
+            <p:pic>
+              <p:nvPicPr>
+                <p:cNvPr id="96" name="Ink 95">
+                  <a:extLst>
+                    <a:ext uri="{FF2B5EF4-FFF2-40B4-BE49-F238E27FC236}">
+                      <a16:creationId xmlns:a16="http://schemas.microsoft.com/office/drawing/2014/main" id="{E361A3C5-0DE3-4B90-9E21-D0D30A44CEC9}"/>
+                    </a:ext>
+                  </a:extLst>
+                </p:cNvPr>
+                <p:cNvPicPr/>
+                <p:nvPr/>
+              </p:nvPicPr>
+              <p:blipFill>
+                <a:blip r:embed="rId113"/>
+                <a:stretch>
+                  <a:fillRect/>
+                </a:stretch>
+              </p:blipFill>
+              <p:spPr>
+                <a:xfrm>
+                  <a:off x="11439265" y="2531349"/>
+                  <a:ext cx="198360" cy="37800"/>
+                </a:xfrm>
+                <a:prstGeom prst="rect">
+                  <a:avLst/>
+                </a:prstGeom>
+              </p:spPr>
+            </p:pic>
+          </mc:Fallback>
+        </mc:AlternateContent>
+      </p:grpSp>
+    </p:spTree>
+    <p:extLst>
+      <p:ext uri="{BB962C8B-B14F-4D97-AF65-F5344CB8AC3E}">
+        <p14:creationId xmlns:p14="http://schemas.microsoft.com/office/powerpoint/2010/main" val="3847662200"/>
+      </p:ext>
+    </p:extLst>
+  </p:cSld>
+  <p:clrMapOvr>
+    <a:masterClrMapping/>
+  </p:clrMapOvr>
+</p:sld>
+</file>
+
 <file path=ppt/theme/theme1.xml><?xml version="1.0" encoding="utf-8"?>
 <a:theme xmlns:a="http://schemas.openxmlformats.org/drawingml/2006/main" name="Office Theme">
   <a:themeElements>
